--- a/Session_2_Spring_Boot_Actuator.pptx
+++ b/Session_2_Spring_Boot_Actuator.pptx
@@ -1,29 +1,29 @@
 
 <file path=ppt/presentation.xml><?xml version="1.0" encoding="utf-8"?>
-<p:presentation xmlns:a="http://schemas.openxmlformats.org/drawingml/2006/main" xmlns:r="http://schemas.openxmlformats.org/officeDocument/2006/relationships" xmlns:mc="http://schemas.openxmlformats.org/markup-compatibility/2006" xmlns:mv="urn:schemas-microsoft-com:mac:vml" xmlns:p="http://schemas.openxmlformats.org/presentationml/2006/main" xmlns:c="http://schemas.openxmlformats.org/drawingml/2006/chart" xmlns:dgm="http://schemas.openxmlformats.org/drawingml/2006/diagram" xmlns:o="urn:schemas-microsoft-com:office:office" xmlns:v="urn:schemas-microsoft-com:vml" xmlns:pvml="urn:schemas-microsoft-com:office:powerpoint" xmlns:com="http://schemas.openxmlformats.org/drawingml/2006/compatibility" xmlns:p14="http://schemas.microsoft.com/office/powerpoint/2010/main" autoCompressPictures="0" strictFirstAndLastChars="0" saveSubsetFonts="1">
+<p:presentation xmlns:a="http://schemas.openxmlformats.org/drawingml/2006/main" xmlns:r="http://schemas.openxmlformats.org/officeDocument/2006/relationships" xmlns:p="http://schemas.openxmlformats.org/presentationml/2006/main" strictFirstAndLastChars="0" saveSubsetFonts="1" autoCompressPictures="0">
   <p:sldMasterIdLst>
-    <p:sldMasterId id="2147483653" r:id="rId3"/>
+    <p:sldMasterId id="2147483653" r:id="rId1"/>
   </p:sldMasterIdLst>
   <p:notesMasterIdLst>
-    <p:notesMasterId r:id="rId4"/>
+    <p:notesMasterId r:id="rId13"/>
   </p:notesMasterIdLst>
   <p:sldIdLst>
-    <p:sldId id="256" r:id="rId5"/>
-    <p:sldId id="257" r:id="rId6"/>
-    <p:sldId id="258" r:id="rId7"/>
-    <p:sldId id="259" r:id="rId8"/>
-    <p:sldId id="260" r:id="rId9"/>
-    <p:sldId id="261" r:id="rId10"/>
-    <p:sldId id="262" r:id="rId11"/>
-    <p:sldId id="263" r:id="rId12"/>
-    <p:sldId id="264" r:id="rId13"/>
-    <p:sldId id="265" r:id="rId14"/>
-    <p:sldId id="266" r:id="rId15"/>
+    <p:sldId id="256" r:id="rId2"/>
+    <p:sldId id="257" r:id="rId3"/>
+    <p:sldId id="258" r:id="rId4"/>
+    <p:sldId id="259" r:id="rId5"/>
+    <p:sldId id="260" r:id="rId6"/>
+    <p:sldId id="261" r:id="rId7"/>
+    <p:sldId id="262" r:id="rId8"/>
+    <p:sldId id="263" r:id="rId9"/>
+    <p:sldId id="264" r:id="rId10"/>
+    <p:sldId id="265" r:id="rId11"/>
+    <p:sldId id="266" r:id="rId12"/>
   </p:sldIdLst>
-  <p:sldSz cy="5143500" cx="9144000"/>
+  <p:sldSz cx="9144000" cy="5143500" type="screen16x9"/>
   <p:notesSz cx="6858000" cy="9144000"/>
   <p:defaultTextStyle>
-    <a:defPPr lvl="0" marR="0" rtl="0" algn="l">
+    <a:defPPr marR="0" lvl="0" algn="l" rtl="0">
       <a:lnSpc>
         <a:spcPct val="100000"/>
       </a:lnSpc>
@@ -34,7 +34,7 @@
         <a:spcPts val="0"/>
       </a:spcAft>
     </a:defPPr>
-    <a:lvl1pPr lvl="0" marR="0" rtl="0" algn="l">
+    <a:lvl1pPr marR="0" lvl="0" algn="l" rtl="0">
       <a:lnSpc>
         <a:spcPct val="100000"/>
       </a:lnSpc>
@@ -45,7 +45,7 @@
         <a:spcPts val="0"/>
       </a:spcAft>
       <a:buNone/>
-      <a:defRPr b="0" i="0" sz="1400" u="none" cap="none" strike="noStrike">
+      <a:defRPr sz="1400" b="0" i="0" u="none" strike="noStrike" cap="none">
         <a:solidFill>
           <a:srgbClr val="000000"/>
         </a:solidFill>
@@ -55,7 +55,7 @@
         <a:sym typeface="Arial"/>
       </a:defRPr>
     </a:lvl1pPr>
-    <a:lvl2pPr lvl="1" marR="0" rtl="0" algn="l">
+    <a:lvl2pPr marR="0" lvl="1" algn="l" rtl="0">
       <a:lnSpc>
         <a:spcPct val="100000"/>
       </a:lnSpc>
@@ -66,7 +66,7 @@
         <a:spcPts val="0"/>
       </a:spcAft>
       <a:buNone/>
-      <a:defRPr b="0" i="0" sz="1400" u="none" cap="none" strike="noStrike">
+      <a:defRPr sz="1400" b="0" i="0" u="none" strike="noStrike" cap="none">
         <a:solidFill>
           <a:srgbClr val="000000"/>
         </a:solidFill>
@@ -76,7 +76,7 @@
         <a:sym typeface="Arial"/>
       </a:defRPr>
     </a:lvl2pPr>
-    <a:lvl3pPr lvl="2" marR="0" rtl="0" algn="l">
+    <a:lvl3pPr marR="0" lvl="2" algn="l" rtl="0">
       <a:lnSpc>
         <a:spcPct val="100000"/>
       </a:lnSpc>
@@ -87,7 +87,7 @@
         <a:spcPts val="0"/>
       </a:spcAft>
       <a:buNone/>
-      <a:defRPr b="0" i="0" sz="1400" u="none" cap="none" strike="noStrike">
+      <a:defRPr sz="1400" b="0" i="0" u="none" strike="noStrike" cap="none">
         <a:solidFill>
           <a:srgbClr val="000000"/>
         </a:solidFill>
@@ -97,7 +97,7 @@
         <a:sym typeface="Arial"/>
       </a:defRPr>
     </a:lvl3pPr>
-    <a:lvl4pPr lvl="3" marR="0" rtl="0" algn="l">
+    <a:lvl4pPr marR="0" lvl="3" algn="l" rtl="0">
       <a:lnSpc>
         <a:spcPct val="100000"/>
       </a:lnSpc>
@@ -108,7 +108,7 @@
         <a:spcPts val="0"/>
       </a:spcAft>
       <a:buNone/>
-      <a:defRPr b="0" i="0" sz="1400" u="none" cap="none" strike="noStrike">
+      <a:defRPr sz="1400" b="0" i="0" u="none" strike="noStrike" cap="none">
         <a:solidFill>
           <a:srgbClr val="000000"/>
         </a:solidFill>
@@ -118,7 +118,7 @@
         <a:sym typeface="Arial"/>
       </a:defRPr>
     </a:lvl4pPr>
-    <a:lvl5pPr lvl="4" marR="0" rtl="0" algn="l">
+    <a:lvl5pPr marR="0" lvl="4" algn="l" rtl="0">
       <a:lnSpc>
         <a:spcPct val="100000"/>
       </a:lnSpc>
@@ -129,7 +129,7 @@
         <a:spcPts val="0"/>
       </a:spcAft>
       <a:buNone/>
-      <a:defRPr b="0" i="0" sz="1400" u="none" cap="none" strike="noStrike">
+      <a:defRPr sz="1400" b="0" i="0" u="none" strike="noStrike" cap="none">
         <a:solidFill>
           <a:srgbClr val="000000"/>
         </a:solidFill>
@@ -139,7 +139,7 @@
         <a:sym typeface="Arial"/>
       </a:defRPr>
     </a:lvl5pPr>
-    <a:lvl6pPr lvl="5" marR="0" rtl="0" algn="l">
+    <a:lvl6pPr marR="0" lvl="5" algn="l" rtl="0">
       <a:lnSpc>
         <a:spcPct val="100000"/>
       </a:lnSpc>
@@ -150,7 +150,7 @@
         <a:spcPts val="0"/>
       </a:spcAft>
       <a:buNone/>
-      <a:defRPr b="0" i="0" sz="1400" u="none" cap="none" strike="noStrike">
+      <a:defRPr sz="1400" b="0" i="0" u="none" strike="noStrike" cap="none">
         <a:solidFill>
           <a:srgbClr val="000000"/>
         </a:solidFill>
@@ -160,7 +160,7 @@
         <a:sym typeface="Arial"/>
       </a:defRPr>
     </a:lvl6pPr>
-    <a:lvl7pPr lvl="6" marR="0" rtl="0" algn="l">
+    <a:lvl7pPr marR="0" lvl="6" algn="l" rtl="0">
       <a:lnSpc>
         <a:spcPct val="100000"/>
       </a:lnSpc>
@@ -171,7 +171,7 @@
         <a:spcPts val="0"/>
       </a:spcAft>
       <a:buNone/>
-      <a:defRPr b="0" i="0" sz="1400" u="none" cap="none" strike="noStrike">
+      <a:defRPr sz="1400" b="0" i="0" u="none" strike="noStrike" cap="none">
         <a:solidFill>
           <a:srgbClr val="000000"/>
         </a:solidFill>
@@ -181,7 +181,7 @@
         <a:sym typeface="Arial"/>
       </a:defRPr>
     </a:lvl7pPr>
-    <a:lvl8pPr lvl="7" marR="0" rtl="0" algn="l">
+    <a:lvl8pPr marR="0" lvl="7" algn="l" rtl="0">
       <a:lnSpc>
         <a:spcPct val="100000"/>
       </a:lnSpc>
@@ -192,7 +192,7 @@
         <a:spcPts val="0"/>
       </a:spcAft>
       <a:buNone/>
-      <a:defRPr b="0" i="0" sz="1400" u="none" cap="none" strike="noStrike">
+      <a:defRPr sz="1400" b="0" i="0" u="none" strike="noStrike" cap="none">
         <a:solidFill>
           <a:srgbClr val="000000"/>
         </a:solidFill>
@@ -202,7 +202,7 @@
         <a:sym typeface="Arial"/>
       </a:defRPr>
     </a:lvl8pPr>
-    <a:lvl9pPr lvl="8" marR="0" rtl="0" algn="l">
+    <a:lvl9pPr marR="0" lvl="8" algn="l" rtl="0">
       <a:lnSpc>
         <a:spcPct val="100000"/>
       </a:lnSpc>
@@ -213,7 +213,7 @@
         <a:spcPts val="0"/>
       </a:spcAft>
       <a:buNone/>
-      <a:defRPr b="0" i="0" sz="1400" u="none" cap="none" strike="noStrike">
+      <a:defRPr sz="1400" b="0" i="0" u="none" strike="noStrike" cap="none">
         <a:solidFill>
           <a:srgbClr val="000000"/>
         </a:solidFill>
@@ -228,18 +228,19 @@
 </file>
 
 <file path=ppt/notesMasters/notesMaster1.xml><?xml version="1.0" encoding="utf-8"?>
-<p:notesMaster xmlns:a="http://schemas.openxmlformats.org/drawingml/2006/main" xmlns:r="http://schemas.openxmlformats.org/officeDocument/2006/relationships" xmlns:mc="http://schemas.openxmlformats.org/markup-compatibility/2006" xmlns:mv="urn:schemas-microsoft-com:mac:vml" xmlns:p="http://schemas.openxmlformats.org/presentationml/2006/main" xmlns:c="http://schemas.openxmlformats.org/drawingml/2006/chart" xmlns:dgm="http://schemas.openxmlformats.org/drawingml/2006/diagram" xmlns:o="urn:schemas-microsoft-com:office:office" xmlns:v="urn:schemas-microsoft-com:vml" xmlns:pvml="urn:schemas-microsoft-com:office:powerpoint" xmlns:com="http://schemas.openxmlformats.org/drawingml/2006/compatibility" xmlns:p14="http://schemas.microsoft.com/office/powerpoint/2010/main">
+<p:notesMaster xmlns:a="http://schemas.openxmlformats.org/drawingml/2006/main" xmlns:r="http://schemas.openxmlformats.org/officeDocument/2006/relationships" xmlns:p="http://schemas.openxmlformats.org/presentationml/2006/main">
   <p:cSld>
     <p:bg>
       <p:bgPr>
         <a:solidFill>
           <a:schemeClr val="lt1"/>
         </a:solidFill>
+        <a:effectLst/>
       </p:bgPr>
     </p:bg>
     <p:spTree>
       <p:nvGrpSpPr>
-        <p:cNvPr id="2" name="Shape 2"/>
+        <p:cNvPr id="1" name="Shape 2"/>
         <p:cNvGrpSpPr/>
         <p:nvPr/>
       </p:nvGrpSpPr>
@@ -254,9 +255,11 @@
       <p:sp>
         <p:nvSpPr>
           <p:cNvPr id="3" name="Shape 3"/>
-          <p:cNvSpPr txBox="1"/>
+          <p:cNvSpPr txBox="1">
+            <a:spLocks noGrp="1"/>
+          </p:cNvSpPr>
           <p:nvPr>
-            <p:ph idx="2" type="hdr"/>
+            <p:ph type="hdr" idx="2"/>
           </p:nvPr>
         </p:nvSpPr>
         <p:spPr>
@@ -273,14 +276,14 @@
           </a:ln>
         </p:spPr>
         <p:txBody>
-          <a:bodyPr anchorCtr="0" anchor="t" bIns="91425" lIns="91425" rIns="91425" tIns="91425"/>
+          <a:bodyPr lIns="91425" tIns="91425" rIns="91425" bIns="91425" anchor="t" anchorCtr="0"/>
           <a:lstStyle>
-            <a:lvl1pPr indent="0" lvl="0" marL="0" marR="0" rtl="0" algn="l">
-              <a:spcBef>
-                <a:spcPts val="0"/>
-              </a:spcBef>
-              <a:buNone/>
-              <a:defRPr b="0" i="0" sz="1200" u="none" cap="none" strike="noStrike">
+            <a:lvl1pPr marL="0" marR="0" lvl="0" indent="0" algn="l" rtl="0">
+              <a:spcBef>
+                <a:spcPts val="0"/>
+              </a:spcBef>
+              <a:buNone/>
+              <a:defRPr sz="1200" b="0" i="0" u="none" strike="noStrike" cap="none">
                 <a:solidFill>
                   <a:schemeClr val="dk1"/>
                 </a:solidFill>
@@ -290,12 +293,12 @@
                 <a:sym typeface="Calibri"/>
               </a:defRPr>
             </a:lvl1pPr>
-            <a:lvl2pPr indent="0" lvl="1" marL="457200" marR="0" rtl="0" algn="l">
-              <a:spcBef>
-                <a:spcPts val="0"/>
-              </a:spcBef>
-              <a:buNone/>
-              <a:defRPr b="0" i="0" sz="1800" u="none" cap="none" strike="noStrike">
+            <a:lvl2pPr marL="457200" marR="0" lvl="1" indent="0" algn="l" rtl="0">
+              <a:spcBef>
+                <a:spcPts val="0"/>
+              </a:spcBef>
+              <a:buNone/>
+              <a:defRPr sz="1800" b="0" i="0" u="none" strike="noStrike" cap="none">
                 <a:solidFill>
                   <a:schemeClr val="dk1"/>
                 </a:solidFill>
@@ -305,12 +308,12 @@
                 <a:sym typeface="Calibri"/>
               </a:defRPr>
             </a:lvl2pPr>
-            <a:lvl3pPr indent="0" lvl="2" marL="914400" marR="0" rtl="0" algn="l">
-              <a:spcBef>
-                <a:spcPts val="0"/>
-              </a:spcBef>
-              <a:buNone/>
-              <a:defRPr b="0" i="0" sz="1800" u="none" cap="none" strike="noStrike">
+            <a:lvl3pPr marL="914400" marR="0" lvl="2" indent="0" algn="l" rtl="0">
+              <a:spcBef>
+                <a:spcPts val="0"/>
+              </a:spcBef>
+              <a:buNone/>
+              <a:defRPr sz="1800" b="0" i="0" u="none" strike="noStrike" cap="none">
                 <a:solidFill>
                   <a:schemeClr val="dk1"/>
                 </a:solidFill>
@@ -320,12 +323,12 @@
                 <a:sym typeface="Calibri"/>
               </a:defRPr>
             </a:lvl3pPr>
-            <a:lvl4pPr indent="0" lvl="3" marL="1371600" marR="0" rtl="0" algn="l">
-              <a:spcBef>
-                <a:spcPts val="0"/>
-              </a:spcBef>
-              <a:buNone/>
-              <a:defRPr b="0" i="0" sz="1800" u="none" cap="none" strike="noStrike">
+            <a:lvl4pPr marL="1371600" marR="0" lvl="3" indent="0" algn="l" rtl="0">
+              <a:spcBef>
+                <a:spcPts val="0"/>
+              </a:spcBef>
+              <a:buNone/>
+              <a:defRPr sz="1800" b="0" i="0" u="none" strike="noStrike" cap="none">
                 <a:solidFill>
                   <a:schemeClr val="dk1"/>
                 </a:solidFill>
@@ -335,12 +338,12 @@
                 <a:sym typeface="Calibri"/>
               </a:defRPr>
             </a:lvl4pPr>
-            <a:lvl5pPr indent="0" lvl="4" marL="1828800" marR="0" rtl="0" algn="l">
-              <a:spcBef>
-                <a:spcPts val="0"/>
-              </a:spcBef>
-              <a:buNone/>
-              <a:defRPr b="0" i="0" sz="1800" u="none" cap="none" strike="noStrike">
+            <a:lvl5pPr marL="1828800" marR="0" lvl="4" indent="0" algn="l" rtl="0">
+              <a:spcBef>
+                <a:spcPts val="0"/>
+              </a:spcBef>
+              <a:buNone/>
+              <a:defRPr sz="1800" b="0" i="0" u="none" strike="noStrike" cap="none">
                 <a:solidFill>
                   <a:schemeClr val="dk1"/>
                 </a:solidFill>
@@ -350,12 +353,12 @@
                 <a:sym typeface="Calibri"/>
               </a:defRPr>
             </a:lvl5pPr>
-            <a:lvl6pPr indent="0" lvl="5" marL="2286000" marR="0" rtl="0" algn="l">
-              <a:spcBef>
-                <a:spcPts val="0"/>
-              </a:spcBef>
-              <a:buNone/>
-              <a:defRPr b="0" i="0" sz="1800" u="none" cap="none" strike="noStrike">
+            <a:lvl6pPr marL="2286000" marR="0" lvl="5" indent="0" algn="l" rtl="0">
+              <a:spcBef>
+                <a:spcPts val="0"/>
+              </a:spcBef>
+              <a:buNone/>
+              <a:defRPr sz="1800" b="0" i="0" u="none" strike="noStrike" cap="none">
                 <a:solidFill>
                   <a:schemeClr val="dk1"/>
                 </a:solidFill>
@@ -365,12 +368,12 @@
                 <a:sym typeface="Calibri"/>
               </a:defRPr>
             </a:lvl6pPr>
-            <a:lvl7pPr indent="0" lvl="6" marL="2743200" marR="0" rtl="0" algn="l">
-              <a:spcBef>
-                <a:spcPts val="0"/>
-              </a:spcBef>
-              <a:buNone/>
-              <a:defRPr b="0" i="0" sz="1800" u="none" cap="none" strike="noStrike">
+            <a:lvl7pPr marL="2743200" marR="0" lvl="6" indent="0" algn="l" rtl="0">
+              <a:spcBef>
+                <a:spcPts val="0"/>
+              </a:spcBef>
+              <a:buNone/>
+              <a:defRPr sz="1800" b="0" i="0" u="none" strike="noStrike" cap="none">
                 <a:solidFill>
                   <a:schemeClr val="dk1"/>
                 </a:solidFill>
@@ -380,12 +383,12 @@
                 <a:sym typeface="Calibri"/>
               </a:defRPr>
             </a:lvl7pPr>
-            <a:lvl8pPr indent="0" lvl="7" marL="3200400" marR="0" rtl="0" algn="l">
-              <a:spcBef>
-                <a:spcPts val="0"/>
-              </a:spcBef>
-              <a:buNone/>
-              <a:defRPr b="0" i="0" sz="1800" u="none" cap="none" strike="noStrike">
+            <a:lvl8pPr marL="3200400" marR="0" lvl="7" indent="0" algn="l" rtl="0">
+              <a:spcBef>
+                <a:spcPts val="0"/>
+              </a:spcBef>
+              <a:buNone/>
+              <a:defRPr sz="1800" b="0" i="0" u="none" strike="noStrike" cap="none">
                 <a:solidFill>
                   <a:schemeClr val="dk1"/>
                 </a:solidFill>
@@ -395,12 +398,12 @@
                 <a:sym typeface="Calibri"/>
               </a:defRPr>
             </a:lvl8pPr>
-            <a:lvl9pPr indent="0" lvl="8" marL="3657600" marR="0" rtl="0" algn="l">
-              <a:spcBef>
-                <a:spcPts val="0"/>
-              </a:spcBef>
-              <a:buNone/>
-              <a:defRPr b="0" i="0" sz="1800" u="none" cap="none" strike="noStrike">
+            <a:lvl9pPr marL="3657600" marR="0" lvl="8" indent="0" algn="l" rtl="0">
+              <a:spcBef>
+                <a:spcPts val="0"/>
+              </a:spcBef>
+              <a:buNone/>
+              <a:defRPr sz="1800" b="0" i="0" u="none" strike="noStrike" cap="none">
                 <a:solidFill>
                   <a:schemeClr val="dk1"/>
                 </a:solidFill>
@@ -411,15 +414,19 @@
               </a:defRPr>
             </a:lvl9pPr>
           </a:lstStyle>
-          <a:p/>
+          <a:p>
+            <a:endParaRPr/>
+          </a:p>
         </p:txBody>
       </p:sp>
       <p:sp>
         <p:nvSpPr>
           <p:cNvPr id="4" name="Shape 4"/>
-          <p:cNvSpPr txBox="1"/>
+          <p:cNvSpPr txBox="1">
+            <a:spLocks noGrp="1"/>
+          </p:cNvSpPr>
           <p:nvPr>
-            <p:ph idx="10" type="dt"/>
+            <p:ph type="dt" idx="10"/>
           </p:nvPr>
         </p:nvSpPr>
         <p:spPr>
@@ -436,14 +443,14 @@
           </a:ln>
         </p:spPr>
         <p:txBody>
-          <a:bodyPr anchorCtr="0" anchor="t" bIns="91425" lIns="91425" rIns="91425" tIns="91425"/>
+          <a:bodyPr lIns="91425" tIns="91425" rIns="91425" bIns="91425" anchor="t" anchorCtr="0"/>
           <a:lstStyle>
-            <a:lvl1pPr indent="0" lvl="0" marL="0" marR="0" rtl="0" algn="r">
-              <a:spcBef>
-                <a:spcPts val="0"/>
-              </a:spcBef>
-              <a:buNone/>
-              <a:defRPr b="0" i="0" sz="1200" u="none" cap="none" strike="noStrike">
+            <a:lvl1pPr marL="0" marR="0" lvl="0" indent="0" algn="r" rtl="0">
+              <a:spcBef>
+                <a:spcPts val="0"/>
+              </a:spcBef>
+              <a:buNone/>
+              <a:defRPr sz="1200" b="0" i="0" u="none" strike="noStrike" cap="none">
                 <a:solidFill>
                   <a:schemeClr val="dk1"/>
                 </a:solidFill>
@@ -453,12 +460,12 @@
                 <a:sym typeface="Calibri"/>
               </a:defRPr>
             </a:lvl1pPr>
-            <a:lvl2pPr indent="0" lvl="1" marL="457200" marR="0" rtl="0" algn="l">
-              <a:spcBef>
-                <a:spcPts val="0"/>
-              </a:spcBef>
-              <a:buNone/>
-              <a:defRPr b="0" i="0" sz="1800" u="none" cap="none" strike="noStrike">
+            <a:lvl2pPr marL="457200" marR="0" lvl="1" indent="0" algn="l" rtl="0">
+              <a:spcBef>
+                <a:spcPts val="0"/>
+              </a:spcBef>
+              <a:buNone/>
+              <a:defRPr sz="1800" b="0" i="0" u="none" strike="noStrike" cap="none">
                 <a:solidFill>
                   <a:schemeClr val="dk1"/>
                 </a:solidFill>
@@ -468,12 +475,12 @@
                 <a:sym typeface="Calibri"/>
               </a:defRPr>
             </a:lvl2pPr>
-            <a:lvl3pPr indent="0" lvl="2" marL="914400" marR="0" rtl="0" algn="l">
-              <a:spcBef>
-                <a:spcPts val="0"/>
-              </a:spcBef>
-              <a:buNone/>
-              <a:defRPr b="0" i="0" sz="1800" u="none" cap="none" strike="noStrike">
+            <a:lvl3pPr marL="914400" marR="0" lvl="2" indent="0" algn="l" rtl="0">
+              <a:spcBef>
+                <a:spcPts val="0"/>
+              </a:spcBef>
+              <a:buNone/>
+              <a:defRPr sz="1800" b="0" i="0" u="none" strike="noStrike" cap="none">
                 <a:solidFill>
                   <a:schemeClr val="dk1"/>
                 </a:solidFill>
@@ -483,12 +490,12 @@
                 <a:sym typeface="Calibri"/>
               </a:defRPr>
             </a:lvl3pPr>
-            <a:lvl4pPr indent="0" lvl="3" marL="1371600" marR="0" rtl="0" algn="l">
-              <a:spcBef>
-                <a:spcPts val="0"/>
-              </a:spcBef>
-              <a:buNone/>
-              <a:defRPr b="0" i="0" sz="1800" u="none" cap="none" strike="noStrike">
+            <a:lvl4pPr marL="1371600" marR="0" lvl="3" indent="0" algn="l" rtl="0">
+              <a:spcBef>
+                <a:spcPts val="0"/>
+              </a:spcBef>
+              <a:buNone/>
+              <a:defRPr sz="1800" b="0" i="0" u="none" strike="noStrike" cap="none">
                 <a:solidFill>
                   <a:schemeClr val="dk1"/>
                 </a:solidFill>
@@ -498,12 +505,12 @@
                 <a:sym typeface="Calibri"/>
               </a:defRPr>
             </a:lvl4pPr>
-            <a:lvl5pPr indent="0" lvl="4" marL="1828800" marR="0" rtl="0" algn="l">
-              <a:spcBef>
-                <a:spcPts val="0"/>
-              </a:spcBef>
-              <a:buNone/>
-              <a:defRPr b="0" i="0" sz="1800" u="none" cap="none" strike="noStrike">
+            <a:lvl5pPr marL="1828800" marR="0" lvl="4" indent="0" algn="l" rtl="0">
+              <a:spcBef>
+                <a:spcPts val="0"/>
+              </a:spcBef>
+              <a:buNone/>
+              <a:defRPr sz="1800" b="0" i="0" u="none" strike="noStrike" cap="none">
                 <a:solidFill>
                   <a:schemeClr val="dk1"/>
                 </a:solidFill>
@@ -513,12 +520,12 @@
                 <a:sym typeface="Calibri"/>
               </a:defRPr>
             </a:lvl5pPr>
-            <a:lvl6pPr indent="0" lvl="5" marL="2286000" marR="0" rtl="0" algn="l">
-              <a:spcBef>
-                <a:spcPts val="0"/>
-              </a:spcBef>
-              <a:buNone/>
-              <a:defRPr b="0" i="0" sz="1800" u="none" cap="none" strike="noStrike">
+            <a:lvl6pPr marL="2286000" marR="0" lvl="5" indent="0" algn="l" rtl="0">
+              <a:spcBef>
+                <a:spcPts val="0"/>
+              </a:spcBef>
+              <a:buNone/>
+              <a:defRPr sz="1800" b="0" i="0" u="none" strike="noStrike" cap="none">
                 <a:solidFill>
                   <a:schemeClr val="dk1"/>
                 </a:solidFill>
@@ -528,12 +535,12 @@
                 <a:sym typeface="Calibri"/>
               </a:defRPr>
             </a:lvl6pPr>
-            <a:lvl7pPr indent="0" lvl="6" marL="2743200" marR="0" rtl="0" algn="l">
-              <a:spcBef>
-                <a:spcPts val="0"/>
-              </a:spcBef>
-              <a:buNone/>
-              <a:defRPr b="0" i="0" sz="1800" u="none" cap="none" strike="noStrike">
+            <a:lvl7pPr marL="2743200" marR="0" lvl="6" indent="0" algn="l" rtl="0">
+              <a:spcBef>
+                <a:spcPts val="0"/>
+              </a:spcBef>
+              <a:buNone/>
+              <a:defRPr sz="1800" b="0" i="0" u="none" strike="noStrike" cap="none">
                 <a:solidFill>
                   <a:schemeClr val="dk1"/>
                 </a:solidFill>
@@ -543,12 +550,12 @@
                 <a:sym typeface="Calibri"/>
               </a:defRPr>
             </a:lvl7pPr>
-            <a:lvl8pPr indent="0" lvl="7" marL="3200400" marR="0" rtl="0" algn="l">
-              <a:spcBef>
-                <a:spcPts val="0"/>
-              </a:spcBef>
-              <a:buNone/>
-              <a:defRPr b="0" i="0" sz="1800" u="none" cap="none" strike="noStrike">
+            <a:lvl8pPr marL="3200400" marR="0" lvl="7" indent="0" algn="l" rtl="0">
+              <a:spcBef>
+                <a:spcPts val="0"/>
+              </a:spcBef>
+              <a:buNone/>
+              <a:defRPr sz="1800" b="0" i="0" u="none" strike="noStrike" cap="none">
                 <a:solidFill>
                   <a:schemeClr val="dk1"/>
                 </a:solidFill>
@@ -558,12 +565,12 @@
                 <a:sym typeface="Calibri"/>
               </a:defRPr>
             </a:lvl8pPr>
-            <a:lvl9pPr indent="0" lvl="8" marL="3657600" marR="0" rtl="0" algn="l">
-              <a:spcBef>
-                <a:spcPts val="0"/>
-              </a:spcBef>
-              <a:buNone/>
-              <a:defRPr b="0" i="0" sz="1800" u="none" cap="none" strike="noStrike">
+            <a:lvl9pPr marL="3657600" marR="0" lvl="8" indent="0" algn="l" rtl="0">
+              <a:spcBef>
+                <a:spcPts val="0"/>
+              </a:spcBef>
+              <a:buNone/>
+              <a:defRPr sz="1800" b="0" i="0" u="none" strike="noStrike" cap="none">
                 <a:solidFill>
                   <a:schemeClr val="dk1"/>
                 </a:solidFill>
@@ -574,15 +581,19 @@
               </a:defRPr>
             </a:lvl9pPr>
           </a:lstStyle>
-          <a:p/>
+          <a:p>
+            <a:endParaRPr/>
+          </a:p>
         </p:txBody>
       </p:sp>
       <p:sp>
         <p:nvSpPr>
           <p:cNvPr id="5" name="Shape 5"/>
-          <p:cNvSpPr/>
+          <p:cNvSpPr>
+            <a:spLocks noGrp="1" noRot="1" noChangeAspect="1"/>
+          </p:cNvSpPr>
           <p:nvPr>
-            <p:ph idx="3" type="sldImg"/>
+            <p:ph type="sldImg" idx="3"/>
           </p:nvPr>
         </p:nvSpPr>
         <p:spPr>
@@ -591,8 +602,13 @@
             <a:ext cx="6096000" cy="3429000"/>
           </a:xfrm>
           <a:custGeom>
+            <a:avLst/>
+            <a:gdLst/>
+            <a:ahLst/>
+            <a:cxnLst/>
+            <a:rect l="0" t="0" r="0" b="0"/>
             <a:pathLst>
-              <a:path extrusionOk="0" h="120000" w="120000">
+              <a:path w="120000" h="120000" extrusionOk="0">
                 <a:moveTo>
                   <a:pt x="0" y="0"/>
                 </a:moveTo>
@@ -610,23 +626,25 @@
             </a:pathLst>
           </a:custGeom>
           <a:noFill/>
-          <a:ln cap="flat" cmpd="sng" w="12700">
+          <a:ln w="12700" cap="flat" cmpd="sng">
             <a:solidFill>
               <a:srgbClr val="000000"/>
             </a:solidFill>
             <a:prstDash val="solid"/>
             <a:round/>
-            <a:headEnd len="med" w="med" type="none"/>
-            <a:tailEnd len="med" w="med" type="none"/>
+            <a:headEnd type="none" w="med" len="med"/>
+            <a:tailEnd type="none" w="med" len="med"/>
           </a:ln>
         </p:spPr>
       </p:sp>
       <p:sp>
         <p:nvSpPr>
           <p:cNvPr id="6" name="Shape 6"/>
-          <p:cNvSpPr txBox="1"/>
+          <p:cNvSpPr txBox="1">
+            <a:spLocks noGrp="1"/>
+          </p:cNvSpPr>
           <p:nvPr>
-            <p:ph idx="1" type="body"/>
+            <p:ph type="body" idx="1"/>
           </p:nvPr>
         </p:nvSpPr>
         <p:spPr>
@@ -643,14 +661,14 @@
           </a:ln>
         </p:spPr>
         <p:txBody>
-          <a:bodyPr anchorCtr="0" anchor="t" bIns="91425" lIns="91425" rIns="91425" tIns="91425"/>
+          <a:bodyPr lIns="91425" tIns="91425" rIns="91425" bIns="91425" anchor="t" anchorCtr="0"/>
           <a:lstStyle>
-            <a:lvl1pPr indent="0" lvl="0" marL="0" marR="0" rtl="0" algn="l">
-              <a:spcBef>
-                <a:spcPts val="0"/>
-              </a:spcBef>
-              <a:buNone/>
-              <a:defRPr b="0" i="0" sz="1200" u="none" cap="none" strike="noStrike">
+            <a:lvl1pPr marL="0" marR="0" lvl="0" indent="0" algn="l" rtl="0">
+              <a:spcBef>
+                <a:spcPts val="0"/>
+              </a:spcBef>
+              <a:buNone/>
+              <a:defRPr sz="1200" b="0" i="0" u="none" strike="noStrike" cap="none">
                 <a:solidFill>
                   <a:schemeClr val="dk1"/>
                 </a:solidFill>
@@ -660,12 +678,12 @@
                 <a:sym typeface="Calibri"/>
               </a:defRPr>
             </a:lvl1pPr>
-            <a:lvl2pPr indent="0" lvl="1" marL="457200" marR="0" rtl="0" algn="l">
-              <a:spcBef>
-                <a:spcPts val="0"/>
-              </a:spcBef>
-              <a:buNone/>
-              <a:defRPr b="0" i="0" sz="1200" u="none" cap="none" strike="noStrike">
+            <a:lvl2pPr marL="457200" marR="0" lvl="1" indent="0" algn="l" rtl="0">
+              <a:spcBef>
+                <a:spcPts val="0"/>
+              </a:spcBef>
+              <a:buNone/>
+              <a:defRPr sz="1200" b="0" i="0" u="none" strike="noStrike" cap="none">
                 <a:solidFill>
                   <a:schemeClr val="dk1"/>
                 </a:solidFill>
@@ -675,12 +693,12 @@
                 <a:sym typeface="Calibri"/>
               </a:defRPr>
             </a:lvl2pPr>
-            <a:lvl3pPr indent="0" lvl="2" marL="914400" marR="0" rtl="0" algn="l">
-              <a:spcBef>
-                <a:spcPts val="0"/>
-              </a:spcBef>
-              <a:buNone/>
-              <a:defRPr b="0" i="0" sz="1200" u="none" cap="none" strike="noStrike">
+            <a:lvl3pPr marL="914400" marR="0" lvl="2" indent="0" algn="l" rtl="0">
+              <a:spcBef>
+                <a:spcPts val="0"/>
+              </a:spcBef>
+              <a:buNone/>
+              <a:defRPr sz="1200" b="0" i="0" u="none" strike="noStrike" cap="none">
                 <a:solidFill>
                   <a:schemeClr val="dk1"/>
                 </a:solidFill>
@@ -690,12 +708,12 @@
                 <a:sym typeface="Calibri"/>
               </a:defRPr>
             </a:lvl3pPr>
-            <a:lvl4pPr indent="0" lvl="3" marL="1371600" marR="0" rtl="0" algn="l">
-              <a:spcBef>
-                <a:spcPts val="0"/>
-              </a:spcBef>
-              <a:buNone/>
-              <a:defRPr b="0" i="0" sz="1200" u="none" cap="none" strike="noStrike">
+            <a:lvl4pPr marL="1371600" marR="0" lvl="3" indent="0" algn="l" rtl="0">
+              <a:spcBef>
+                <a:spcPts val="0"/>
+              </a:spcBef>
+              <a:buNone/>
+              <a:defRPr sz="1200" b="0" i="0" u="none" strike="noStrike" cap="none">
                 <a:solidFill>
                   <a:schemeClr val="dk1"/>
                 </a:solidFill>
@@ -705,12 +723,12 @@
                 <a:sym typeface="Calibri"/>
               </a:defRPr>
             </a:lvl4pPr>
-            <a:lvl5pPr indent="0" lvl="4" marL="1828800" marR="0" rtl="0" algn="l">
-              <a:spcBef>
-                <a:spcPts val="0"/>
-              </a:spcBef>
-              <a:buNone/>
-              <a:defRPr b="0" i="0" sz="1200" u="none" cap="none" strike="noStrike">
+            <a:lvl5pPr marL="1828800" marR="0" lvl="4" indent="0" algn="l" rtl="0">
+              <a:spcBef>
+                <a:spcPts val="0"/>
+              </a:spcBef>
+              <a:buNone/>
+              <a:defRPr sz="1200" b="0" i="0" u="none" strike="noStrike" cap="none">
                 <a:solidFill>
                   <a:schemeClr val="dk1"/>
                 </a:solidFill>
@@ -720,12 +738,12 @@
                 <a:sym typeface="Calibri"/>
               </a:defRPr>
             </a:lvl5pPr>
-            <a:lvl6pPr indent="0" lvl="5" marL="2286000" marR="0" rtl="0" algn="l">
-              <a:spcBef>
-                <a:spcPts val="0"/>
-              </a:spcBef>
-              <a:buNone/>
-              <a:defRPr b="0" i="0" sz="1200" u="none" cap="none" strike="noStrike">
+            <a:lvl6pPr marL="2286000" marR="0" lvl="5" indent="0" algn="l" rtl="0">
+              <a:spcBef>
+                <a:spcPts val="0"/>
+              </a:spcBef>
+              <a:buNone/>
+              <a:defRPr sz="1200" b="0" i="0" u="none" strike="noStrike" cap="none">
                 <a:solidFill>
                   <a:schemeClr val="dk1"/>
                 </a:solidFill>
@@ -735,12 +753,12 @@
                 <a:sym typeface="Calibri"/>
               </a:defRPr>
             </a:lvl6pPr>
-            <a:lvl7pPr indent="0" lvl="6" marL="2743200" marR="0" rtl="0" algn="l">
-              <a:spcBef>
-                <a:spcPts val="0"/>
-              </a:spcBef>
-              <a:buNone/>
-              <a:defRPr b="0" i="0" sz="1200" u="none" cap="none" strike="noStrike">
+            <a:lvl7pPr marL="2743200" marR="0" lvl="6" indent="0" algn="l" rtl="0">
+              <a:spcBef>
+                <a:spcPts val="0"/>
+              </a:spcBef>
+              <a:buNone/>
+              <a:defRPr sz="1200" b="0" i="0" u="none" strike="noStrike" cap="none">
                 <a:solidFill>
                   <a:schemeClr val="dk1"/>
                 </a:solidFill>
@@ -750,12 +768,12 @@
                 <a:sym typeface="Calibri"/>
               </a:defRPr>
             </a:lvl7pPr>
-            <a:lvl8pPr indent="0" lvl="7" marL="3200400" marR="0" rtl="0" algn="l">
-              <a:spcBef>
-                <a:spcPts val="0"/>
-              </a:spcBef>
-              <a:buNone/>
-              <a:defRPr b="0" i="0" sz="1200" u="none" cap="none" strike="noStrike">
+            <a:lvl8pPr marL="3200400" marR="0" lvl="7" indent="0" algn="l" rtl="0">
+              <a:spcBef>
+                <a:spcPts val="0"/>
+              </a:spcBef>
+              <a:buNone/>
+              <a:defRPr sz="1200" b="0" i="0" u="none" strike="noStrike" cap="none">
                 <a:solidFill>
                   <a:schemeClr val="dk1"/>
                 </a:solidFill>
@@ -765,12 +783,12 @@
                 <a:sym typeface="Calibri"/>
               </a:defRPr>
             </a:lvl8pPr>
-            <a:lvl9pPr indent="0" lvl="8" marL="3657600" marR="0" rtl="0" algn="l">
-              <a:spcBef>
-                <a:spcPts val="0"/>
-              </a:spcBef>
-              <a:buNone/>
-              <a:defRPr b="0" i="0" sz="1200" u="none" cap="none" strike="noStrike">
+            <a:lvl9pPr marL="3657600" marR="0" lvl="8" indent="0" algn="l" rtl="0">
+              <a:spcBef>
+                <a:spcPts val="0"/>
+              </a:spcBef>
+              <a:buNone/>
+              <a:defRPr sz="1200" b="0" i="0" u="none" strike="noStrike" cap="none">
                 <a:solidFill>
                   <a:schemeClr val="dk1"/>
                 </a:solidFill>
@@ -781,15 +799,19 @@
               </a:defRPr>
             </a:lvl9pPr>
           </a:lstStyle>
-          <a:p/>
+          <a:p>
+            <a:endParaRPr/>
+          </a:p>
         </p:txBody>
       </p:sp>
       <p:sp>
         <p:nvSpPr>
           <p:cNvPr id="7" name="Shape 7"/>
-          <p:cNvSpPr txBox="1"/>
+          <p:cNvSpPr txBox="1">
+            <a:spLocks noGrp="1"/>
+          </p:cNvSpPr>
           <p:nvPr>
-            <p:ph idx="11" type="ftr"/>
+            <p:ph type="ftr" idx="11"/>
           </p:nvPr>
         </p:nvSpPr>
         <p:spPr>
@@ -806,14 +828,14 @@
           </a:ln>
         </p:spPr>
         <p:txBody>
-          <a:bodyPr anchorCtr="0" anchor="b" bIns="91425" lIns="91425" rIns="91425" tIns="91425"/>
+          <a:bodyPr lIns="91425" tIns="91425" rIns="91425" bIns="91425" anchor="b" anchorCtr="0"/>
           <a:lstStyle>
-            <a:lvl1pPr indent="0" lvl="0" marL="0" marR="0" rtl="0" algn="l">
-              <a:spcBef>
-                <a:spcPts val="0"/>
-              </a:spcBef>
-              <a:buNone/>
-              <a:defRPr b="0" i="0" sz="1200" u="none" cap="none" strike="noStrike">
+            <a:lvl1pPr marL="0" marR="0" lvl="0" indent="0" algn="l" rtl="0">
+              <a:spcBef>
+                <a:spcPts val="0"/>
+              </a:spcBef>
+              <a:buNone/>
+              <a:defRPr sz="1200" b="0" i="0" u="none" strike="noStrike" cap="none">
                 <a:solidFill>
                   <a:schemeClr val="dk1"/>
                 </a:solidFill>
@@ -823,12 +845,12 @@
                 <a:sym typeface="Calibri"/>
               </a:defRPr>
             </a:lvl1pPr>
-            <a:lvl2pPr indent="0" lvl="1" marL="457200" marR="0" rtl="0" algn="l">
-              <a:spcBef>
-                <a:spcPts val="0"/>
-              </a:spcBef>
-              <a:buNone/>
-              <a:defRPr b="0" i="0" sz="1800" u="none" cap="none" strike="noStrike">
+            <a:lvl2pPr marL="457200" marR="0" lvl="1" indent="0" algn="l" rtl="0">
+              <a:spcBef>
+                <a:spcPts val="0"/>
+              </a:spcBef>
+              <a:buNone/>
+              <a:defRPr sz="1800" b="0" i="0" u="none" strike="noStrike" cap="none">
                 <a:solidFill>
                   <a:schemeClr val="dk1"/>
                 </a:solidFill>
@@ -838,12 +860,12 @@
                 <a:sym typeface="Calibri"/>
               </a:defRPr>
             </a:lvl2pPr>
-            <a:lvl3pPr indent="0" lvl="2" marL="914400" marR="0" rtl="0" algn="l">
-              <a:spcBef>
-                <a:spcPts val="0"/>
-              </a:spcBef>
-              <a:buNone/>
-              <a:defRPr b="0" i="0" sz="1800" u="none" cap="none" strike="noStrike">
+            <a:lvl3pPr marL="914400" marR="0" lvl="2" indent="0" algn="l" rtl="0">
+              <a:spcBef>
+                <a:spcPts val="0"/>
+              </a:spcBef>
+              <a:buNone/>
+              <a:defRPr sz="1800" b="0" i="0" u="none" strike="noStrike" cap="none">
                 <a:solidFill>
                   <a:schemeClr val="dk1"/>
                 </a:solidFill>
@@ -853,12 +875,12 @@
                 <a:sym typeface="Calibri"/>
               </a:defRPr>
             </a:lvl3pPr>
-            <a:lvl4pPr indent="0" lvl="3" marL="1371600" marR="0" rtl="0" algn="l">
-              <a:spcBef>
-                <a:spcPts val="0"/>
-              </a:spcBef>
-              <a:buNone/>
-              <a:defRPr b="0" i="0" sz="1800" u="none" cap="none" strike="noStrike">
+            <a:lvl4pPr marL="1371600" marR="0" lvl="3" indent="0" algn="l" rtl="0">
+              <a:spcBef>
+                <a:spcPts val="0"/>
+              </a:spcBef>
+              <a:buNone/>
+              <a:defRPr sz="1800" b="0" i="0" u="none" strike="noStrike" cap="none">
                 <a:solidFill>
                   <a:schemeClr val="dk1"/>
                 </a:solidFill>
@@ -868,12 +890,12 @@
                 <a:sym typeface="Calibri"/>
               </a:defRPr>
             </a:lvl4pPr>
-            <a:lvl5pPr indent="0" lvl="4" marL="1828800" marR="0" rtl="0" algn="l">
-              <a:spcBef>
-                <a:spcPts val="0"/>
-              </a:spcBef>
-              <a:buNone/>
-              <a:defRPr b="0" i="0" sz="1800" u="none" cap="none" strike="noStrike">
+            <a:lvl5pPr marL="1828800" marR="0" lvl="4" indent="0" algn="l" rtl="0">
+              <a:spcBef>
+                <a:spcPts val="0"/>
+              </a:spcBef>
+              <a:buNone/>
+              <a:defRPr sz="1800" b="0" i="0" u="none" strike="noStrike" cap="none">
                 <a:solidFill>
                   <a:schemeClr val="dk1"/>
                 </a:solidFill>
@@ -883,12 +905,12 @@
                 <a:sym typeface="Calibri"/>
               </a:defRPr>
             </a:lvl5pPr>
-            <a:lvl6pPr indent="0" lvl="5" marL="2286000" marR="0" rtl="0" algn="l">
-              <a:spcBef>
-                <a:spcPts val="0"/>
-              </a:spcBef>
-              <a:buNone/>
-              <a:defRPr b="0" i="0" sz="1800" u="none" cap="none" strike="noStrike">
+            <a:lvl6pPr marL="2286000" marR="0" lvl="5" indent="0" algn="l" rtl="0">
+              <a:spcBef>
+                <a:spcPts val="0"/>
+              </a:spcBef>
+              <a:buNone/>
+              <a:defRPr sz="1800" b="0" i="0" u="none" strike="noStrike" cap="none">
                 <a:solidFill>
                   <a:schemeClr val="dk1"/>
                 </a:solidFill>
@@ -898,12 +920,12 @@
                 <a:sym typeface="Calibri"/>
               </a:defRPr>
             </a:lvl6pPr>
-            <a:lvl7pPr indent="0" lvl="6" marL="2743200" marR="0" rtl="0" algn="l">
-              <a:spcBef>
-                <a:spcPts val="0"/>
-              </a:spcBef>
-              <a:buNone/>
-              <a:defRPr b="0" i="0" sz="1800" u="none" cap="none" strike="noStrike">
+            <a:lvl7pPr marL="2743200" marR="0" lvl="6" indent="0" algn="l" rtl="0">
+              <a:spcBef>
+                <a:spcPts val="0"/>
+              </a:spcBef>
+              <a:buNone/>
+              <a:defRPr sz="1800" b="0" i="0" u="none" strike="noStrike" cap="none">
                 <a:solidFill>
                   <a:schemeClr val="dk1"/>
                 </a:solidFill>
@@ -913,12 +935,12 @@
                 <a:sym typeface="Calibri"/>
               </a:defRPr>
             </a:lvl7pPr>
-            <a:lvl8pPr indent="0" lvl="7" marL="3200400" marR="0" rtl="0" algn="l">
-              <a:spcBef>
-                <a:spcPts val="0"/>
-              </a:spcBef>
-              <a:buNone/>
-              <a:defRPr b="0" i="0" sz="1800" u="none" cap="none" strike="noStrike">
+            <a:lvl8pPr marL="3200400" marR="0" lvl="7" indent="0" algn="l" rtl="0">
+              <a:spcBef>
+                <a:spcPts val="0"/>
+              </a:spcBef>
+              <a:buNone/>
+              <a:defRPr sz="1800" b="0" i="0" u="none" strike="noStrike" cap="none">
                 <a:solidFill>
                   <a:schemeClr val="dk1"/>
                 </a:solidFill>
@@ -928,12 +950,12 @@
                 <a:sym typeface="Calibri"/>
               </a:defRPr>
             </a:lvl8pPr>
-            <a:lvl9pPr indent="0" lvl="8" marL="3657600" marR="0" rtl="0" algn="l">
-              <a:spcBef>
-                <a:spcPts val="0"/>
-              </a:spcBef>
-              <a:buNone/>
-              <a:defRPr b="0" i="0" sz="1800" u="none" cap="none" strike="noStrike">
+            <a:lvl9pPr marL="3657600" marR="0" lvl="8" indent="0" algn="l" rtl="0">
+              <a:spcBef>
+                <a:spcPts val="0"/>
+              </a:spcBef>
+              <a:buNone/>
+              <a:defRPr sz="1800" b="0" i="0" u="none" strike="noStrike" cap="none">
                 <a:solidFill>
                   <a:schemeClr val="dk1"/>
                 </a:solidFill>
@@ -944,15 +966,19 @@
               </a:defRPr>
             </a:lvl9pPr>
           </a:lstStyle>
-          <a:p/>
+          <a:p>
+            <a:endParaRPr/>
+          </a:p>
         </p:txBody>
       </p:sp>
       <p:sp>
         <p:nvSpPr>
           <p:cNvPr id="8" name="Shape 8"/>
-          <p:cNvSpPr txBox="1"/>
+          <p:cNvSpPr txBox="1">
+            <a:spLocks noGrp="1"/>
+          </p:cNvSpPr>
           <p:nvPr>
-            <p:ph idx="12" type="sldNum"/>
+            <p:ph type="sldNum" idx="12"/>
           </p:nvPr>
         </p:nvSpPr>
         <p:spPr>
@@ -969,12 +995,12 @@
           </a:ln>
         </p:spPr>
         <p:txBody>
-          <a:bodyPr anchorCtr="0" anchor="b" bIns="45700" lIns="91425" rIns="91425" tIns="45700">
+          <a:bodyPr lIns="91425" tIns="45700" rIns="91425" bIns="45700" anchor="b" anchorCtr="0">
             <a:noAutofit/>
           </a:bodyPr>
           <a:lstStyle/>
           <a:p>
-            <a:pPr indent="0" lvl="0" marL="0" marR="0" rtl="0" algn="r">
+            <a:pPr marL="0" marR="0" lvl="0" indent="0" algn="r" rtl="0">
               <a:spcBef>
                 <a:spcPts val="0"/>
               </a:spcBef>
@@ -982,7 +1008,7 @@
               <a:buNone/>
             </a:pPr>
             <a:fld id="{00000000-1234-1234-1234-123412341234}" type="slidenum">
-              <a:rPr b="0" i="0" lang="en-US" sz="1200" u="none" cap="none" strike="noStrike">
+              <a:rPr lang="en-US" sz="1200" b="0" i="0" u="none" strike="noStrike" cap="none">
                 <a:solidFill>
                   <a:schemeClr val="dk1"/>
                 </a:solidFill>
@@ -993,21 +1019,127 @@
               </a:rPr>
               <a:t>‹#›</a:t>
             </a:fld>
+            <a:endParaRPr lang="en-US" sz="1200" b="0" i="0" u="none" strike="noStrike" cap="none">
+              <a:solidFill>
+                <a:schemeClr val="dk1"/>
+              </a:solidFill>
+              <a:latin typeface="Calibri"/>
+              <a:ea typeface="Calibri"/>
+              <a:cs typeface="Calibri"/>
+              <a:sym typeface="Calibri"/>
+            </a:endParaRPr>
           </a:p>
         </p:txBody>
       </p:sp>
     </p:spTree>
+    <p:extLst>
+      <p:ext uri="{BB962C8B-B14F-4D97-AF65-F5344CB8AC3E}">
+        <p14:creationId xmlns:p14="http://schemas.microsoft.com/office/powerpoint/2010/main" val="3014170821"/>
+      </p:ext>
+    </p:extLst>
   </p:cSld>
-  <p:clrMap accent1="accent1" accent2="accent2" accent3="accent3" accent4="accent4" accent5="accent5" accent6="accent6" bg1="lt1" bg2="dk2" tx1="dk1" tx2="lt2" folHlink="folHlink" hlink="hlink"/>
+  <p:clrMap bg1="lt1" tx1="dk1" bg2="dk2" tx2="lt2" accent1="accent1" accent2="accent2" accent3="accent3" accent4="accent4" accent5="accent5" accent6="accent6" hlink="hlink" folHlink="folHlink"/>
+  <p:notesStyle>
+    <a:lvl1pPr marL="0" algn="l" defTabSz="457200" rtl="0" eaLnBrk="1" latinLnBrk="0" hangingPunct="1">
+      <a:defRPr sz="1200" kern="1200">
+        <a:solidFill>
+          <a:schemeClr val="tx1"/>
+        </a:solidFill>
+        <a:latin typeface="+mn-lt"/>
+        <a:ea typeface="+mn-ea"/>
+        <a:cs typeface="+mn-cs"/>
+      </a:defRPr>
+    </a:lvl1pPr>
+    <a:lvl2pPr marL="457200" algn="l" defTabSz="457200" rtl="0" eaLnBrk="1" latinLnBrk="0" hangingPunct="1">
+      <a:defRPr sz="1200" kern="1200">
+        <a:solidFill>
+          <a:schemeClr val="tx1"/>
+        </a:solidFill>
+        <a:latin typeface="+mn-lt"/>
+        <a:ea typeface="+mn-ea"/>
+        <a:cs typeface="+mn-cs"/>
+      </a:defRPr>
+    </a:lvl2pPr>
+    <a:lvl3pPr marL="914400" algn="l" defTabSz="457200" rtl="0" eaLnBrk="1" latinLnBrk="0" hangingPunct="1">
+      <a:defRPr sz="1200" kern="1200">
+        <a:solidFill>
+          <a:schemeClr val="tx1"/>
+        </a:solidFill>
+        <a:latin typeface="+mn-lt"/>
+        <a:ea typeface="+mn-ea"/>
+        <a:cs typeface="+mn-cs"/>
+      </a:defRPr>
+    </a:lvl3pPr>
+    <a:lvl4pPr marL="1371600" algn="l" defTabSz="457200" rtl="0" eaLnBrk="1" latinLnBrk="0" hangingPunct="1">
+      <a:defRPr sz="1200" kern="1200">
+        <a:solidFill>
+          <a:schemeClr val="tx1"/>
+        </a:solidFill>
+        <a:latin typeface="+mn-lt"/>
+        <a:ea typeface="+mn-ea"/>
+        <a:cs typeface="+mn-cs"/>
+      </a:defRPr>
+    </a:lvl4pPr>
+    <a:lvl5pPr marL="1828800" algn="l" defTabSz="457200" rtl="0" eaLnBrk="1" latinLnBrk="0" hangingPunct="1">
+      <a:defRPr sz="1200" kern="1200">
+        <a:solidFill>
+          <a:schemeClr val="tx1"/>
+        </a:solidFill>
+        <a:latin typeface="+mn-lt"/>
+        <a:ea typeface="+mn-ea"/>
+        <a:cs typeface="+mn-cs"/>
+      </a:defRPr>
+    </a:lvl5pPr>
+    <a:lvl6pPr marL="2286000" algn="l" defTabSz="457200" rtl="0" eaLnBrk="1" latinLnBrk="0" hangingPunct="1">
+      <a:defRPr sz="1200" kern="1200">
+        <a:solidFill>
+          <a:schemeClr val="tx1"/>
+        </a:solidFill>
+        <a:latin typeface="+mn-lt"/>
+        <a:ea typeface="+mn-ea"/>
+        <a:cs typeface="+mn-cs"/>
+      </a:defRPr>
+    </a:lvl6pPr>
+    <a:lvl7pPr marL="2743200" algn="l" defTabSz="457200" rtl="0" eaLnBrk="1" latinLnBrk="0" hangingPunct="1">
+      <a:defRPr sz="1200" kern="1200">
+        <a:solidFill>
+          <a:schemeClr val="tx1"/>
+        </a:solidFill>
+        <a:latin typeface="+mn-lt"/>
+        <a:ea typeface="+mn-ea"/>
+        <a:cs typeface="+mn-cs"/>
+      </a:defRPr>
+    </a:lvl7pPr>
+    <a:lvl8pPr marL="3200400" algn="l" defTabSz="457200" rtl="0" eaLnBrk="1" latinLnBrk="0" hangingPunct="1">
+      <a:defRPr sz="1200" kern="1200">
+        <a:solidFill>
+          <a:schemeClr val="tx1"/>
+        </a:solidFill>
+        <a:latin typeface="+mn-lt"/>
+        <a:ea typeface="+mn-ea"/>
+        <a:cs typeface="+mn-cs"/>
+      </a:defRPr>
+    </a:lvl8pPr>
+    <a:lvl9pPr marL="3657600" algn="l" defTabSz="457200" rtl="0" eaLnBrk="1" latinLnBrk="0" hangingPunct="1">
+      <a:defRPr sz="1200" kern="1200">
+        <a:solidFill>
+          <a:schemeClr val="tx1"/>
+        </a:solidFill>
+        <a:latin typeface="+mn-lt"/>
+        <a:ea typeface="+mn-ea"/>
+        <a:cs typeface="+mn-cs"/>
+      </a:defRPr>
+    </a:lvl9pPr>
+  </p:notesStyle>
 </p:notesMaster>
 </file>
 
 <file path=ppt/notesSlides/notesSlide1.xml><?xml version="1.0" encoding="utf-8"?>
-<p:notes xmlns:a="http://schemas.openxmlformats.org/drawingml/2006/main" xmlns:r="http://schemas.openxmlformats.org/officeDocument/2006/relationships" xmlns:mc="http://schemas.openxmlformats.org/markup-compatibility/2006" xmlns:mv="urn:schemas-microsoft-com:mac:vml" xmlns:p="http://schemas.openxmlformats.org/presentationml/2006/main" xmlns:c="http://schemas.openxmlformats.org/drawingml/2006/chart" xmlns:dgm="http://schemas.openxmlformats.org/drawingml/2006/diagram" xmlns:o="urn:schemas-microsoft-com:office:office" xmlns:v="urn:schemas-microsoft-com:vml" xmlns:pvml="urn:schemas-microsoft-com:office:powerpoint" xmlns:com="http://schemas.openxmlformats.org/drawingml/2006/compatibility" xmlns:p14="http://schemas.microsoft.com/office/powerpoint/2010/main" showMasterPhAnim="0" showMasterSp="0">
+<p:notes xmlns:a="http://schemas.openxmlformats.org/drawingml/2006/main" xmlns:r="http://schemas.openxmlformats.org/officeDocument/2006/relationships" xmlns:p="http://schemas.openxmlformats.org/presentationml/2006/main" showMasterSp="0" showMasterPhAnim="0">
   <p:cSld>
     <p:spTree>
       <p:nvGrpSpPr>
-        <p:cNvPr id="30" name="Shape 30"/>
+        <p:cNvPr id="1" name="Shape 30"/>
         <p:cNvGrpSpPr/>
         <p:nvPr/>
       </p:nvGrpSpPr>
@@ -1022,9 +1154,11 @@
       <p:sp>
         <p:nvSpPr>
           <p:cNvPr id="31" name="Shape 31"/>
-          <p:cNvSpPr/>
+          <p:cNvSpPr>
+            <a:spLocks noGrp="1" noRot="1" noChangeAspect="1"/>
+          </p:cNvSpPr>
           <p:nvPr>
-            <p:ph idx="2" type="sldImg"/>
+            <p:ph type="sldImg" idx="2"/>
           </p:nvPr>
         </p:nvSpPr>
         <p:spPr>
@@ -1033,8 +1167,13 @@
             <a:ext cx="6096000" cy="3429000"/>
           </a:xfrm>
           <a:custGeom>
+            <a:avLst/>
+            <a:gdLst/>
+            <a:ahLst/>
+            <a:cxnLst/>
+            <a:rect l="0" t="0" r="0" b="0"/>
             <a:pathLst>
-              <a:path extrusionOk="0" h="120000" w="120000">
+              <a:path w="120000" h="120000" extrusionOk="0">
                 <a:moveTo>
                   <a:pt x="0" y="0"/>
                 </a:moveTo>
@@ -1052,23 +1191,25 @@
             </a:pathLst>
           </a:custGeom>
           <a:noFill/>
-          <a:ln cap="flat" cmpd="sng" w="12700">
+          <a:ln w="12700" cap="flat" cmpd="sng">
             <a:solidFill>
               <a:srgbClr val="000000"/>
             </a:solidFill>
             <a:prstDash val="solid"/>
             <a:round/>
-            <a:headEnd len="med" w="med" type="none"/>
-            <a:tailEnd len="med" w="med" type="none"/>
+            <a:headEnd type="none" w="med" len="med"/>
+            <a:tailEnd type="none" w="med" len="med"/>
           </a:ln>
         </p:spPr>
       </p:sp>
       <p:sp>
         <p:nvSpPr>
           <p:cNvPr id="32" name="Shape 32"/>
-          <p:cNvSpPr txBox="1"/>
+          <p:cNvSpPr txBox="1">
+            <a:spLocks noGrp="1"/>
+          </p:cNvSpPr>
           <p:nvPr>
-            <p:ph idx="1" type="body"/>
+            <p:ph type="body" idx="1"/>
           </p:nvPr>
         </p:nvSpPr>
         <p:spPr>
@@ -1085,12 +1226,12 @@
           </a:ln>
         </p:spPr>
         <p:txBody>
-          <a:bodyPr anchorCtr="0" anchor="t" bIns="45700" lIns="91425" rIns="91425" tIns="45700">
+          <a:bodyPr lIns="91425" tIns="45700" rIns="91425" bIns="45700" anchor="t" anchorCtr="0">
             <a:noAutofit/>
           </a:bodyPr>
           <a:lstStyle/>
           <a:p>
-            <a:pPr indent="0" lvl="0" marL="0" marR="0" rtl="0" algn="l">
+            <a:pPr marL="0" marR="0" lvl="0" indent="0" algn="l" rtl="0">
               <a:spcBef>
                 <a:spcPts val="0"/>
               </a:spcBef>
@@ -1101,10 +1242,7 @@
               <a:buFont typeface="Arial"/>
               <a:buNone/>
             </a:pPr>
-            <a:r>
-              <a:t/>
-            </a:r>
-            <a:endParaRPr b="0" i="0" sz="1200" u="none" cap="none" strike="noStrike">
+            <a:endParaRPr sz="1200" b="0" i="0" u="none" strike="noStrike" cap="none">
               <a:solidFill>
                 <a:schemeClr val="dk1"/>
               </a:solidFill>
@@ -1119,9 +1257,11 @@
       <p:sp>
         <p:nvSpPr>
           <p:cNvPr id="33" name="Shape 33"/>
-          <p:cNvSpPr txBox="1"/>
+          <p:cNvSpPr txBox="1">
+            <a:spLocks noGrp="1"/>
+          </p:cNvSpPr>
           <p:nvPr>
-            <p:ph idx="12" type="sldNum"/>
+            <p:ph type="sldNum" idx="12"/>
           </p:nvPr>
         </p:nvSpPr>
         <p:spPr>
@@ -1138,12 +1278,12 @@
           </a:ln>
         </p:spPr>
         <p:txBody>
-          <a:bodyPr anchorCtr="0" anchor="b" bIns="45700" lIns="91425" rIns="91425" tIns="45700">
+          <a:bodyPr lIns="91425" tIns="45700" rIns="91425" bIns="45700" anchor="b" anchorCtr="0">
             <a:noAutofit/>
           </a:bodyPr>
           <a:lstStyle/>
           <a:p>
-            <a:pPr indent="0" lvl="0" marL="0" marR="0" rtl="0" algn="r">
+            <a:pPr marL="0" marR="0" lvl="0" indent="0" algn="r" rtl="0">
               <a:spcBef>
                 <a:spcPts val="0"/>
               </a:spcBef>
@@ -1151,7 +1291,7 @@
               <a:buNone/>
             </a:pPr>
             <a:fld id="{00000000-1234-1234-1234-123412341234}" type="slidenum">
-              <a:rPr b="0" i="0" lang="en-US" sz="1200" u="none" cap="none" strike="noStrike">
+              <a:rPr lang="en-US" sz="1200" b="0" i="0" u="none" strike="noStrike" cap="none">
                 <a:solidFill>
                   <a:srgbClr val="000000"/>
                 </a:solidFill>
@@ -1160,8 +1300,17 @@
                 <a:cs typeface="Calibri"/>
                 <a:sym typeface="Calibri"/>
               </a:rPr>
-              <a:t>‹#›</a:t>
+              <a:t>1</a:t>
             </a:fld>
+            <a:endParaRPr lang="en-US" sz="1200" b="0" i="0" u="none" strike="noStrike" cap="none">
+              <a:solidFill>
+                <a:srgbClr val="000000"/>
+              </a:solidFill>
+              <a:latin typeface="Calibri"/>
+              <a:ea typeface="Calibri"/>
+              <a:cs typeface="Calibri"/>
+              <a:sym typeface="Calibri"/>
+            </a:endParaRPr>
           </a:p>
         </p:txBody>
       </p:sp>
@@ -1174,11 +1323,11 @@
 </file>
 
 <file path=ppt/notesSlides/notesSlide10.xml><?xml version="1.0" encoding="utf-8"?>
-<p:notes xmlns:a="http://schemas.openxmlformats.org/drawingml/2006/main" xmlns:r="http://schemas.openxmlformats.org/officeDocument/2006/relationships" xmlns:mc="http://schemas.openxmlformats.org/markup-compatibility/2006" xmlns:mv="urn:schemas-microsoft-com:mac:vml" xmlns:p="http://schemas.openxmlformats.org/presentationml/2006/main" xmlns:c="http://schemas.openxmlformats.org/drawingml/2006/chart" xmlns:dgm="http://schemas.openxmlformats.org/drawingml/2006/diagram" xmlns:o="urn:schemas-microsoft-com:office:office" xmlns:v="urn:schemas-microsoft-com:vml" xmlns:pvml="urn:schemas-microsoft-com:office:powerpoint" xmlns:com="http://schemas.openxmlformats.org/drawingml/2006/compatibility" xmlns:p14="http://schemas.microsoft.com/office/powerpoint/2010/main" showMasterPhAnim="0" showMasterSp="0">
+<p:notes xmlns:a="http://schemas.openxmlformats.org/drawingml/2006/main" xmlns:r="http://schemas.openxmlformats.org/officeDocument/2006/relationships" xmlns:p="http://schemas.openxmlformats.org/presentationml/2006/main" showMasterSp="0" showMasterPhAnim="0">
   <p:cSld>
     <p:spTree>
       <p:nvGrpSpPr>
-        <p:cNvPr id="107" name="Shape 107"/>
+        <p:cNvPr id="1" name="Shape 107"/>
         <p:cNvGrpSpPr/>
         <p:nvPr/>
       </p:nvGrpSpPr>
@@ -1193,9 +1342,11 @@
       <p:sp>
         <p:nvSpPr>
           <p:cNvPr id="108" name="Shape 108"/>
-          <p:cNvSpPr txBox="1"/>
+          <p:cNvSpPr txBox="1">
+            <a:spLocks noGrp="1"/>
+          </p:cNvSpPr>
           <p:nvPr>
-            <p:ph idx="1" type="body"/>
+            <p:ph type="body" idx="1"/>
           </p:nvPr>
         </p:nvSpPr>
         <p:spPr>
@@ -1212,22 +1363,19 @@
           </a:ln>
         </p:spPr>
         <p:txBody>
-          <a:bodyPr anchorCtr="0" anchor="t" bIns="90525" lIns="90525" rIns="90525" tIns="90525">
+          <a:bodyPr lIns="90525" tIns="90525" rIns="90525" bIns="90525" anchor="t" anchorCtr="0">
             <a:noAutofit/>
           </a:bodyPr>
           <a:lstStyle/>
           <a:p>
-            <a:pPr indent="0" lvl="0" marL="0" marR="0" rtl="0" algn="l">
+            <a:pPr marL="0" marR="0" lvl="0" indent="0" algn="l" rtl="0">
               <a:spcBef>
                 <a:spcPts val="0"/>
               </a:spcBef>
               <a:buSzPct val="25000"/>
               <a:buNone/>
             </a:pPr>
-            <a:r>
-              <a:t/>
-            </a:r>
-            <a:endParaRPr b="0" i="0" sz="1200" u="none" cap="none" strike="noStrike">
+            <a:endParaRPr sz="1200" b="0" i="0" u="none" strike="noStrike" cap="none">
               <a:solidFill>
                 <a:schemeClr val="dk1"/>
               </a:solidFill>
@@ -1242,19 +1390,26 @@
       <p:sp>
         <p:nvSpPr>
           <p:cNvPr id="109" name="Shape 109"/>
-          <p:cNvSpPr/>
+          <p:cNvSpPr>
+            <a:spLocks noGrp="1" noRot="1" noChangeAspect="1"/>
+          </p:cNvSpPr>
           <p:nvPr>
-            <p:ph idx="2" type="sldImg"/>
+            <p:ph type="sldImg" idx="2"/>
           </p:nvPr>
         </p:nvSpPr>
         <p:spPr>
           <a:xfrm>
             <a:off x="1606550" y="685800"/>
-            <a:ext cx="3702000" cy="2082900"/>
+            <a:ext cx="3702050" cy="2082800"/>
           </a:xfrm>
           <a:custGeom>
+            <a:avLst/>
+            <a:gdLst/>
+            <a:ahLst/>
+            <a:cxnLst/>
+            <a:rect l="0" t="0" r="0" b="0"/>
             <a:pathLst>
-              <a:path extrusionOk="0" h="120000" w="120000">
+              <a:path w="120000" h="120000" extrusionOk="0">
                 <a:moveTo>
                   <a:pt x="0" y="0"/>
                 </a:moveTo>
@@ -1272,14 +1427,14 @@
             </a:pathLst>
           </a:custGeom>
           <a:noFill/>
-          <a:ln cap="flat" cmpd="sng" w="9525">
+          <a:ln w="9525" cap="flat" cmpd="sng">
             <a:solidFill>
               <a:srgbClr val="000000"/>
             </a:solidFill>
             <a:prstDash val="solid"/>
             <a:round/>
-            <a:headEnd len="med" w="med" type="none"/>
-            <a:tailEnd len="med" w="med" type="none"/>
+            <a:headEnd type="none" w="med" len="med"/>
+            <a:tailEnd type="none" w="med" len="med"/>
           </a:ln>
         </p:spPr>
       </p:sp>
@@ -1292,11 +1447,11 @@
 </file>
 
 <file path=ppt/notesSlides/notesSlide11.xml><?xml version="1.0" encoding="utf-8"?>
-<p:notes xmlns:a="http://schemas.openxmlformats.org/drawingml/2006/main" xmlns:r="http://schemas.openxmlformats.org/officeDocument/2006/relationships" xmlns:mc="http://schemas.openxmlformats.org/markup-compatibility/2006" xmlns:mv="urn:schemas-microsoft-com:mac:vml" xmlns:p="http://schemas.openxmlformats.org/presentationml/2006/main" xmlns:c="http://schemas.openxmlformats.org/drawingml/2006/chart" xmlns:dgm="http://schemas.openxmlformats.org/drawingml/2006/diagram" xmlns:o="urn:schemas-microsoft-com:office:office" xmlns:v="urn:schemas-microsoft-com:vml" xmlns:pvml="urn:schemas-microsoft-com:office:powerpoint" xmlns:com="http://schemas.openxmlformats.org/drawingml/2006/compatibility" xmlns:p14="http://schemas.microsoft.com/office/powerpoint/2010/main" showMasterPhAnim="0" showMasterSp="0">
+<p:notes xmlns:a="http://schemas.openxmlformats.org/drawingml/2006/main" xmlns:r="http://schemas.openxmlformats.org/officeDocument/2006/relationships" xmlns:p="http://schemas.openxmlformats.org/presentationml/2006/main" showMasterSp="0" showMasterPhAnim="0">
   <p:cSld>
     <p:spTree>
       <p:nvGrpSpPr>
-        <p:cNvPr id="114" name="Shape 114"/>
+        <p:cNvPr id="1" name="Shape 114"/>
         <p:cNvGrpSpPr/>
         <p:nvPr/>
       </p:nvGrpSpPr>
@@ -1311,9 +1466,11 @@
       <p:sp>
         <p:nvSpPr>
           <p:cNvPr id="115" name="Shape 115"/>
-          <p:cNvSpPr/>
+          <p:cNvSpPr>
+            <a:spLocks noGrp="1" noRot="1" noChangeAspect="1"/>
+          </p:cNvSpPr>
           <p:nvPr>
-            <p:ph idx="2" type="sldImg"/>
+            <p:ph type="sldImg" idx="2"/>
           </p:nvPr>
         </p:nvSpPr>
         <p:spPr>
@@ -1322,8 +1479,13 @@
             <a:ext cx="6096000" cy="3429000"/>
           </a:xfrm>
           <a:custGeom>
+            <a:avLst/>
+            <a:gdLst/>
+            <a:ahLst/>
+            <a:cxnLst/>
+            <a:rect l="0" t="0" r="0" b="0"/>
             <a:pathLst>
-              <a:path extrusionOk="0" h="120000" w="120000">
+              <a:path w="120000" h="120000" extrusionOk="0">
                 <a:moveTo>
                   <a:pt x="0" y="0"/>
                 </a:moveTo>
@@ -1341,23 +1503,25 @@
             </a:pathLst>
           </a:custGeom>
           <a:noFill/>
-          <a:ln cap="flat" cmpd="sng" w="12700">
+          <a:ln w="12700" cap="flat" cmpd="sng">
             <a:solidFill>
               <a:srgbClr val="000000"/>
             </a:solidFill>
             <a:prstDash val="solid"/>
             <a:round/>
-            <a:headEnd len="med" w="med" type="none"/>
-            <a:tailEnd len="med" w="med" type="none"/>
+            <a:headEnd type="none" w="med" len="med"/>
+            <a:tailEnd type="none" w="med" len="med"/>
           </a:ln>
         </p:spPr>
       </p:sp>
       <p:sp>
         <p:nvSpPr>
           <p:cNvPr id="116" name="Shape 116"/>
-          <p:cNvSpPr txBox="1"/>
+          <p:cNvSpPr txBox="1">
+            <a:spLocks noGrp="1"/>
+          </p:cNvSpPr>
           <p:nvPr>
-            <p:ph idx="1" type="body"/>
+            <p:ph type="body" idx="1"/>
           </p:nvPr>
         </p:nvSpPr>
         <p:spPr>
@@ -1374,22 +1538,19 @@
           </a:ln>
         </p:spPr>
         <p:txBody>
-          <a:bodyPr anchorCtr="0" anchor="t" bIns="45275" lIns="90550" rIns="90550" tIns="45275">
+          <a:bodyPr lIns="90550" tIns="45275" rIns="90550" bIns="45275" anchor="t" anchorCtr="0">
             <a:noAutofit/>
           </a:bodyPr>
           <a:lstStyle/>
           <a:p>
-            <a:pPr indent="0" lvl="0" marL="0" marR="0" rtl="0" algn="l">
+            <a:pPr marL="0" marR="0" lvl="0" indent="0" algn="l" rtl="0">
               <a:spcBef>
                 <a:spcPts val="0"/>
               </a:spcBef>
               <a:buSzPct val="25000"/>
               <a:buNone/>
             </a:pPr>
-            <a:r>
-              <a:t/>
-            </a:r>
-            <a:endParaRPr b="0" i="0" sz="1200" u="none" cap="none" strike="noStrike">
+            <a:endParaRPr sz="1200" b="0" i="0" u="none" strike="noStrike" cap="none">
               <a:solidFill>
                 <a:schemeClr val="dk1"/>
               </a:solidFill>
@@ -1410,11 +1571,11 @@
 </file>
 
 <file path=ppt/notesSlides/notesSlide2.xml><?xml version="1.0" encoding="utf-8"?>
-<p:notes xmlns:a="http://schemas.openxmlformats.org/drawingml/2006/main" xmlns:r="http://schemas.openxmlformats.org/officeDocument/2006/relationships" xmlns:mc="http://schemas.openxmlformats.org/markup-compatibility/2006" xmlns:mv="urn:schemas-microsoft-com:mac:vml" xmlns:p="http://schemas.openxmlformats.org/presentationml/2006/main" xmlns:c="http://schemas.openxmlformats.org/drawingml/2006/chart" xmlns:dgm="http://schemas.openxmlformats.org/drawingml/2006/diagram" xmlns:o="urn:schemas-microsoft-com:office:office" xmlns:v="urn:schemas-microsoft-com:vml" xmlns:pvml="urn:schemas-microsoft-com:office:powerpoint" xmlns:com="http://schemas.openxmlformats.org/drawingml/2006/compatibility" xmlns:p14="http://schemas.microsoft.com/office/powerpoint/2010/main" showMasterPhAnim="0" showMasterSp="0">
+<p:notes xmlns:a="http://schemas.openxmlformats.org/drawingml/2006/main" xmlns:r="http://schemas.openxmlformats.org/officeDocument/2006/relationships" xmlns:p="http://schemas.openxmlformats.org/presentationml/2006/main" showMasterSp="0" showMasterPhAnim="0">
   <p:cSld>
     <p:spTree>
       <p:nvGrpSpPr>
-        <p:cNvPr id="40" name="Shape 40"/>
+        <p:cNvPr id="1" name="Shape 40"/>
         <p:cNvGrpSpPr/>
         <p:nvPr/>
       </p:nvGrpSpPr>
@@ -1429,9 +1590,11 @@
       <p:sp>
         <p:nvSpPr>
           <p:cNvPr id="41" name="Shape 41"/>
-          <p:cNvSpPr txBox="1"/>
+          <p:cNvSpPr txBox="1">
+            <a:spLocks noGrp="1"/>
+          </p:cNvSpPr>
           <p:nvPr>
-            <p:ph idx="1" type="body"/>
+            <p:ph type="body" idx="1"/>
           </p:nvPr>
         </p:nvSpPr>
         <p:spPr>
@@ -1448,22 +1611,19 @@
           </a:ln>
         </p:spPr>
         <p:txBody>
-          <a:bodyPr anchorCtr="0" anchor="t" bIns="90525" lIns="90525" rIns="90525" tIns="90525">
+          <a:bodyPr lIns="90525" tIns="90525" rIns="90525" bIns="90525" anchor="t" anchorCtr="0">
             <a:noAutofit/>
           </a:bodyPr>
           <a:lstStyle/>
           <a:p>
-            <a:pPr indent="0" lvl="0" marL="0" marR="0" rtl="0" algn="l">
+            <a:pPr marL="0" marR="0" lvl="0" indent="0" algn="l" rtl="0">
               <a:spcBef>
                 <a:spcPts val="0"/>
               </a:spcBef>
               <a:buSzPct val="25000"/>
               <a:buNone/>
             </a:pPr>
-            <a:r>
-              <a:t/>
-            </a:r>
-            <a:endParaRPr b="0" i="0" sz="1200" u="none" cap="none" strike="noStrike">
+            <a:endParaRPr sz="1200" b="0" i="0" u="none" strike="noStrike" cap="none">
               <a:solidFill>
                 <a:schemeClr val="dk1"/>
               </a:solidFill>
@@ -1478,19 +1638,26 @@
       <p:sp>
         <p:nvSpPr>
           <p:cNvPr id="42" name="Shape 42"/>
-          <p:cNvSpPr/>
+          <p:cNvSpPr>
+            <a:spLocks noGrp="1" noRot="1" noChangeAspect="1"/>
+          </p:cNvSpPr>
           <p:nvPr>
-            <p:ph idx="2" type="sldImg"/>
+            <p:ph type="sldImg" idx="2"/>
           </p:nvPr>
         </p:nvSpPr>
         <p:spPr>
           <a:xfrm>
             <a:off x="1606550" y="685800"/>
-            <a:ext cx="3702049" cy="2082800"/>
+            <a:ext cx="3702050" cy="2082800"/>
           </a:xfrm>
           <a:custGeom>
+            <a:avLst/>
+            <a:gdLst/>
+            <a:ahLst/>
+            <a:cxnLst/>
+            <a:rect l="0" t="0" r="0" b="0"/>
             <a:pathLst>
-              <a:path extrusionOk="0" h="120000" w="120000">
+              <a:path w="120000" h="120000" extrusionOk="0">
                 <a:moveTo>
                   <a:pt x="0" y="0"/>
                 </a:moveTo>
@@ -1508,14 +1675,14 @@
             </a:pathLst>
           </a:custGeom>
           <a:noFill/>
-          <a:ln cap="flat" cmpd="sng" w="9525">
+          <a:ln w="9525" cap="flat" cmpd="sng">
             <a:solidFill>
               <a:srgbClr val="000000"/>
             </a:solidFill>
             <a:prstDash val="solid"/>
             <a:round/>
-            <a:headEnd len="med" w="med" type="none"/>
-            <a:tailEnd len="med" w="med" type="none"/>
+            <a:headEnd type="none" w="med" len="med"/>
+            <a:tailEnd type="none" w="med" len="med"/>
           </a:ln>
         </p:spPr>
       </p:sp>
@@ -1528,11 +1695,11 @@
 </file>
 
 <file path=ppt/notesSlides/notesSlide3.xml><?xml version="1.0" encoding="utf-8"?>
-<p:notes xmlns:a="http://schemas.openxmlformats.org/drawingml/2006/main" xmlns:r="http://schemas.openxmlformats.org/officeDocument/2006/relationships" xmlns:mc="http://schemas.openxmlformats.org/markup-compatibility/2006" xmlns:mv="urn:schemas-microsoft-com:mac:vml" xmlns:p="http://schemas.openxmlformats.org/presentationml/2006/main" xmlns:c="http://schemas.openxmlformats.org/drawingml/2006/chart" xmlns:dgm="http://schemas.openxmlformats.org/drawingml/2006/diagram" xmlns:o="urn:schemas-microsoft-com:office:office" xmlns:v="urn:schemas-microsoft-com:vml" xmlns:pvml="urn:schemas-microsoft-com:office:powerpoint" xmlns:com="http://schemas.openxmlformats.org/drawingml/2006/compatibility" xmlns:p14="http://schemas.microsoft.com/office/powerpoint/2010/main" showMasterPhAnim="0" showMasterSp="0">
+<p:notes xmlns:a="http://schemas.openxmlformats.org/drawingml/2006/main" xmlns:r="http://schemas.openxmlformats.org/officeDocument/2006/relationships" xmlns:p="http://schemas.openxmlformats.org/presentationml/2006/main" showMasterSp="0" showMasterPhAnim="0">
   <p:cSld>
     <p:spTree>
       <p:nvGrpSpPr>
-        <p:cNvPr id="47" name="Shape 47"/>
+        <p:cNvPr id="1" name="Shape 47"/>
         <p:cNvGrpSpPr/>
         <p:nvPr/>
       </p:nvGrpSpPr>
@@ -1547,9 +1714,11 @@
       <p:sp>
         <p:nvSpPr>
           <p:cNvPr id="48" name="Shape 48"/>
-          <p:cNvSpPr txBox="1"/>
+          <p:cNvSpPr txBox="1">
+            <a:spLocks noGrp="1"/>
+          </p:cNvSpPr>
           <p:nvPr>
-            <p:ph idx="1" type="body"/>
+            <p:ph type="body" idx="1"/>
           </p:nvPr>
         </p:nvSpPr>
         <p:spPr>
@@ -1566,22 +1735,19 @@
           </a:ln>
         </p:spPr>
         <p:txBody>
-          <a:bodyPr anchorCtr="0" anchor="t" bIns="90525" lIns="90525" rIns="90525" tIns="90525">
+          <a:bodyPr lIns="90525" tIns="90525" rIns="90525" bIns="90525" anchor="t" anchorCtr="0">
             <a:noAutofit/>
           </a:bodyPr>
           <a:lstStyle/>
           <a:p>
-            <a:pPr indent="0" lvl="0" marL="0" marR="0" rtl="0" algn="l">
+            <a:pPr marL="0" marR="0" lvl="0" indent="0" algn="l" rtl="0">
               <a:spcBef>
                 <a:spcPts val="0"/>
               </a:spcBef>
               <a:buSzPct val="25000"/>
               <a:buNone/>
             </a:pPr>
-            <a:r>
-              <a:t/>
-            </a:r>
-            <a:endParaRPr b="0" i="0" sz="1200" u="none" cap="none" strike="noStrike">
+            <a:endParaRPr sz="1200" b="0" i="0" u="none" strike="noStrike" cap="none">
               <a:solidFill>
                 <a:schemeClr val="dk1"/>
               </a:solidFill>
@@ -1596,19 +1762,26 @@
       <p:sp>
         <p:nvSpPr>
           <p:cNvPr id="49" name="Shape 49"/>
-          <p:cNvSpPr/>
+          <p:cNvSpPr>
+            <a:spLocks noGrp="1" noRot="1" noChangeAspect="1"/>
+          </p:cNvSpPr>
           <p:nvPr>
-            <p:ph idx="2" type="sldImg"/>
+            <p:ph type="sldImg" idx="2"/>
           </p:nvPr>
         </p:nvSpPr>
         <p:spPr>
           <a:xfrm>
             <a:off x="1606550" y="685800"/>
-            <a:ext cx="3702049" cy="2082800"/>
+            <a:ext cx="3702050" cy="2082800"/>
           </a:xfrm>
           <a:custGeom>
+            <a:avLst/>
+            <a:gdLst/>
+            <a:ahLst/>
+            <a:cxnLst/>
+            <a:rect l="0" t="0" r="0" b="0"/>
             <a:pathLst>
-              <a:path extrusionOk="0" h="120000" w="120000">
+              <a:path w="120000" h="120000" extrusionOk="0">
                 <a:moveTo>
                   <a:pt x="0" y="0"/>
                 </a:moveTo>
@@ -1626,14 +1799,14 @@
             </a:pathLst>
           </a:custGeom>
           <a:noFill/>
-          <a:ln cap="flat" cmpd="sng" w="9525">
+          <a:ln w="9525" cap="flat" cmpd="sng">
             <a:solidFill>
               <a:srgbClr val="000000"/>
             </a:solidFill>
             <a:prstDash val="solid"/>
             <a:round/>
-            <a:headEnd len="med" w="med" type="none"/>
-            <a:tailEnd len="med" w="med" type="none"/>
+            <a:headEnd type="none" w="med" len="med"/>
+            <a:tailEnd type="none" w="med" len="med"/>
           </a:ln>
         </p:spPr>
       </p:sp>
@@ -1646,11 +1819,11 @@
 </file>
 
 <file path=ppt/notesSlides/notesSlide4.xml><?xml version="1.0" encoding="utf-8"?>
-<p:notes xmlns:a="http://schemas.openxmlformats.org/drawingml/2006/main" xmlns:r="http://schemas.openxmlformats.org/officeDocument/2006/relationships" xmlns:mc="http://schemas.openxmlformats.org/markup-compatibility/2006" xmlns:mv="urn:schemas-microsoft-com:mac:vml" xmlns:p="http://schemas.openxmlformats.org/presentationml/2006/main" xmlns:c="http://schemas.openxmlformats.org/drawingml/2006/chart" xmlns:dgm="http://schemas.openxmlformats.org/drawingml/2006/diagram" xmlns:o="urn:schemas-microsoft-com:office:office" xmlns:v="urn:schemas-microsoft-com:vml" xmlns:pvml="urn:schemas-microsoft-com:office:powerpoint" xmlns:com="http://schemas.openxmlformats.org/drawingml/2006/compatibility" xmlns:p14="http://schemas.microsoft.com/office/powerpoint/2010/main" showMasterPhAnim="0" showMasterSp="0">
+<p:notes xmlns:a="http://schemas.openxmlformats.org/drawingml/2006/main" xmlns:r="http://schemas.openxmlformats.org/officeDocument/2006/relationships" xmlns:p="http://schemas.openxmlformats.org/presentationml/2006/main" showMasterSp="0" showMasterPhAnim="0">
   <p:cSld>
     <p:spTree>
       <p:nvGrpSpPr>
-        <p:cNvPr id="55" name="Shape 55"/>
+        <p:cNvPr id="1" name="Shape 55"/>
         <p:cNvGrpSpPr/>
         <p:nvPr/>
       </p:nvGrpSpPr>
@@ -1665,9 +1838,11 @@
       <p:sp>
         <p:nvSpPr>
           <p:cNvPr id="56" name="Shape 56"/>
-          <p:cNvSpPr txBox="1"/>
+          <p:cNvSpPr txBox="1">
+            <a:spLocks noGrp="1"/>
+          </p:cNvSpPr>
           <p:nvPr>
-            <p:ph idx="1" type="body"/>
+            <p:ph type="body" idx="1"/>
           </p:nvPr>
         </p:nvSpPr>
         <p:spPr>
@@ -1684,22 +1859,19 @@
           </a:ln>
         </p:spPr>
         <p:txBody>
-          <a:bodyPr anchorCtr="0" anchor="t" bIns="90525" lIns="90525" rIns="90525" tIns="90525">
+          <a:bodyPr lIns="90525" tIns="90525" rIns="90525" bIns="90525" anchor="t" anchorCtr="0">
             <a:noAutofit/>
           </a:bodyPr>
           <a:lstStyle/>
           <a:p>
-            <a:pPr indent="0" lvl="0" marL="0" marR="0" rtl="0" algn="l">
+            <a:pPr marL="0" marR="0" lvl="0" indent="0" algn="l" rtl="0">
               <a:spcBef>
                 <a:spcPts val="0"/>
               </a:spcBef>
               <a:buSzPct val="25000"/>
               <a:buNone/>
             </a:pPr>
-            <a:r>
-              <a:t/>
-            </a:r>
-            <a:endParaRPr b="0" i="0" sz="1200" u="none" cap="none" strike="noStrike">
+            <a:endParaRPr sz="1200" b="0" i="0" u="none" strike="noStrike" cap="none">
               <a:solidFill>
                 <a:schemeClr val="dk1"/>
               </a:solidFill>
@@ -1714,19 +1886,26 @@
       <p:sp>
         <p:nvSpPr>
           <p:cNvPr id="57" name="Shape 57"/>
-          <p:cNvSpPr/>
+          <p:cNvSpPr>
+            <a:spLocks noGrp="1" noRot="1" noChangeAspect="1"/>
+          </p:cNvSpPr>
           <p:nvPr>
-            <p:ph idx="2" type="sldImg"/>
+            <p:ph type="sldImg" idx="2"/>
           </p:nvPr>
         </p:nvSpPr>
         <p:spPr>
           <a:xfrm>
             <a:off x="1606550" y="685800"/>
-            <a:ext cx="3702000" cy="2082900"/>
+            <a:ext cx="3702050" cy="2082800"/>
           </a:xfrm>
           <a:custGeom>
+            <a:avLst/>
+            <a:gdLst/>
+            <a:ahLst/>
+            <a:cxnLst/>
+            <a:rect l="0" t="0" r="0" b="0"/>
             <a:pathLst>
-              <a:path extrusionOk="0" h="120000" w="120000">
+              <a:path w="120000" h="120000" extrusionOk="0">
                 <a:moveTo>
                   <a:pt x="0" y="0"/>
                 </a:moveTo>
@@ -1744,14 +1923,14 @@
             </a:pathLst>
           </a:custGeom>
           <a:noFill/>
-          <a:ln cap="flat" cmpd="sng" w="9525">
+          <a:ln w="9525" cap="flat" cmpd="sng">
             <a:solidFill>
               <a:srgbClr val="000000"/>
             </a:solidFill>
             <a:prstDash val="solid"/>
             <a:round/>
-            <a:headEnd len="med" w="med" type="none"/>
-            <a:tailEnd len="med" w="med" type="none"/>
+            <a:headEnd type="none" w="med" len="med"/>
+            <a:tailEnd type="none" w="med" len="med"/>
           </a:ln>
         </p:spPr>
       </p:sp>
@@ -1764,11 +1943,11 @@
 </file>
 
 <file path=ppt/notesSlides/notesSlide5.xml><?xml version="1.0" encoding="utf-8"?>
-<p:notes xmlns:a="http://schemas.openxmlformats.org/drawingml/2006/main" xmlns:r="http://schemas.openxmlformats.org/officeDocument/2006/relationships" xmlns:mc="http://schemas.openxmlformats.org/markup-compatibility/2006" xmlns:mv="urn:schemas-microsoft-com:mac:vml" xmlns:p="http://schemas.openxmlformats.org/presentationml/2006/main" xmlns:c="http://schemas.openxmlformats.org/drawingml/2006/chart" xmlns:dgm="http://schemas.openxmlformats.org/drawingml/2006/diagram" xmlns:o="urn:schemas-microsoft-com:office:office" xmlns:v="urn:schemas-microsoft-com:vml" xmlns:pvml="urn:schemas-microsoft-com:office:powerpoint" xmlns:com="http://schemas.openxmlformats.org/drawingml/2006/compatibility" xmlns:p14="http://schemas.microsoft.com/office/powerpoint/2010/main" showMasterPhAnim="0" showMasterSp="0">
+<p:notes xmlns:a="http://schemas.openxmlformats.org/drawingml/2006/main" xmlns:r="http://schemas.openxmlformats.org/officeDocument/2006/relationships" xmlns:p="http://schemas.openxmlformats.org/presentationml/2006/main" showMasterSp="0" showMasterPhAnim="0">
   <p:cSld>
     <p:spTree>
       <p:nvGrpSpPr>
-        <p:cNvPr id="63" name="Shape 63"/>
+        <p:cNvPr id="1" name="Shape 63"/>
         <p:cNvGrpSpPr/>
         <p:nvPr/>
       </p:nvGrpSpPr>
@@ -1783,9 +1962,11 @@
       <p:sp>
         <p:nvSpPr>
           <p:cNvPr id="64" name="Shape 64"/>
-          <p:cNvSpPr txBox="1"/>
+          <p:cNvSpPr txBox="1">
+            <a:spLocks noGrp="1"/>
+          </p:cNvSpPr>
           <p:nvPr>
-            <p:ph idx="1" type="body"/>
+            <p:ph type="body" idx="1"/>
           </p:nvPr>
         </p:nvSpPr>
         <p:spPr>
@@ -1802,22 +1983,19 @@
           </a:ln>
         </p:spPr>
         <p:txBody>
-          <a:bodyPr anchorCtr="0" anchor="t" bIns="90525" lIns="90525" rIns="90525" tIns="90525">
+          <a:bodyPr lIns="90525" tIns="90525" rIns="90525" bIns="90525" anchor="t" anchorCtr="0">
             <a:noAutofit/>
           </a:bodyPr>
           <a:lstStyle/>
           <a:p>
-            <a:pPr indent="0" lvl="0" marL="0" marR="0" rtl="0" algn="l">
+            <a:pPr marL="0" marR="0" lvl="0" indent="0" algn="l" rtl="0">
               <a:spcBef>
                 <a:spcPts val="0"/>
               </a:spcBef>
               <a:buSzPct val="25000"/>
               <a:buNone/>
             </a:pPr>
-            <a:r>
-              <a:t/>
-            </a:r>
-            <a:endParaRPr b="0" i="0" sz="1200" u="none" cap="none" strike="noStrike">
+            <a:endParaRPr sz="1200" b="0" i="0" u="none" strike="noStrike" cap="none">
               <a:solidFill>
                 <a:schemeClr val="dk1"/>
               </a:solidFill>
@@ -1832,19 +2010,26 @@
       <p:sp>
         <p:nvSpPr>
           <p:cNvPr id="65" name="Shape 65"/>
-          <p:cNvSpPr/>
+          <p:cNvSpPr>
+            <a:spLocks noGrp="1" noRot="1" noChangeAspect="1"/>
+          </p:cNvSpPr>
           <p:nvPr>
-            <p:ph idx="2" type="sldImg"/>
+            <p:ph type="sldImg" idx="2"/>
           </p:nvPr>
         </p:nvSpPr>
         <p:spPr>
           <a:xfrm>
             <a:off x="1606550" y="685800"/>
-            <a:ext cx="3702000" cy="2082900"/>
+            <a:ext cx="3702050" cy="2082800"/>
           </a:xfrm>
           <a:custGeom>
+            <a:avLst/>
+            <a:gdLst/>
+            <a:ahLst/>
+            <a:cxnLst/>
+            <a:rect l="0" t="0" r="0" b="0"/>
             <a:pathLst>
-              <a:path extrusionOk="0" h="120000" w="120000">
+              <a:path w="120000" h="120000" extrusionOk="0">
                 <a:moveTo>
                   <a:pt x="0" y="0"/>
                 </a:moveTo>
@@ -1862,14 +2047,14 @@
             </a:pathLst>
           </a:custGeom>
           <a:noFill/>
-          <a:ln cap="flat" cmpd="sng" w="9525">
+          <a:ln w="9525" cap="flat" cmpd="sng">
             <a:solidFill>
               <a:srgbClr val="000000"/>
             </a:solidFill>
             <a:prstDash val="solid"/>
             <a:round/>
-            <a:headEnd len="med" w="med" type="none"/>
-            <a:tailEnd len="med" w="med" type="none"/>
+            <a:headEnd type="none" w="med" len="med"/>
+            <a:tailEnd type="none" w="med" len="med"/>
           </a:ln>
         </p:spPr>
       </p:sp>
@@ -1882,11 +2067,11 @@
 </file>
 
 <file path=ppt/notesSlides/notesSlide6.xml><?xml version="1.0" encoding="utf-8"?>
-<p:notes xmlns:a="http://schemas.openxmlformats.org/drawingml/2006/main" xmlns:r="http://schemas.openxmlformats.org/officeDocument/2006/relationships" xmlns:mc="http://schemas.openxmlformats.org/markup-compatibility/2006" xmlns:mv="urn:schemas-microsoft-com:mac:vml" xmlns:p="http://schemas.openxmlformats.org/presentationml/2006/main" xmlns:c="http://schemas.openxmlformats.org/drawingml/2006/chart" xmlns:dgm="http://schemas.openxmlformats.org/drawingml/2006/diagram" xmlns:o="urn:schemas-microsoft-com:office:office" xmlns:v="urn:schemas-microsoft-com:vml" xmlns:pvml="urn:schemas-microsoft-com:office:powerpoint" xmlns:com="http://schemas.openxmlformats.org/drawingml/2006/compatibility" xmlns:p14="http://schemas.microsoft.com/office/powerpoint/2010/main" showMasterPhAnim="0" showMasterSp="0">
+<p:notes xmlns:a="http://schemas.openxmlformats.org/drawingml/2006/main" xmlns:r="http://schemas.openxmlformats.org/officeDocument/2006/relationships" xmlns:p="http://schemas.openxmlformats.org/presentationml/2006/main" showMasterSp="0" showMasterPhAnim="0">
   <p:cSld>
     <p:spTree>
       <p:nvGrpSpPr>
-        <p:cNvPr id="75" name="Shape 75"/>
+        <p:cNvPr id="1" name="Shape 75"/>
         <p:cNvGrpSpPr/>
         <p:nvPr/>
       </p:nvGrpSpPr>
@@ -1901,9 +2086,11 @@
       <p:sp>
         <p:nvSpPr>
           <p:cNvPr id="76" name="Shape 76"/>
-          <p:cNvSpPr txBox="1"/>
+          <p:cNvSpPr txBox="1">
+            <a:spLocks noGrp="1"/>
+          </p:cNvSpPr>
           <p:nvPr>
-            <p:ph idx="1" type="body"/>
+            <p:ph type="body" idx="1"/>
           </p:nvPr>
         </p:nvSpPr>
         <p:spPr>
@@ -1920,22 +2107,19 @@
           </a:ln>
         </p:spPr>
         <p:txBody>
-          <a:bodyPr anchorCtr="0" anchor="t" bIns="90525" lIns="90525" rIns="90525" tIns="90525">
+          <a:bodyPr lIns="90525" tIns="90525" rIns="90525" bIns="90525" anchor="t" anchorCtr="0">
             <a:noAutofit/>
           </a:bodyPr>
           <a:lstStyle/>
           <a:p>
-            <a:pPr indent="0" lvl="0" marL="0" marR="0" rtl="0" algn="l">
+            <a:pPr marL="0" marR="0" lvl="0" indent="0" algn="l" rtl="0">
               <a:spcBef>
                 <a:spcPts val="0"/>
               </a:spcBef>
               <a:buSzPct val="25000"/>
               <a:buNone/>
             </a:pPr>
-            <a:r>
-              <a:t/>
-            </a:r>
-            <a:endParaRPr b="0" i="0" sz="1200" u="none" cap="none" strike="noStrike">
+            <a:endParaRPr sz="1200" b="0" i="0" u="none" strike="noStrike" cap="none">
               <a:solidFill>
                 <a:schemeClr val="dk1"/>
               </a:solidFill>
@@ -1950,19 +2134,26 @@
       <p:sp>
         <p:nvSpPr>
           <p:cNvPr id="77" name="Shape 77"/>
-          <p:cNvSpPr/>
+          <p:cNvSpPr>
+            <a:spLocks noGrp="1" noRot="1" noChangeAspect="1"/>
+          </p:cNvSpPr>
           <p:nvPr>
-            <p:ph idx="2" type="sldImg"/>
+            <p:ph type="sldImg" idx="2"/>
           </p:nvPr>
         </p:nvSpPr>
         <p:spPr>
           <a:xfrm>
             <a:off x="1606550" y="685800"/>
-            <a:ext cx="3702000" cy="2082900"/>
+            <a:ext cx="3702050" cy="2082800"/>
           </a:xfrm>
           <a:custGeom>
+            <a:avLst/>
+            <a:gdLst/>
+            <a:ahLst/>
+            <a:cxnLst/>
+            <a:rect l="0" t="0" r="0" b="0"/>
             <a:pathLst>
-              <a:path extrusionOk="0" h="120000" w="120000">
+              <a:path w="120000" h="120000" extrusionOk="0">
                 <a:moveTo>
                   <a:pt x="0" y="0"/>
                 </a:moveTo>
@@ -1980,14 +2171,14 @@
             </a:pathLst>
           </a:custGeom>
           <a:noFill/>
-          <a:ln cap="flat" cmpd="sng" w="9525">
+          <a:ln w="9525" cap="flat" cmpd="sng">
             <a:solidFill>
               <a:srgbClr val="000000"/>
             </a:solidFill>
             <a:prstDash val="solid"/>
             <a:round/>
-            <a:headEnd len="med" w="med" type="none"/>
-            <a:tailEnd len="med" w="med" type="none"/>
+            <a:headEnd type="none" w="med" len="med"/>
+            <a:tailEnd type="none" w="med" len="med"/>
           </a:ln>
         </p:spPr>
       </p:sp>
@@ -2000,11 +2191,11 @@
 </file>
 
 <file path=ppt/notesSlides/notesSlide7.xml><?xml version="1.0" encoding="utf-8"?>
-<p:notes xmlns:a="http://schemas.openxmlformats.org/drawingml/2006/main" xmlns:r="http://schemas.openxmlformats.org/officeDocument/2006/relationships" xmlns:mc="http://schemas.openxmlformats.org/markup-compatibility/2006" xmlns:mv="urn:schemas-microsoft-com:mac:vml" xmlns:p="http://schemas.openxmlformats.org/presentationml/2006/main" xmlns:c="http://schemas.openxmlformats.org/drawingml/2006/chart" xmlns:dgm="http://schemas.openxmlformats.org/drawingml/2006/diagram" xmlns:o="urn:schemas-microsoft-com:office:office" xmlns:v="urn:schemas-microsoft-com:vml" xmlns:pvml="urn:schemas-microsoft-com:office:powerpoint" xmlns:com="http://schemas.openxmlformats.org/drawingml/2006/compatibility" xmlns:p14="http://schemas.microsoft.com/office/powerpoint/2010/main" showMasterPhAnim="0" showMasterSp="0">
+<p:notes xmlns:a="http://schemas.openxmlformats.org/drawingml/2006/main" xmlns:r="http://schemas.openxmlformats.org/officeDocument/2006/relationships" xmlns:p="http://schemas.openxmlformats.org/presentationml/2006/main" showMasterSp="0" showMasterPhAnim="0">
   <p:cSld>
     <p:spTree>
       <p:nvGrpSpPr>
-        <p:cNvPr id="82" name="Shape 82"/>
+        <p:cNvPr id="1" name="Shape 82"/>
         <p:cNvGrpSpPr/>
         <p:nvPr/>
       </p:nvGrpSpPr>
@@ -2019,9 +2210,11 @@
       <p:sp>
         <p:nvSpPr>
           <p:cNvPr id="83" name="Shape 83"/>
-          <p:cNvSpPr txBox="1"/>
+          <p:cNvSpPr txBox="1">
+            <a:spLocks noGrp="1"/>
+          </p:cNvSpPr>
           <p:nvPr>
-            <p:ph idx="1" type="body"/>
+            <p:ph type="body" idx="1"/>
           </p:nvPr>
         </p:nvSpPr>
         <p:spPr>
@@ -2038,22 +2231,19 @@
           </a:ln>
         </p:spPr>
         <p:txBody>
-          <a:bodyPr anchorCtr="0" anchor="t" bIns="90525" lIns="90525" rIns="90525" tIns="90525">
+          <a:bodyPr lIns="90525" tIns="90525" rIns="90525" bIns="90525" anchor="t" anchorCtr="0">
             <a:noAutofit/>
           </a:bodyPr>
           <a:lstStyle/>
           <a:p>
-            <a:pPr indent="0" lvl="0" marL="0" marR="0" rtl="0" algn="l">
+            <a:pPr marL="0" marR="0" lvl="0" indent="0" algn="l" rtl="0">
               <a:spcBef>
                 <a:spcPts val="0"/>
               </a:spcBef>
               <a:buSzPct val="25000"/>
               <a:buNone/>
             </a:pPr>
-            <a:r>
-              <a:t/>
-            </a:r>
-            <a:endParaRPr b="0" i="0" sz="1200" u="none" cap="none" strike="noStrike">
+            <a:endParaRPr sz="1200" b="0" i="0" u="none" strike="noStrike" cap="none">
               <a:solidFill>
                 <a:schemeClr val="dk1"/>
               </a:solidFill>
@@ -2068,19 +2258,26 @@
       <p:sp>
         <p:nvSpPr>
           <p:cNvPr id="84" name="Shape 84"/>
-          <p:cNvSpPr/>
+          <p:cNvSpPr>
+            <a:spLocks noGrp="1" noRot="1" noChangeAspect="1"/>
+          </p:cNvSpPr>
           <p:nvPr>
-            <p:ph idx="2" type="sldImg"/>
+            <p:ph type="sldImg" idx="2"/>
           </p:nvPr>
         </p:nvSpPr>
         <p:spPr>
           <a:xfrm>
             <a:off x="1606550" y="685800"/>
-            <a:ext cx="3702049" cy="2082800"/>
+            <a:ext cx="3702050" cy="2082800"/>
           </a:xfrm>
           <a:custGeom>
+            <a:avLst/>
+            <a:gdLst/>
+            <a:ahLst/>
+            <a:cxnLst/>
+            <a:rect l="0" t="0" r="0" b="0"/>
             <a:pathLst>
-              <a:path extrusionOk="0" h="120000" w="120000">
+              <a:path w="120000" h="120000" extrusionOk="0">
                 <a:moveTo>
                   <a:pt x="0" y="0"/>
                 </a:moveTo>
@@ -2098,14 +2295,14 @@
             </a:pathLst>
           </a:custGeom>
           <a:noFill/>
-          <a:ln cap="flat" cmpd="sng" w="9525">
+          <a:ln w="9525" cap="flat" cmpd="sng">
             <a:solidFill>
               <a:srgbClr val="000000"/>
             </a:solidFill>
             <a:prstDash val="solid"/>
             <a:round/>
-            <a:headEnd len="med" w="med" type="none"/>
-            <a:tailEnd len="med" w="med" type="none"/>
+            <a:headEnd type="none" w="med" len="med"/>
+            <a:tailEnd type="none" w="med" len="med"/>
           </a:ln>
         </p:spPr>
       </p:sp>
@@ -2118,11 +2315,11 @@
 </file>
 
 <file path=ppt/notesSlides/notesSlide8.xml><?xml version="1.0" encoding="utf-8"?>
-<p:notes xmlns:a="http://schemas.openxmlformats.org/drawingml/2006/main" xmlns:r="http://schemas.openxmlformats.org/officeDocument/2006/relationships" xmlns:mc="http://schemas.openxmlformats.org/markup-compatibility/2006" xmlns:mv="urn:schemas-microsoft-com:mac:vml" xmlns:p="http://schemas.openxmlformats.org/presentationml/2006/main" xmlns:c="http://schemas.openxmlformats.org/drawingml/2006/chart" xmlns:dgm="http://schemas.openxmlformats.org/drawingml/2006/diagram" xmlns:o="urn:schemas-microsoft-com:office:office" xmlns:v="urn:schemas-microsoft-com:vml" xmlns:pvml="urn:schemas-microsoft-com:office:powerpoint" xmlns:com="http://schemas.openxmlformats.org/drawingml/2006/compatibility" xmlns:p14="http://schemas.microsoft.com/office/powerpoint/2010/main" showMasterPhAnim="0" showMasterSp="0">
+<p:notes xmlns:a="http://schemas.openxmlformats.org/drawingml/2006/main" xmlns:r="http://schemas.openxmlformats.org/officeDocument/2006/relationships" xmlns:p="http://schemas.openxmlformats.org/presentationml/2006/main" showMasterSp="0" showMasterPhAnim="0">
   <p:cSld>
     <p:spTree>
       <p:nvGrpSpPr>
-        <p:cNvPr id="90" name="Shape 90"/>
+        <p:cNvPr id="1" name="Shape 90"/>
         <p:cNvGrpSpPr/>
         <p:nvPr/>
       </p:nvGrpSpPr>
@@ -2137,9 +2334,11 @@
       <p:sp>
         <p:nvSpPr>
           <p:cNvPr id="91" name="Shape 91"/>
-          <p:cNvSpPr txBox="1"/>
+          <p:cNvSpPr txBox="1">
+            <a:spLocks noGrp="1"/>
+          </p:cNvSpPr>
           <p:nvPr>
-            <p:ph idx="1" type="body"/>
+            <p:ph type="body" idx="1"/>
           </p:nvPr>
         </p:nvSpPr>
         <p:spPr>
@@ -2156,22 +2355,19 @@
           </a:ln>
         </p:spPr>
         <p:txBody>
-          <a:bodyPr anchorCtr="0" anchor="t" bIns="90525" lIns="90525" rIns="90525" tIns="90525">
+          <a:bodyPr lIns="90525" tIns="90525" rIns="90525" bIns="90525" anchor="t" anchorCtr="0">
             <a:noAutofit/>
           </a:bodyPr>
           <a:lstStyle/>
           <a:p>
-            <a:pPr indent="0" lvl="0" marL="0" marR="0" rtl="0" algn="l">
+            <a:pPr marL="0" marR="0" lvl="0" indent="0" algn="l" rtl="0">
               <a:spcBef>
                 <a:spcPts val="0"/>
               </a:spcBef>
               <a:buSzPct val="25000"/>
               <a:buNone/>
             </a:pPr>
-            <a:r>
-              <a:t/>
-            </a:r>
-            <a:endParaRPr b="0" i="0" sz="1200" u="none" cap="none" strike="noStrike">
+            <a:endParaRPr sz="1200" b="0" i="0" u="none" strike="noStrike" cap="none">
               <a:solidFill>
                 <a:schemeClr val="dk1"/>
               </a:solidFill>
@@ -2186,19 +2382,26 @@
       <p:sp>
         <p:nvSpPr>
           <p:cNvPr id="92" name="Shape 92"/>
-          <p:cNvSpPr/>
+          <p:cNvSpPr>
+            <a:spLocks noGrp="1" noRot="1" noChangeAspect="1"/>
+          </p:cNvSpPr>
           <p:nvPr>
-            <p:ph idx="2" type="sldImg"/>
+            <p:ph type="sldImg" idx="2"/>
           </p:nvPr>
         </p:nvSpPr>
         <p:spPr>
           <a:xfrm>
             <a:off x="1606550" y="685800"/>
-            <a:ext cx="3702000" cy="2082900"/>
+            <a:ext cx="3702050" cy="2082800"/>
           </a:xfrm>
           <a:custGeom>
+            <a:avLst/>
+            <a:gdLst/>
+            <a:ahLst/>
+            <a:cxnLst/>
+            <a:rect l="0" t="0" r="0" b="0"/>
             <a:pathLst>
-              <a:path extrusionOk="0" h="120000" w="120000">
+              <a:path w="120000" h="120000" extrusionOk="0">
                 <a:moveTo>
                   <a:pt x="0" y="0"/>
                 </a:moveTo>
@@ -2216,14 +2419,14 @@
             </a:pathLst>
           </a:custGeom>
           <a:noFill/>
-          <a:ln cap="flat" cmpd="sng" w="9525">
+          <a:ln w="9525" cap="flat" cmpd="sng">
             <a:solidFill>
               <a:srgbClr val="000000"/>
             </a:solidFill>
             <a:prstDash val="solid"/>
             <a:round/>
-            <a:headEnd len="med" w="med" type="none"/>
-            <a:tailEnd len="med" w="med" type="none"/>
+            <a:headEnd type="none" w="med" len="med"/>
+            <a:tailEnd type="none" w="med" len="med"/>
           </a:ln>
         </p:spPr>
       </p:sp>
@@ -2236,11 +2439,11 @@
 </file>
 
 <file path=ppt/notesSlides/notesSlide9.xml><?xml version="1.0" encoding="utf-8"?>
-<p:notes xmlns:a="http://schemas.openxmlformats.org/drawingml/2006/main" xmlns:r="http://schemas.openxmlformats.org/officeDocument/2006/relationships" xmlns:mc="http://schemas.openxmlformats.org/markup-compatibility/2006" xmlns:mv="urn:schemas-microsoft-com:mac:vml" xmlns:p="http://schemas.openxmlformats.org/presentationml/2006/main" xmlns:c="http://schemas.openxmlformats.org/drawingml/2006/chart" xmlns:dgm="http://schemas.openxmlformats.org/drawingml/2006/diagram" xmlns:o="urn:schemas-microsoft-com:office:office" xmlns:v="urn:schemas-microsoft-com:vml" xmlns:pvml="urn:schemas-microsoft-com:office:powerpoint" xmlns:com="http://schemas.openxmlformats.org/drawingml/2006/compatibility" xmlns:p14="http://schemas.microsoft.com/office/powerpoint/2010/main" showMasterPhAnim="0" showMasterSp="0">
+<p:notes xmlns:a="http://schemas.openxmlformats.org/drawingml/2006/main" xmlns:r="http://schemas.openxmlformats.org/officeDocument/2006/relationships" xmlns:p="http://schemas.openxmlformats.org/presentationml/2006/main" showMasterSp="0" showMasterPhAnim="0">
   <p:cSld>
     <p:spTree>
       <p:nvGrpSpPr>
-        <p:cNvPr id="97" name="Shape 97"/>
+        <p:cNvPr id="1" name="Shape 97"/>
         <p:cNvGrpSpPr/>
         <p:nvPr/>
       </p:nvGrpSpPr>
@@ -2255,9 +2458,11 @@
       <p:sp>
         <p:nvSpPr>
           <p:cNvPr id="98" name="Shape 98"/>
-          <p:cNvSpPr txBox="1"/>
+          <p:cNvSpPr txBox="1">
+            <a:spLocks noGrp="1"/>
+          </p:cNvSpPr>
           <p:nvPr>
-            <p:ph idx="1" type="body"/>
+            <p:ph type="body" idx="1"/>
           </p:nvPr>
         </p:nvSpPr>
         <p:spPr>
@@ -2274,12 +2479,12 @@
           </a:ln>
         </p:spPr>
         <p:txBody>
-          <a:bodyPr anchorCtr="0" anchor="t" bIns="90525" lIns="90525" rIns="90525" tIns="90525">
+          <a:bodyPr lIns="90525" tIns="90525" rIns="90525" bIns="90525" anchor="t" anchorCtr="0">
             <a:noAutofit/>
           </a:bodyPr>
           <a:lstStyle/>
           <a:p>
-            <a:pPr indent="0" lvl="0" marL="0" marR="0" rtl="0" algn="l">
+            <a:pPr marL="0" marR="0" lvl="0" indent="0" algn="l" rtl="0">
               <a:spcBef>
                 <a:spcPts val="0"/>
               </a:spcBef>
@@ -2287,7 +2492,7 @@
               <a:buNone/>
             </a:pPr>
             <a:r>
-              <a:rPr b="0" i="0" lang="en-US" sz="1200" u="none" cap="none" strike="noStrike">
+              <a:rPr lang="en-US" sz="1200" b="0" i="0" u="none" strike="noStrike" cap="none">
                 <a:solidFill>
                   <a:schemeClr val="dk1"/>
                 </a:solidFill>
@@ -2304,19 +2509,26 @@
       <p:sp>
         <p:nvSpPr>
           <p:cNvPr id="99" name="Shape 99"/>
-          <p:cNvSpPr/>
+          <p:cNvSpPr>
+            <a:spLocks noGrp="1" noRot="1" noChangeAspect="1"/>
+          </p:cNvSpPr>
           <p:nvPr>
-            <p:ph idx="2" type="sldImg"/>
+            <p:ph type="sldImg" idx="2"/>
           </p:nvPr>
         </p:nvSpPr>
         <p:spPr>
           <a:xfrm>
             <a:off x="1606550" y="685800"/>
-            <a:ext cx="3702049" cy="2082800"/>
+            <a:ext cx="3702050" cy="2082800"/>
           </a:xfrm>
           <a:custGeom>
+            <a:avLst/>
+            <a:gdLst/>
+            <a:ahLst/>
+            <a:cxnLst/>
+            <a:rect l="0" t="0" r="0" b="0"/>
             <a:pathLst>
-              <a:path extrusionOk="0" h="120000" w="120000">
+              <a:path w="120000" h="120000" extrusionOk="0">
                 <a:moveTo>
                   <a:pt x="0" y="0"/>
                 </a:moveTo>
@@ -2334,14 +2546,14 @@
             </a:pathLst>
           </a:custGeom>
           <a:noFill/>
-          <a:ln cap="flat" cmpd="sng" w="9525">
+          <a:ln w="9525" cap="flat" cmpd="sng">
             <a:solidFill>
               <a:srgbClr val="000000"/>
             </a:solidFill>
             <a:prstDash val="solid"/>
             <a:round/>
-            <a:headEnd len="med" w="med" type="none"/>
-            <a:tailEnd len="med" w="med" type="none"/>
+            <a:headEnd type="none" w="med" len="med"/>
+            <a:tailEnd type="none" w="med" len="med"/>
           </a:ln>
         </p:spPr>
       </p:sp>
@@ -2354,11 +2566,11 @@
 </file>
 
 <file path=ppt/slideLayouts/slideLayout1.xml><?xml version="1.0" encoding="utf-8"?>
-<p:sldLayout xmlns:a="http://schemas.openxmlformats.org/drawingml/2006/main" xmlns:r="http://schemas.openxmlformats.org/officeDocument/2006/relationships" xmlns:mc="http://schemas.openxmlformats.org/markup-compatibility/2006" xmlns:mv="urn:schemas-microsoft-com:mac:vml" xmlns:p="http://schemas.openxmlformats.org/presentationml/2006/main" xmlns:c="http://schemas.openxmlformats.org/drawingml/2006/chart" xmlns:dgm="http://schemas.openxmlformats.org/drawingml/2006/diagram" xmlns:o="urn:schemas-microsoft-com:office:office" xmlns:v="urn:schemas-microsoft-com:vml" xmlns:pvml="urn:schemas-microsoft-com:office:powerpoint" xmlns:com="http://schemas.openxmlformats.org/drawingml/2006/compatibility" xmlns:p14="http://schemas.microsoft.com/office/powerpoint/2010/main">
+<p:sldLayout xmlns:a="http://schemas.openxmlformats.org/drawingml/2006/main" xmlns:r="http://schemas.openxmlformats.org/officeDocument/2006/relationships" xmlns:p="http://schemas.openxmlformats.org/presentationml/2006/main">
   <p:cSld name=" Blank logo">
     <p:spTree>
       <p:nvGrpSpPr>
-        <p:cNvPr id="11" name="Shape 11"/>
+        <p:cNvPr id="1" name="Shape 11"/>
         <p:cNvGrpSpPr/>
         <p:nvPr/>
       </p:nvGrpSpPr>
@@ -2373,9 +2585,11 @@
       <p:sp>
         <p:nvSpPr>
           <p:cNvPr id="12" name="Shape 12"/>
-          <p:cNvSpPr txBox="1"/>
+          <p:cNvSpPr txBox="1">
+            <a:spLocks noGrp="1"/>
+          </p:cNvSpPr>
           <p:nvPr>
-            <p:ph idx="12" type="sldNum"/>
+            <p:ph type="sldNum" idx="12"/>
           </p:nvPr>
         </p:nvSpPr>
         <p:spPr>
@@ -2392,12 +2606,12 @@
           </a:ln>
         </p:spPr>
         <p:txBody>
-          <a:bodyPr anchorCtr="0" anchor="t" bIns="45700" lIns="91425" rIns="91425" tIns="45700">
+          <a:bodyPr lIns="91425" tIns="45700" rIns="91425" bIns="45700" anchor="t" anchorCtr="0">
             <a:noAutofit/>
           </a:bodyPr>
           <a:lstStyle/>
           <a:p>
-            <a:pPr indent="0" lvl="0" marL="0" marR="0" rtl="0" algn="l">
+            <a:pPr marL="0" marR="0" lvl="0" indent="0" algn="l" rtl="0">
               <a:spcBef>
                 <a:spcPts val="0"/>
               </a:spcBef>
@@ -2405,7 +2619,7 @@
               <a:buNone/>
             </a:pPr>
             <a:fld id="{00000000-1234-1234-1234-123412341234}" type="slidenum">
-              <a:rPr b="0" i="0" lang="en-US" sz="900" u="none" cap="none" strike="noStrike">
+              <a:rPr lang="en-US" sz="900" b="0" i="0" u="none" strike="noStrike" cap="none">
                 <a:solidFill>
                   <a:srgbClr val="A5A5A5"/>
                 </a:solidFill>
@@ -2416,6 +2630,15 @@
               </a:rPr>
               <a:t>‹#›</a:t>
             </a:fld>
+            <a:endParaRPr lang="en-US" sz="900" b="0" i="0" u="none" strike="noStrike" cap="none">
+              <a:solidFill>
+                <a:srgbClr val="A5A5A5"/>
+              </a:solidFill>
+              <a:latin typeface="Arial"/>
+              <a:ea typeface="Arial"/>
+              <a:cs typeface="Arial"/>
+              <a:sym typeface="Arial"/>
+            </a:endParaRPr>
           </a:p>
         </p:txBody>
       </p:sp>
@@ -2428,11 +2651,11 @@
 </file>
 
 <file path=ppt/slideLayouts/slideLayout2.xml><?xml version="1.0" encoding="utf-8"?>
-<p:sldLayout xmlns:a="http://schemas.openxmlformats.org/drawingml/2006/main" xmlns:r="http://schemas.openxmlformats.org/officeDocument/2006/relationships" xmlns:mc="http://schemas.openxmlformats.org/markup-compatibility/2006" xmlns:mv="urn:schemas-microsoft-com:mac:vml" xmlns:p="http://schemas.openxmlformats.org/presentationml/2006/main" xmlns:c="http://schemas.openxmlformats.org/drawingml/2006/chart" xmlns:dgm="http://schemas.openxmlformats.org/drawingml/2006/diagram" xmlns:o="urn:schemas-microsoft-com:office:office" xmlns:v="urn:schemas-microsoft-com:vml" xmlns:pvml="urn:schemas-microsoft-com:office:powerpoint" xmlns:com="http://schemas.openxmlformats.org/drawingml/2006/compatibility" xmlns:p14="http://schemas.microsoft.com/office/powerpoint/2010/main" type="obj">
+<p:sldLayout xmlns:a="http://schemas.openxmlformats.org/drawingml/2006/main" xmlns:r="http://schemas.openxmlformats.org/officeDocument/2006/relationships" xmlns:p="http://schemas.openxmlformats.org/presentationml/2006/main" type="obj">
   <p:cSld name="Title and Content">
     <p:spTree>
       <p:nvGrpSpPr>
-        <p:cNvPr id="13" name="Shape 13"/>
+        <p:cNvPr id="1" name="Shape 13"/>
         <p:cNvGrpSpPr/>
         <p:nvPr/>
       </p:nvGrpSpPr>
@@ -2447,7 +2670,9 @@
       <p:sp>
         <p:nvSpPr>
           <p:cNvPr id="14" name="Shape 14"/>
-          <p:cNvSpPr txBox="1"/>
+          <p:cNvSpPr txBox="1">
+            <a:spLocks noGrp="1"/>
+          </p:cNvSpPr>
           <p:nvPr>
             <p:ph type="title"/>
           </p:nvPr>
@@ -2466,9 +2691,9 @@
           </a:ln>
         </p:spPr>
         <p:txBody>
-          <a:bodyPr anchorCtr="0" anchor="t" bIns="91425" lIns="91425" rIns="91425" tIns="91425"/>
+          <a:bodyPr lIns="91425" tIns="91425" rIns="91425" bIns="91425" anchor="t" anchorCtr="0"/>
           <a:lstStyle>
-            <a:lvl1pPr indent="0" lvl="0" marL="0" marR="0" rtl="0" algn="l">
+            <a:lvl1pPr marL="0" marR="0" lvl="0" indent="0" algn="l" rtl="0">
               <a:spcBef>
                 <a:spcPts val="0"/>
               </a:spcBef>
@@ -2480,7 +2705,7 @@
               </a:buClr>
               <a:buFont typeface="Arial"/>
               <a:buNone/>
-              <a:defRPr b="0" i="0" sz="4400" u="none" cap="none" strike="noStrike">
+              <a:defRPr sz="4400" b="0" i="0" u="none" strike="noStrike" cap="none">
                 <a:solidFill>
                   <a:schemeClr val="dk1"/>
                 </a:solidFill>
@@ -2490,7 +2715,7 @@
                 <a:sym typeface="Arial"/>
               </a:defRPr>
             </a:lvl1pPr>
-            <a:lvl2pPr indent="0" lvl="1" rtl="0" algn="l">
+            <a:lvl2pPr lvl="1" indent="0" algn="l" rtl="0">
               <a:spcBef>
                 <a:spcPts val="0"/>
               </a:spcBef>
@@ -2500,7 +2725,7 @@
               <a:buNone/>
               <a:defRPr sz="1800"/>
             </a:lvl2pPr>
-            <a:lvl3pPr indent="0" lvl="2" rtl="0" algn="l">
+            <a:lvl3pPr lvl="2" indent="0" algn="l" rtl="0">
               <a:spcBef>
                 <a:spcPts val="0"/>
               </a:spcBef>
@@ -2510,7 +2735,7 @@
               <a:buNone/>
               <a:defRPr sz="1800"/>
             </a:lvl3pPr>
-            <a:lvl4pPr indent="0" lvl="3" rtl="0" algn="l">
+            <a:lvl4pPr lvl="3" indent="0" algn="l" rtl="0">
               <a:spcBef>
                 <a:spcPts val="0"/>
               </a:spcBef>
@@ -2520,7 +2745,7 @@
               <a:buNone/>
               <a:defRPr sz="1800"/>
             </a:lvl4pPr>
-            <a:lvl5pPr indent="0" lvl="4" rtl="0" algn="l">
+            <a:lvl5pPr lvl="4" indent="0" algn="l" rtl="0">
               <a:spcBef>
                 <a:spcPts val="0"/>
               </a:spcBef>
@@ -2530,7 +2755,7 @@
               <a:buNone/>
               <a:defRPr sz="1800"/>
             </a:lvl5pPr>
-            <a:lvl6pPr indent="0" lvl="5" marL="457200" rtl="0" algn="l">
+            <a:lvl6pPr marL="457200" lvl="5" indent="0" algn="l" rtl="0">
               <a:spcBef>
                 <a:spcPts val="0"/>
               </a:spcBef>
@@ -2540,7 +2765,7 @@
               <a:buNone/>
               <a:defRPr sz="1800"/>
             </a:lvl6pPr>
-            <a:lvl7pPr indent="0" lvl="6" marL="914400" rtl="0" algn="l">
+            <a:lvl7pPr marL="914400" lvl="6" indent="0" algn="l" rtl="0">
               <a:spcBef>
                 <a:spcPts val="0"/>
               </a:spcBef>
@@ -2550,7 +2775,7 @@
               <a:buNone/>
               <a:defRPr sz="1800"/>
             </a:lvl7pPr>
-            <a:lvl8pPr indent="0" lvl="7" marL="1371600" rtl="0" algn="l">
+            <a:lvl8pPr marL="1371600" lvl="7" indent="0" algn="l" rtl="0">
               <a:spcBef>
                 <a:spcPts val="0"/>
               </a:spcBef>
@@ -2560,7 +2785,7 @@
               <a:buNone/>
               <a:defRPr sz="1800"/>
             </a:lvl8pPr>
-            <a:lvl9pPr indent="0" lvl="8" marL="1828800" rtl="0" algn="l">
+            <a:lvl9pPr marL="1828800" lvl="8" indent="0" algn="l" rtl="0">
               <a:spcBef>
                 <a:spcPts val="0"/>
               </a:spcBef>
@@ -2571,15 +2796,19 @@
               <a:defRPr sz="1800"/>
             </a:lvl9pPr>
           </a:lstStyle>
-          <a:p/>
+          <a:p>
+            <a:endParaRPr/>
+          </a:p>
         </p:txBody>
       </p:sp>
       <p:sp>
         <p:nvSpPr>
           <p:cNvPr id="15" name="Shape 15"/>
-          <p:cNvSpPr txBox="1"/>
+          <p:cNvSpPr txBox="1">
+            <a:spLocks noGrp="1"/>
+          </p:cNvSpPr>
           <p:nvPr>
-            <p:ph idx="1" type="body"/>
+            <p:ph type="body" idx="1"/>
           </p:nvPr>
         </p:nvSpPr>
         <p:spPr>
@@ -2596,9 +2825,9 @@
           </a:ln>
         </p:spPr>
         <p:txBody>
-          <a:bodyPr anchorCtr="0" anchor="t" bIns="91425" lIns="91425" rIns="91425" tIns="91425"/>
+          <a:bodyPr lIns="91425" tIns="91425" rIns="91425" bIns="91425" anchor="t" anchorCtr="0"/>
           <a:lstStyle>
-            <a:lvl1pPr indent="-139700" lvl="0" marL="342900" marR="0" rtl="0" algn="l">
+            <a:lvl1pPr marL="342900" marR="0" lvl="0" indent="-139700" algn="l" rtl="0">
               <a:spcBef>
                 <a:spcPts val="0"/>
               </a:spcBef>
@@ -2608,7 +2837,7 @@
               <a:buSzPct val="100000"/>
               <a:buFont typeface="Arial"/>
               <a:buChar char="•"/>
-              <a:defRPr b="0" i="0" sz="3200" u="none" cap="none" strike="noStrike">
+              <a:defRPr sz="3200" b="0" i="0" u="none" strike="noStrike" cap="none">
                 <a:solidFill>
                   <a:schemeClr val="dk1"/>
                 </a:solidFill>
@@ -2618,7 +2847,7 @@
                 <a:sym typeface="Arial"/>
               </a:defRPr>
             </a:lvl1pPr>
-            <a:lvl2pPr indent="-107950" lvl="1" marL="742950" marR="0" rtl="0" algn="l">
+            <a:lvl2pPr marL="742950" marR="0" lvl="1" indent="-107950" algn="l" rtl="0">
               <a:spcBef>
                 <a:spcPts val="0"/>
               </a:spcBef>
@@ -2628,7 +2857,7 @@
               <a:buSzPct val="100000"/>
               <a:buFont typeface="Arial"/>
               <a:buChar char="–"/>
-              <a:defRPr b="0" i="0" sz="2800" u="none" cap="none" strike="noStrike">
+              <a:defRPr sz="2800" b="0" i="0" u="none" strike="noStrike" cap="none">
                 <a:solidFill>
                   <a:schemeClr val="dk1"/>
                 </a:solidFill>
@@ -2638,7 +2867,7 @@
                 <a:sym typeface="Arial"/>
               </a:defRPr>
             </a:lvl2pPr>
-            <a:lvl3pPr indent="-76200" lvl="2" marL="1143000" marR="0" rtl="0" algn="l">
+            <a:lvl3pPr marL="1143000" marR="0" lvl="2" indent="-76200" algn="l" rtl="0">
               <a:spcBef>
                 <a:spcPts val="0"/>
               </a:spcBef>
@@ -2648,7 +2877,7 @@
               <a:buSzPct val="100000"/>
               <a:buFont typeface="Arial"/>
               <a:buChar char="•"/>
-              <a:defRPr b="0" i="0" sz="2400" u="none" cap="none" strike="noStrike">
+              <a:defRPr sz="2400" b="0" i="0" u="none" strike="noStrike" cap="none">
                 <a:solidFill>
                   <a:schemeClr val="dk1"/>
                 </a:solidFill>
@@ -2658,7 +2887,7 @@
                 <a:sym typeface="Arial"/>
               </a:defRPr>
             </a:lvl3pPr>
-            <a:lvl4pPr indent="-101600" lvl="3" marL="1600200" marR="0" rtl="0" algn="l">
+            <a:lvl4pPr marL="1600200" marR="0" lvl="3" indent="-101600" algn="l" rtl="0">
               <a:spcBef>
                 <a:spcPts val="0"/>
               </a:spcBef>
@@ -2668,7 +2897,7 @@
               <a:buSzPct val="100000"/>
               <a:buFont typeface="Arial"/>
               <a:buChar char="–"/>
-              <a:defRPr b="0" i="0" sz="2000" u="none" cap="none" strike="noStrike">
+              <a:defRPr sz="2000" b="0" i="0" u="none" strike="noStrike" cap="none">
                 <a:solidFill>
                   <a:schemeClr val="dk1"/>
                 </a:solidFill>
@@ -2678,7 +2907,7 @@
                 <a:sym typeface="Arial"/>
               </a:defRPr>
             </a:lvl4pPr>
-            <a:lvl5pPr indent="-101600" lvl="4" marL="2057400" marR="0" rtl="0" algn="l">
+            <a:lvl5pPr marL="2057400" marR="0" lvl="4" indent="-101600" algn="l" rtl="0">
               <a:spcBef>
                 <a:spcPts val="0"/>
               </a:spcBef>
@@ -2688,7 +2917,7 @@
               <a:buSzPct val="100000"/>
               <a:buFont typeface="Arial"/>
               <a:buChar char="»"/>
-              <a:defRPr b="0" i="0" sz="2000" u="none" cap="none" strike="noStrike">
+              <a:defRPr sz="2000" b="0" i="0" u="none" strike="noStrike" cap="none">
                 <a:solidFill>
                   <a:schemeClr val="dk1"/>
                 </a:solidFill>
@@ -2698,7 +2927,7 @@
                 <a:sym typeface="Arial"/>
               </a:defRPr>
             </a:lvl5pPr>
-            <a:lvl6pPr indent="-101600" lvl="5" marL="2514600" marR="0" rtl="0" algn="l">
+            <a:lvl6pPr marL="2514600" marR="0" lvl="5" indent="-101600" algn="l" rtl="0">
               <a:spcBef>
                 <a:spcPts val="0"/>
               </a:spcBef>
@@ -2708,7 +2937,7 @@
               <a:buSzPct val="100000"/>
               <a:buFont typeface="Arial"/>
               <a:buChar char="•"/>
-              <a:defRPr b="0" i="0" sz="2000" u="none" cap="none" strike="noStrike">
+              <a:defRPr sz="2000" b="0" i="0" u="none" strike="noStrike" cap="none">
                 <a:solidFill>
                   <a:schemeClr val="dk1"/>
                 </a:solidFill>
@@ -2718,7 +2947,7 @@
                 <a:sym typeface="Arial"/>
               </a:defRPr>
             </a:lvl6pPr>
-            <a:lvl7pPr indent="-101600" lvl="6" marL="2971800" marR="0" rtl="0" algn="l">
+            <a:lvl7pPr marL="2971800" marR="0" lvl="6" indent="-101600" algn="l" rtl="0">
               <a:spcBef>
                 <a:spcPts val="0"/>
               </a:spcBef>
@@ -2728,7 +2957,7 @@
               <a:buSzPct val="100000"/>
               <a:buFont typeface="Arial"/>
               <a:buChar char="•"/>
-              <a:defRPr b="0" i="0" sz="2000" u="none" cap="none" strike="noStrike">
+              <a:defRPr sz="2000" b="0" i="0" u="none" strike="noStrike" cap="none">
                 <a:solidFill>
                   <a:schemeClr val="dk1"/>
                 </a:solidFill>
@@ -2738,7 +2967,7 @@
                 <a:sym typeface="Arial"/>
               </a:defRPr>
             </a:lvl7pPr>
-            <a:lvl8pPr indent="-101600" lvl="7" marL="3429000" marR="0" rtl="0" algn="l">
+            <a:lvl8pPr marL="3429000" marR="0" lvl="7" indent="-101600" algn="l" rtl="0">
               <a:spcBef>
                 <a:spcPts val="0"/>
               </a:spcBef>
@@ -2748,7 +2977,7 @@
               <a:buSzPct val="100000"/>
               <a:buFont typeface="Arial"/>
               <a:buChar char="•"/>
-              <a:defRPr b="0" i="0" sz="2000" u="none" cap="none" strike="noStrike">
+              <a:defRPr sz="2000" b="0" i="0" u="none" strike="noStrike" cap="none">
                 <a:solidFill>
                   <a:schemeClr val="dk1"/>
                 </a:solidFill>
@@ -2758,7 +2987,7 @@
                 <a:sym typeface="Arial"/>
               </a:defRPr>
             </a:lvl8pPr>
-            <a:lvl9pPr indent="-101600" lvl="8" marL="3886200" marR="0" rtl="0" algn="l">
+            <a:lvl9pPr marL="3886200" marR="0" lvl="8" indent="-101600" algn="l" rtl="0">
               <a:spcBef>
                 <a:spcPts val="0"/>
               </a:spcBef>
@@ -2768,7 +2997,7 @@
               <a:buSzPct val="100000"/>
               <a:buFont typeface="Arial"/>
               <a:buChar char="•"/>
-              <a:defRPr b="0" i="0" sz="2000" u="none" cap="none" strike="noStrike">
+              <a:defRPr sz="2000" b="0" i="0" u="none" strike="noStrike" cap="none">
                 <a:solidFill>
                   <a:schemeClr val="dk1"/>
                 </a:solidFill>
@@ -2779,7 +3008,9 @@
               </a:defRPr>
             </a:lvl9pPr>
           </a:lstStyle>
-          <a:p/>
+          <a:p>
+            <a:endParaRPr/>
+          </a:p>
         </p:txBody>
       </p:sp>
     </p:spTree>
@@ -2791,11 +3022,11 @@
 </file>
 
 <file path=ppt/slideLayouts/slideLayout3.xml><?xml version="1.0" encoding="utf-8"?>
-<p:sldLayout xmlns:a="http://schemas.openxmlformats.org/drawingml/2006/main" xmlns:r="http://schemas.openxmlformats.org/officeDocument/2006/relationships" xmlns:mc="http://schemas.openxmlformats.org/markup-compatibility/2006" xmlns:mv="urn:schemas-microsoft-com:mac:vml" xmlns:p="http://schemas.openxmlformats.org/presentationml/2006/main" xmlns:c="http://schemas.openxmlformats.org/drawingml/2006/chart" xmlns:dgm="http://schemas.openxmlformats.org/drawingml/2006/diagram" xmlns:o="urn:schemas-microsoft-com:office:office" xmlns:v="urn:schemas-microsoft-com:vml" xmlns:pvml="urn:schemas-microsoft-com:office:powerpoint" xmlns:com="http://schemas.openxmlformats.org/drawingml/2006/compatibility" xmlns:p14="http://schemas.microsoft.com/office/powerpoint/2010/main">
+<p:sldLayout xmlns:a="http://schemas.openxmlformats.org/drawingml/2006/main" xmlns:r="http://schemas.openxmlformats.org/officeDocument/2006/relationships" xmlns:p="http://schemas.openxmlformats.org/presentationml/2006/main">
   <p:cSld name="black background">
     <p:spTree>
       <p:nvGrpSpPr>
-        <p:cNvPr id="16" name="Shape 16"/>
+        <p:cNvPr id="1" name="Shape 16"/>
         <p:cNvGrpSpPr/>
         <p:nvPr/>
       </p:nvGrpSpPr>
@@ -2824,23 +3055,23 @@
           <a:solidFill>
             <a:srgbClr val="000000"/>
           </a:solidFill>
-          <a:ln cap="flat" cmpd="sng" w="12700">
+          <a:ln w="12700" cap="flat" cmpd="sng">
             <a:solidFill>
               <a:schemeClr val="lt2"/>
             </a:solidFill>
             <a:prstDash val="solid"/>
             <a:round/>
-            <a:headEnd len="med" w="med" type="none"/>
-            <a:tailEnd len="med" w="med" type="none"/>
+            <a:headEnd type="none" w="med" len="med"/>
+            <a:tailEnd type="none" w="med" len="med"/>
           </a:ln>
         </p:spPr>
         <p:txBody>
-          <a:bodyPr anchorCtr="0" anchor="ctr" bIns="45700" lIns="91425" rIns="91425" tIns="45700">
+          <a:bodyPr lIns="91425" tIns="45700" rIns="91425" bIns="45700" anchor="ctr" anchorCtr="0">
             <a:noAutofit/>
           </a:bodyPr>
           <a:lstStyle/>
           <a:p>
-            <a:pPr indent="0" lvl="0" marL="0" marR="0" rtl="0" algn="ctr">
+            <a:pPr marL="0" marR="0" lvl="0" indent="0" algn="ctr" rtl="0">
               <a:lnSpc>
                 <a:spcPct val="100000"/>
               </a:lnSpc>
@@ -2856,10 +3087,7 @@
               <a:buFont typeface="Arial"/>
               <a:buNone/>
             </a:pPr>
-            <a:r>
-              <a:t/>
-            </a:r>
-            <a:endParaRPr b="0" i="0" sz="1800" u="none" cap="none" strike="noStrike">
+            <a:endParaRPr sz="1800" b="0" i="0" u="none" strike="noStrike" cap="none">
               <a:solidFill>
                 <a:srgbClr val="FFFFFF"/>
               </a:solidFill>
@@ -2893,12 +3121,12 @@
           </a:ln>
         </p:spPr>
         <p:txBody>
-          <a:bodyPr anchorCtr="0" anchor="ctr" bIns="45700" lIns="91425" rIns="91425" tIns="45700">
+          <a:bodyPr lIns="91425" tIns="45700" rIns="91425" bIns="45700" anchor="ctr" anchorCtr="0">
             <a:noAutofit/>
           </a:bodyPr>
           <a:lstStyle/>
           <a:p>
-            <a:pPr indent="0" lvl="0" marL="0" marR="0" rtl="0" algn="l">
+            <a:pPr marL="0" marR="0" lvl="0" indent="0" algn="l" rtl="0">
               <a:lnSpc>
                 <a:spcPct val="100000"/>
               </a:lnSpc>
@@ -2914,10 +3142,7 @@
               <a:buFont typeface="Arial"/>
               <a:buNone/>
             </a:pPr>
-            <a:r>
-              <a:t/>
-            </a:r>
-            <a:endParaRPr b="0" i="0" sz="1800" u="none" cap="none" strike="noStrike">
+            <a:endParaRPr sz="1800" b="0" i="0" u="none" strike="noStrike" cap="none">
               <a:solidFill>
                 <a:srgbClr val="FFFFFF"/>
               </a:solidFill>
@@ -2949,12 +3174,12 @@
           </a:ln>
         </p:spPr>
         <p:txBody>
-          <a:bodyPr anchorCtr="0" anchor="t" bIns="0" lIns="0" rIns="0" tIns="0">
+          <a:bodyPr lIns="0" tIns="0" rIns="0" bIns="0" anchor="t" anchorCtr="0">
             <a:noAutofit/>
           </a:bodyPr>
           <a:lstStyle/>
           <a:p>
-            <a:pPr indent="0" lvl="0" marL="0" marR="0" rtl="0" algn="r">
+            <a:pPr marL="0" marR="0" lvl="0" indent="0" algn="r" rtl="0">
               <a:lnSpc>
                 <a:spcPct val="100000"/>
               </a:lnSpc>
@@ -2972,7 +3197,7 @@
               <a:buNone/>
             </a:pPr>
             <a:fld id="{00000000-1234-1234-1234-123412341234}" type="slidenum">
-              <a:rPr b="0" i="0" lang="en-US" sz="800" u="none" cap="none" strike="noStrike">
+              <a:rPr lang="en-US" sz="800" b="0" i="0" u="none" strike="noStrike" cap="none">
                 <a:solidFill>
                   <a:srgbClr val="7F7F7F"/>
                 </a:solidFill>
@@ -2983,6 +3208,15 @@
               </a:rPr>
               <a:t>‹#›</a:t>
             </a:fld>
+            <a:endParaRPr lang="en-US" sz="800" b="0" i="0" u="none" strike="noStrike" cap="none">
+              <a:solidFill>
+                <a:srgbClr val="7F7F7F"/>
+              </a:solidFill>
+              <a:latin typeface="Arial"/>
+              <a:ea typeface="Arial"/>
+              <a:cs typeface="Arial"/>
+              <a:sym typeface="Arial"/>
+            </a:endParaRPr>
           </a:p>
         </p:txBody>
       </p:sp>
@@ -3006,12 +3240,12 @@
           </a:ln>
         </p:spPr>
         <p:txBody>
-          <a:bodyPr anchorCtr="0" anchor="t" bIns="0" lIns="0" rIns="0" tIns="0">
+          <a:bodyPr lIns="0" tIns="0" rIns="0" bIns="0" anchor="t" anchorCtr="0">
             <a:noAutofit/>
           </a:bodyPr>
           <a:lstStyle/>
           <a:p>
-            <a:pPr indent="0" lvl="0" marL="0" marR="0" rtl="0" algn="l">
+            <a:pPr marL="0" marR="0" lvl="0" indent="0" algn="l" rtl="0">
               <a:lnSpc>
                 <a:spcPct val="100000"/>
               </a:lnSpc>
@@ -3029,7 +3263,7 @@
               <a:buNone/>
             </a:pPr>
             <a:r>
-              <a:rPr b="0" i="0" lang="en-US" sz="600" u="none" cap="none" strike="noStrike">
+              <a:rPr lang="en-US" sz="600" b="0" i="0" u="none" strike="noStrike" cap="none">
                 <a:solidFill>
                   <a:srgbClr val="7F7F7F"/>
                 </a:solidFill>
@@ -3043,33 +3277,6 @@
           </a:p>
         </p:txBody>
       </p:sp>
-      <p:pic>
-        <p:nvPicPr>
-          <p:cNvPr id="21" name="Shape 21"/>
-          <p:cNvPicPr preferRelativeResize="0"/>
-          <p:nvPr/>
-        </p:nvPicPr>
-        <p:blipFill rotWithShape="1">
-          <a:blip r:embed="rId2">
-            <a:alphaModFix/>
-          </a:blip>
-          <a:srcRect b="0" l="0" r="0" t="0"/>
-          <a:stretch/>
-        </p:blipFill>
-        <p:spPr>
-          <a:xfrm>
-            <a:off x="7942263" y="4713287"/>
-            <a:ext cx="957298" cy="220800"/>
-          </a:xfrm>
-          <a:prstGeom prst="rect">
-            <a:avLst/>
-          </a:prstGeom>
-          <a:noFill/>
-          <a:ln>
-            <a:noFill/>
-          </a:ln>
-        </p:spPr>
-      </p:pic>
     </p:spTree>
   </p:cSld>
   <p:clrMapOvr>
@@ -3079,11 +3286,11 @@
 </file>
 
 <file path=ppt/slideLayouts/slideLayout4.xml><?xml version="1.0" encoding="utf-8"?>
-<p:sldLayout xmlns:a="http://schemas.openxmlformats.org/drawingml/2006/main" xmlns:r="http://schemas.openxmlformats.org/officeDocument/2006/relationships" xmlns:mc="http://schemas.openxmlformats.org/markup-compatibility/2006" xmlns:mv="urn:schemas-microsoft-com:mac:vml" xmlns:p="http://schemas.openxmlformats.org/presentationml/2006/main" xmlns:c="http://schemas.openxmlformats.org/drawingml/2006/chart" xmlns:dgm="http://schemas.openxmlformats.org/drawingml/2006/diagram" xmlns:o="urn:schemas-microsoft-com:office:office" xmlns:v="urn:schemas-microsoft-com:vml" xmlns:pvml="urn:schemas-microsoft-com:office:powerpoint" xmlns:com="http://schemas.openxmlformats.org/drawingml/2006/compatibility" xmlns:p14="http://schemas.microsoft.com/office/powerpoint/2010/main">
+<p:sldLayout xmlns:a="http://schemas.openxmlformats.org/drawingml/2006/main" xmlns:r="http://schemas.openxmlformats.org/officeDocument/2006/relationships" xmlns:p="http://schemas.openxmlformats.org/presentationml/2006/main">
   <p:cSld name="Main Page">
     <p:spTree>
       <p:nvGrpSpPr>
-        <p:cNvPr id="22" name="Shape 22"/>
+        <p:cNvPr id="1" name="Shape 22"/>
         <p:cNvGrpSpPr/>
         <p:nvPr/>
       </p:nvGrpSpPr>
@@ -3098,7 +3305,9 @@
       <p:sp>
         <p:nvSpPr>
           <p:cNvPr id="23" name="Shape 23"/>
-          <p:cNvSpPr txBox="1"/>
+          <p:cNvSpPr txBox="1">
+            <a:spLocks noGrp="1"/>
+          </p:cNvSpPr>
           <p:nvPr>
             <p:ph type="title"/>
           </p:nvPr>
@@ -3117,9 +3326,9 @@
           </a:ln>
         </p:spPr>
         <p:txBody>
-          <a:bodyPr anchorCtr="0" anchor="t" bIns="91425" lIns="91425" rIns="91425" tIns="91425"/>
+          <a:bodyPr lIns="91425" tIns="91425" rIns="91425" bIns="91425" anchor="t" anchorCtr="0"/>
           <a:lstStyle>
-            <a:lvl1pPr indent="0" lvl="0" marL="0" marR="0" rtl="0" algn="l">
+            <a:lvl1pPr marL="0" marR="0" lvl="0" indent="0" algn="l" rtl="0">
               <a:spcBef>
                 <a:spcPts val="0"/>
               </a:spcBef>
@@ -3128,7 +3337,7 @@
               </a:buClr>
               <a:buFont typeface="Arial"/>
               <a:buNone/>
-              <a:defRPr b="1" i="0" sz="2800" u="none" cap="none" strike="noStrike">
+              <a:defRPr sz="2800" b="1" i="0" u="none" strike="noStrike" cap="none">
                 <a:solidFill>
                   <a:srgbClr val="008774"/>
                 </a:solidFill>
@@ -3138,56 +3347,56 @@
                 <a:sym typeface="Arial"/>
               </a:defRPr>
             </a:lvl1pPr>
-            <a:lvl2pPr indent="0" lvl="1">
+            <a:lvl2pPr lvl="1" indent="0">
               <a:spcBef>
                 <a:spcPts val="0"/>
               </a:spcBef>
               <a:buNone/>
               <a:defRPr sz="1800"/>
             </a:lvl2pPr>
-            <a:lvl3pPr indent="0" lvl="2">
+            <a:lvl3pPr lvl="2" indent="0">
               <a:spcBef>
                 <a:spcPts val="0"/>
               </a:spcBef>
               <a:buNone/>
               <a:defRPr sz="1800"/>
             </a:lvl3pPr>
-            <a:lvl4pPr indent="0" lvl="3">
+            <a:lvl4pPr lvl="3" indent="0">
               <a:spcBef>
                 <a:spcPts val="0"/>
               </a:spcBef>
               <a:buNone/>
               <a:defRPr sz="1800"/>
             </a:lvl4pPr>
-            <a:lvl5pPr indent="0" lvl="4">
+            <a:lvl5pPr lvl="4" indent="0">
               <a:spcBef>
                 <a:spcPts val="0"/>
               </a:spcBef>
               <a:buNone/>
               <a:defRPr sz="1800"/>
             </a:lvl5pPr>
-            <a:lvl6pPr indent="0" lvl="5">
+            <a:lvl6pPr lvl="5" indent="0">
               <a:spcBef>
                 <a:spcPts val="0"/>
               </a:spcBef>
               <a:buNone/>
               <a:defRPr sz="1800"/>
             </a:lvl6pPr>
-            <a:lvl7pPr indent="0" lvl="6">
+            <a:lvl7pPr lvl="6" indent="0">
               <a:spcBef>
                 <a:spcPts val="0"/>
               </a:spcBef>
               <a:buNone/>
               <a:defRPr sz="1800"/>
             </a:lvl7pPr>
-            <a:lvl8pPr indent="0" lvl="7">
+            <a:lvl8pPr lvl="7" indent="0">
               <a:spcBef>
                 <a:spcPts val="0"/>
               </a:spcBef>
               <a:buNone/>
               <a:defRPr sz="1800"/>
             </a:lvl8pPr>
-            <a:lvl9pPr indent="0" lvl="8">
+            <a:lvl9pPr lvl="8" indent="0">
               <a:spcBef>
                 <a:spcPts val="0"/>
               </a:spcBef>
@@ -3195,15 +3404,19 @@
               <a:defRPr sz="1800"/>
             </a:lvl9pPr>
           </a:lstStyle>
-          <a:p/>
+          <a:p>
+            <a:endParaRPr/>
+          </a:p>
         </p:txBody>
       </p:sp>
       <p:sp>
         <p:nvSpPr>
           <p:cNvPr id="24" name="Shape 24"/>
-          <p:cNvSpPr txBox="1"/>
+          <p:cNvSpPr txBox="1">
+            <a:spLocks noGrp="1"/>
+          </p:cNvSpPr>
           <p:nvPr>
-            <p:ph idx="12" type="sldNum"/>
+            <p:ph type="sldNum" idx="12"/>
           </p:nvPr>
         </p:nvSpPr>
         <p:spPr>
@@ -3220,12 +3433,12 @@
           </a:ln>
         </p:spPr>
         <p:txBody>
-          <a:bodyPr anchorCtr="0" anchor="t" bIns="45700" lIns="91425" rIns="91425" tIns="45700">
+          <a:bodyPr lIns="91425" tIns="45700" rIns="91425" bIns="45700" anchor="t" anchorCtr="0">
             <a:noAutofit/>
           </a:bodyPr>
           <a:lstStyle/>
           <a:p>
-            <a:pPr indent="0" lvl="0" marL="0" marR="0" rtl="0" algn="l">
+            <a:pPr marL="0" marR="0" lvl="0" indent="0" algn="l" rtl="0">
               <a:spcBef>
                 <a:spcPts val="0"/>
               </a:spcBef>
@@ -3244,15 +3457,26 @@
               </a:rPr>
               <a:t>‹#›</a:t>
             </a:fld>
+            <a:endParaRPr lang="en-US" sz="900">
+              <a:solidFill>
+                <a:srgbClr val="A5A5A5"/>
+              </a:solidFill>
+              <a:latin typeface="Arial"/>
+              <a:ea typeface="Arial"/>
+              <a:cs typeface="Arial"/>
+              <a:sym typeface="Arial"/>
+            </a:endParaRPr>
           </a:p>
         </p:txBody>
       </p:sp>
       <p:sp>
         <p:nvSpPr>
           <p:cNvPr id="25" name="Shape 25"/>
-          <p:cNvSpPr txBox="1"/>
+          <p:cNvSpPr txBox="1">
+            <a:spLocks noGrp="1"/>
+          </p:cNvSpPr>
           <p:nvPr>
-            <p:ph idx="1" type="body"/>
+            <p:ph type="body" idx="1"/>
           </p:nvPr>
         </p:nvSpPr>
         <p:spPr>
@@ -3269,9 +3493,9 @@
           </a:ln>
         </p:spPr>
         <p:txBody>
-          <a:bodyPr anchorCtr="0" anchor="t" bIns="91425" lIns="91425" rIns="91425" tIns="91425"/>
+          <a:bodyPr lIns="91425" tIns="91425" rIns="91425" bIns="91425" anchor="t" anchorCtr="0"/>
           <a:lstStyle>
-            <a:lvl1pPr indent="0" lvl="0" marL="0" marR="0" rtl="0" algn="l">
+            <a:lvl1pPr marL="0" marR="0" lvl="0" indent="0" algn="l" rtl="0">
               <a:spcBef>
                 <a:spcPts val="360"/>
               </a:spcBef>
@@ -3280,7 +3504,7 @@
               </a:buClr>
               <a:buFont typeface="Arial"/>
               <a:buNone/>
-              <a:defRPr b="0" i="0" sz="1800" u="none" cap="none" strike="noStrike">
+              <a:defRPr sz="1800" b="0" i="0" u="none" strike="noStrike" cap="none">
                 <a:solidFill>
                   <a:srgbClr val="7F7F7F"/>
                 </a:solidFill>
@@ -3290,7 +3514,7 @@
                 <a:sym typeface="Arial"/>
               </a:defRPr>
             </a:lvl1pPr>
-            <a:lvl2pPr indent="-107950" lvl="1" marL="742950" marR="0" rtl="0" algn="l">
+            <a:lvl2pPr marL="742950" marR="0" lvl="1" indent="-107950" algn="l" rtl="0">
               <a:spcBef>
                 <a:spcPts val="560"/>
               </a:spcBef>
@@ -3300,7 +3524,7 @@
               <a:buSzPct val="100000"/>
               <a:buFont typeface="Arial"/>
               <a:buChar char="–"/>
-              <a:defRPr b="0" i="0" sz="2800" u="none" cap="none" strike="noStrike">
+              <a:defRPr sz="2800" b="0" i="0" u="none" strike="noStrike" cap="none">
                 <a:solidFill>
                   <a:schemeClr val="dk1"/>
                 </a:solidFill>
@@ -3310,7 +3534,7 @@
                 <a:sym typeface="Arial"/>
               </a:defRPr>
             </a:lvl2pPr>
-            <a:lvl3pPr indent="-76200" lvl="2" marL="1143000" marR="0" rtl="0" algn="l">
+            <a:lvl3pPr marL="1143000" marR="0" lvl="2" indent="-76200" algn="l" rtl="0">
               <a:spcBef>
                 <a:spcPts val="480"/>
               </a:spcBef>
@@ -3320,7 +3544,7 @@
               <a:buSzPct val="100000"/>
               <a:buFont typeface="Arial"/>
               <a:buChar char="•"/>
-              <a:defRPr b="0" i="0" sz="2400" u="none" cap="none" strike="noStrike">
+              <a:defRPr sz="2400" b="0" i="0" u="none" strike="noStrike" cap="none">
                 <a:solidFill>
                   <a:schemeClr val="dk1"/>
                 </a:solidFill>
@@ -3330,7 +3554,7 @@
                 <a:sym typeface="Arial"/>
               </a:defRPr>
             </a:lvl3pPr>
-            <a:lvl4pPr indent="-101600" lvl="3" marL="1600200" marR="0" rtl="0" algn="l">
+            <a:lvl4pPr marL="1600200" marR="0" lvl="3" indent="-101600" algn="l" rtl="0">
               <a:spcBef>
                 <a:spcPts val="400"/>
               </a:spcBef>
@@ -3340,7 +3564,7 @@
               <a:buSzPct val="100000"/>
               <a:buFont typeface="Arial"/>
               <a:buChar char="–"/>
-              <a:defRPr b="0" i="0" sz="2000" u="none" cap="none" strike="noStrike">
+              <a:defRPr sz="2000" b="0" i="0" u="none" strike="noStrike" cap="none">
                 <a:solidFill>
                   <a:schemeClr val="dk1"/>
                 </a:solidFill>
@@ -3350,7 +3574,7 @@
                 <a:sym typeface="Arial"/>
               </a:defRPr>
             </a:lvl4pPr>
-            <a:lvl5pPr indent="-101600" lvl="4" marL="2057400" marR="0" rtl="0" algn="l">
+            <a:lvl5pPr marL="2057400" marR="0" lvl="4" indent="-101600" algn="l" rtl="0">
               <a:spcBef>
                 <a:spcPts val="400"/>
               </a:spcBef>
@@ -3360,7 +3584,7 @@
               <a:buSzPct val="100000"/>
               <a:buFont typeface="Arial"/>
               <a:buChar char="»"/>
-              <a:defRPr b="0" i="0" sz="2000" u="none" cap="none" strike="noStrike">
+              <a:defRPr sz="2000" b="0" i="0" u="none" strike="noStrike" cap="none">
                 <a:solidFill>
                   <a:schemeClr val="dk1"/>
                 </a:solidFill>
@@ -3370,7 +3594,7 @@
                 <a:sym typeface="Arial"/>
               </a:defRPr>
             </a:lvl5pPr>
-            <a:lvl6pPr indent="-101600" lvl="5" marL="2514600" marR="0" rtl="0" algn="l">
+            <a:lvl6pPr marL="2514600" marR="0" lvl="5" indent="-101600" algn="l" rtl="0">
               <a:spcBef>
                 <a:spcPts val="400"/>
               </a:spcBef>
@@ -3380,7 +3604,7 @@
               <a:buSzPct val="100000"/>
               <a:buFont typeface="Arial"/>
               <a:buChar char="•"/>
-              <a:defRPr b="0" i="0" sz="2000" u="none" cap="none" strike="noStrike">
+              <a:defRPr sz="2000" b="0" i="0" u="none" strike="noStrike" cap="none">
                 <a:solidFill>
                   <a:schemeClr val="dk1"/>
                 </a:solidFill>
@@ -3390,7 +3614,7 @@
                 <a:sym typeface="Arial"/>
               </a:defRPr>
             </a:lvl6pPr>
-            <a:lvl7pPr indent="-101600" lvl="6" marL="2971800" marR="0" rtl="0" algn="l">
+            <a:lvl7pPr marL="2971800" marR="0" lvl="6" indent="-101600" algn="l" rtl="0">
               <a:spcBef>
                 <a:spcPts val="400"/>
               </a:spcBef>
@@ -3400,7 +3624,7 @@
               <a:buSzPct val="100000"/>
               <a:buFont typeface="Arial"/>
               <a:buChar char="•"/>
-              <a:defRPr b="0" i="0" sz="2000" u="none" cap="none" strike="noStrike">
+              <a:defRPr sz="2000" b="0" i="0" u="none" strike="noStrike" cap="none">
                 <a:solidFill>
                   <a:schemeClr val="dk1"/>
                 </a:solidFill>
@@ -3410,7 +3634,7 @@
                 <a:sym typeface="Arial"/>
               </a:defRPr>
             </a:lvl7pPr>
-            <a:lvl8pPr indent="-101600" lvl="7" marL="3429000" marR="0" rtl="0" algn="l">
+            <a:lvl8pPr marL="3429000" marR="0" lvl="7" indent="-101600" algn="l" rtl="0">
               <a:spcBef>
                 <a:spcPts val="400"/>
               </a:spcBef>
@@ -3420,7 +3644,7 @@
               <a:buSzPct val="100000"/>
               <a:buFont typeface="Arial"/>
               <a:buChar char="•"/>
-              <a:defRPr b="0" i="0" sz="2000" u="none" cap="none" strike="noStrike">
+              <a:defRPr sz="2000" b="0" i="0" u="none" strike="noStrike" cap="none">
                 <a:solidFill>
                   <a:schemeClr val="dk1"/>
                 </a:solidFill>
@@ -3430,7 +3654,7 @@
                 <a:sym typeface="Arial"/>
               </a:defRPr>
             </a:lvl8pPr>
-            <a:lvl9pPr indent="-101600" lvl="8" marL="3886200" marR="0" rtl="0" algn="l">
+            <a:lvl9pPr marL="3886200" marR="0" lvl="8" indent="-101600" algn="l" rtl="0">
               <a:spcBef>
                 <a:spcPts val="400"/>
               </a:spcBef>
@@ -3440,7 +3664,7 @@
               <a:buSzPct val="100000"/>
               <a:buFont typeface="Arial"/>
               <a:buChar char="•"/>
-              <a:defRPr b="0" i="0" sz="2000" u="none" cap="none" strike="noStrike">
+              <a:defRPr sz="2000" b="0" i="0" u="none" strike="noStrike" cap="none">
                 <a:solidFill>
                   <a:schemeClr val="dk1"/>
                 </a:solidFill>
@@ -3451,7 +3675,9 @@
               </a:defRPr>
             </a:lvl9pPr>
           </a:lstStyle>
-          <a:p/>
+          <a:p>
+            <a:endParaRPr/>
+          </a:p>
         </p:txBody>
       </p:sp>
     </p:spTree>
@@ -3463,11 +3689,11 @@
 </file>
 
 <file path=ppt/slideLayouts/slideLayout5.xml><?xml version="1.0" encoding="utf-8"?>
-<p:sldLayout xmlns:a="http://schemas.openxmlformats.org/drawingml/2006/main" xmlns:r="http://schemas.openxmlformats.org/officeDocument/2006/relationships" xmlns:mc="http://schemas.openxmlformats.org/markup-compatibility/2006" xmlns:mv="urn:schemas-microsoft-com:mac:vml" xmlns:p="http://schemas.openxmlformats.org/presentationml/2006/main" xmlns:c="http://schemas.openxmlformats.org/drawingml/2006/chart" xmlns:dgm="http://schemas.openxmlformats.org/drawingml/2006/diagram" xmlns:o="urn:schemas-microsoft-com:office:office" xmlns:v="urn:schemas-microsoft-com:vml" xmlns:pvml="urn:schemas-microsoft-com:office:powerpoint" xmlns:com="http://schemas.openxmlformats.org/drawingml/2006/compatibility" xmlns:p14="http://schemas.microsoft.com/office/powerpoint/2010/main">
+<p:sldLayout xmlns:a="http://schemas.openxmlformats.org/drawingml/2006/main" xmlns:r="http://schemas.openxmlformats.org/officeDocument/2006/relationships" xmlns:p="http://schemas.openxmlformats.org/presentationml/2006/main">
   <p:cSld name="Split">
     <p:spTree>
       <p:nvGrpSpPr>
-        <p:cNvPr id="26" name="Shape 26"/>
+        <p:cNvPr id="1" name="Shape 26"/>
         <p:cNvGrpSpPr/>
         <p:nvPr/>
       </p:nvGrpSpPr>
@@ -3501,20 +3727,17 @@
           </a:ln>
         </p:spPr>
         <p:txBody>
-          <a:bodyPr anchorCtr="0" anchor="ctr" bIns="45700" lIns="91425" rIns="91425" tIns="45700">
+          <a:bodyPr lIns="91425" tIns="45700" rIns="91425" bIns="45700" anchor="ctr" anchorCtr="0">
             <a:noAutofit/>
           </a:bodyPr>
           <a:lstStyle/>
           <a:p>
-            <a:pPr indent="0" lvl="0" marL="0" marR="0" rtl="0" algn="ctr">
+            <a:pPr marL="0" marR="0" lvl="0" indent="0" algn="ctr" rtl="0">
               <a:spcBef>
                 <a:spcPts val="0"/>
               </a:spcBef>
               <a:buNone/>
             </a:pPr>
-            <a:r>
-              <a:t/>
-            </a:r>
             <a:endParaRPr sz="1800">
               <a:solidFill>
                 <a:schemeClr val="lt1"/>
@@ -3527,39 +3750,14 @@
           </a:p>
         </p:txBody>
       </p:sp>
-      <p:pic>
-        <p:nvPicPr>
-          <p:cNvPr descr="Pivotal_White.png" id="28" name="Shape 28"/>
-          <p:cNvPicPr preferRelativeResize="0"/>
-          <p:nvPr/>
-        </p:nvPicPr>
-        <p:blipFill rotWithShape="1">
-          <a:blip r:embed="rId2">
-            <a:alphaModFix/>
-          </a:blip>
-          <a:srcRect b="0" l="0" r="0" t="0"/>
-          <a:stretch/>
-        </p:blipFill>
-        <p:spPr>
-          <a:xfrm>
-            <a:off x="8286414" y="4854091"/>
-            <a:ext cx="712061" cy="173735"/>
-          </a:xfrm>
-          <a:prstGeom prst="rect">
-            <a:avLst/>
-          </a:prstGeom>
-          <a:noFill/>
-          <a:ln>
-            <a:noFill/>
-          </a:ln>
-        </p:spPr>
-      </p:pic>
       <p:sp>
         <p:nvSpPr>
           <p:cNvPr id="29" name="Shape 29"/>
-          <p:cNvSpPr txBox="1"/>
+          <p:cNvSpPr txBox="1">
+            <a:spLocks noGrp="1"/>
+          </p:cNvSpPr>
           <p:nvPr>
-            <p:ph idx="12" type="sldNum"/>
+            <p:ph type="sldNum" idx="12"/>
           </p:nvPr>
         </p:nvSpPr>
         <p:spPr>
@@ -3576,12 +3774,12 @@
           </a:ln>
         </p:spPr>
         <p:txBody>
-          <a:bodyPr anchorCtr="0" anchor="t" bIns="45700" lIns="91425" rIns="91425" tIns="45700">
+          <a:bodyPr lIns="91425" tIns="45700" rIns="91425" bIns="45700" anchor="t" anchorCtr="0">
             <a:noAutofit/>
           </a:bodyPr>
           <a:lstStyle/>
           <a:p>
-            <a:pPr indent="0" lvl="0" marL="0" marR="0" rtl="0" algn="l">
+            <a:pPr marL="0" marR="0" lvl="0" indent="0" algn="l" rtl="0">
               <a:spcBef>
                 <a:spcPts val="0"/>
               </a:spcBef>
@@ -3600,6 +3798,15 @@
               </a:rPr>
               <a:t>‹#›</a:t>
             </a:fld>
+            <a:endParaRPr lang="en-US" sz="900">
+              <a:solidFill>
+                <a:srgbClr val="A5A5A5"/>
+              </a:solidFill>
+              <a:latin typeface="Arial"/>
+              <a:ea typeface="Arial"/>
+              <a:cs typeface="Arial"/>
+              <a:sym typeface="Arial"/>
+            </a:endParaRPr>
           </a:p>
         </p:txBody>
       </p:sp>
@@ -3612,18 +3819,19 @@
 </file>
 
 <file path=ppt/slideMasters/slideMaster1.xml><?xml version="1.0" encoding="utf-8"?>
-<p:sldMaster xmlns:a="http://schemas.openxmlformats.org/drawingml/2006/main" xmlns:r="http://schemas.openxmlformats.org/officeDocument/2006/relationships" xmlns:mc="http://schemas.openxmlformats.org/markup-compatibility/2006" xmlns:mv="urn:schemas-microsoft-com:mac:vml" xmlns:p="http://schemas.openxmlformats.org/presentationml/2006/main" xmlns:c="http://schemas.openxmlformats.org/drawingml/2006/chart" xmlns:dgm="http://schemas.openxmlformats.org/drawingml/2006/diagram" xmlns:o="urn:schemas-microsoft-com:office:office" xmlns:v="urn:schemas-microsoft-com:vml" xmlns:pvml="urn:schemas-microsoft-com:office:powerpoint" xmlns:com="http://schemas.openxmlformats.org/drawingml/2006/compatibility" xmlns:p14="http://schemas.microsoft.com/office/powerpoint/2010/main">
+<p:sldMaster xmlns:a="http://schemas.openxmlformats.org/drawingml/2006/main" xmlns:r="http://schemas.openxmlformats.org/officeDocument/2006/relationships" xmlns:p="http://schemas.openxmlformats.org/presentationml/2006/main">
   <p:cSld>
     <p:bg>
       <p:bgPr>
         <a:solidFill>
           <a:schemeClr val="lt1"/>
         </a:solidFill>
+        <a:effectLst/>
       </p:bgPr>
     </p:bg>
     <p:spTree>
       <p:nvGrpSpPr>
-        <p:cNvPr id="9" name="Shape 9"/>
+        <p:cNvPr id="1" name="Shape 9"/>
         <p:cNvGrpSpPr/>
         <p:nvPr/>
       </p:nvGrpSpPr>
@@ -3635,47 +3843,20 @@
           <a:chExt cx="0" cy="0"/>
         </a:xfrm>
       </p:grpSpPr>
-      <p:pic>
-        <p:nvPicPr>
-          <p:cNvPr descr="pivotal_teal.png" id="10" name="Shape 10"/>
-          <p:cNvPicPr preferRelativeResize="0"/>
-          <p:nvPr/>
-        </p:nvPicPr>
-        <p:blipFill rotWithShape="1">
-          <a:blip r:embed="rId1">
-            <a:alphaModFix/>
-          </a:blip>
-          <a:srcRect b="0" l="0" r="0" t="0"/>
-          <a:stretch/>
-        </p:blipFill>
-        <p:spPr>
-          <a:xfrm>
-            <a:off x="8272779" y="4855076"/>
-            <a:ext cx="731519" cy="171298"/>
-          </a:xfrm>
-          <a:prstGeom prst="rect">
-            <a:avLst/>
-          </a:prstGeom>
-          <a:noFill/>
-          <a:ln>
-            <a:noFill/>
-          </a:ln>
-        </p:spPr>
-      </p:pic>
     </p:spTree>
   </p:cSld>
-  <p:clrMap accent1="accent1" accent2="accent2" accent3="accent3" accent4="accent4" accent5="accent5" accent6="accent6" bg1="lt1" bg2="dk2" tx1="dk1" tx2="lt2" folHlink="folHlink" hlink="hlink"/>
+  <p:clrMap bg1="lt1" tx1="dk1" bg2="dk2" tx2="lt2" accent1="accent1" accent2="accent2" accent3="accent3" accent4="accent4" accent5="accent5" accent6="accent6" hlink="hlink" folHlink="folHlink"/>
   <p:sldLayoutIdLst>
-    <p:sldLayoutId id="2147483648" r:id="rId2"/>
-    <p:sldLayoutId id="2147483649" r:id="rId3"/>
-    <p:sldLayoutId id="2147483650" r:id="rId4"/>
-    <p:sldLayoutId id="2147483651" r:id="rId5"/>
-    <p:sldLayoutId id="2147483652" r:id="rId6"/>
+    <p:sldLayoutId id="2147483648" r:id="rId1"/>
+    <p:sldLayoutId id="2147483649" r:id="rId2"/>
+    <p:sldLayoutId id="2147483650" r:id="rId3"/>
+    <p:sldLayoutId id="2147483651" r:id="rId4"/>
+    <p:sldLayoutId id="2147483652" r:id="rId5"/>
   </p:sldLayoutIdLst>
-  <p:hf dt="0" ftr="0" hdr="0"/>
+  <p:hf hdr="0" ftr="0" dt="0"/>
   <p:txStyles>
     <p:titleStyle>
-      <a:defPPr lvl="0" marR="0" rtl="0" algn="l">
+      <a:defPPr marR="0" lvl="0" algn="l" rtl="0">
         <a:lnSpc>
           <a:spcPct val="100000"/>
         </a:lnSpc>
@@ -3686,7 +3867,7 @@
           <a:spcPts val="0"/>
         </a:spcAft>
       </a:defPPr>
-      <a:lvl1pPr lvl="0" marR="0" rtl="0" algn="l">
+      <a:lvl1pPr marR="0" lvl="0" algn="l" rtl="0">
         <a:lnSpc>
           <a:spcPct val="100000"/>
         </a:lnSpc>
@@ -3697,7 +3878,7 @@
           <a:spcPts val="0"/>
         </a:spcAft>
         <a:buNone/>
-        <a:defRPr b="0" i="0" sz="1400" u="none" cap="none" strike="noStrike">
+        <a:defRPr sz="1400" b="0" i="0" u="none" strike="noStrike" cap="none">
           <a:solidFill>
             <a:srgbClr val="000000"/>
           </a:solidFill>
@@ -3709,7 +3890,7 @@
       </a:lvl1pPr>
     </p:titleStyle>
     <p:bodyStyle>
-      <a:defPPr lvl="0" marR="0" rtl="0" algn="l">
+      <a:defPPr marR="0" lvl="0" algn="l" rtl="0">
         <a:lnSpc>
           <a:spcPct val="100000"/>
         </a:lnSpc>
@@ -3720,7 +3901,7 @@
           <a:spcPts val="0"/>
         </a:spcAft>
       </a:defPPr>
-      <a:lvl1pPr lvl="0" marR="0" rtl="0" algn="l">
+      <a:lvl1pPr marR="0" lvl="0" algn="l" rtl="0">
         <a:lnSpc>
           <a:spcPct val="100000"/>
         </a:lnSpc>
@@ -3731,7 +3912,7 @@
           <a:spcPts val="0"/>
         </a:spcAft>
         <a:buNone/>
-        <a:defRPr b="0" i="0" sz="1400" u="none" cap="none" strike="noStrike">
+        <a:defRPr sz="1400" b="0" i="0" u="none" strike="noStrike" cap="none">
           <a:solidFill>
             <a:srgbClr val="000000"/>
           </a:solidFill>
@@ -3741,7 +3922,7 @@
           <a:sym typeface="Arial"/>
         </a:defRPr>
       </a:lvl1pPr>
-      <a:lvl2pPr lvl="1" marR="0" rtl="0" algn="l">
+      <a:lvl2pPr marR="0" lvl="1" algn="l" rtl="0">
         <a:lnSpc>
           <a:spcPct val="100000"/>
         </a:lnSpc>
@@ -3752,7 +3933,7 @@
           <a:spcPts val="0"/>
         </a:spcAft>
         <a:buNone/>
-        <a:defRPr b="0" i="0" sz="1400" u="none" cap="none" strike="noStrike">
+        <a:defRPr sz="1400" b="0" i="0" u="none" strike="noStrike" cap="none">
           <a:solidFill>
             <a:srgbClr val="000000"/>
           </a:solidFill>
@@ -3762,7 +3943,7 @@
           <a:sym typeface="Arial"/>
         </a:defRPr>
       </a:lvl2pPr>
-      <a:lvl3pPr lvl="2" marR="0" rtl="0" algn="l">
+      <a:lvl3pPr marR="0" lvl="2" algn="l" rtl="0">
         <a:lnSpc>
           <a:spcPct val="100000"/>
         </a:lnSpc>
@@ -3773,7 +3954,7 @@
           <a:spcPts val="0"/>
         </a:spcAft>
         <a:buNone/>
-        <a:defRPr b="0" i="0" sz="1400" u="none" cap="none" strike="noStrike">
+        <a:defRPr sz="1400" b="0" i="0" u="none" strike="noStrike" cap="none">
           <a:solidFill>
             <a:srgbClr val="000000"/>
           </a:solidFill>
@@ -3783,7 +3964,7 @@
           <a:sym typeface="Arial"/>
         </a:defRPr>
       </a:lvl3pPr>
-      <a:lvl4pPr lvl="3" marR="0" rtl="0" algn="l">
+      <a:lvl4pPr marR="0" lvl="3" algn="l" rtl="0">
         <a:lnSpc>
           <a:spcPct val="100000"/>
         </a:lnSpc>
@@ -3794,7 +3975,7 @@
           <a:spcPts val="0"/>
         </a:spcAft>
         <a:buNone/>
-        <a:defRPr b="0" i="0" sz="1400" u="none" cap="none" strike="noStrike">
+        <a:defRPr sz="1400" b="0" i="0" u="none" strike="noStrike" cap="none">
           <a:solidFill>
             <a:srgbClr val="000000"/>
           </a:solidFill>
@@ -3804,7 +3985,7 @@
           <a:sym typeface="Arial"/>
         </a:defRPr>
       </a:lvl4pPr>
-      <a:lvl5pPr lvl="4" marR="0" rtl="0" algn="l">
+      <a:lvl5pPr marR="0" lvl="4" algn="l" rtl="0">
         <a:lnSpc>
           <a:spcPct val="100000"/>
         </a:lnSpc>
@@ -3815,7 +3996,7 @@
           <a:spcPts val="0"/>
         </a:spcAft>
         <a:buNone/>
-        <a:defRPr b="0" i="0" sz="1400" u="none" cap="none" strike="noStrike">
+        <a:defRPr sz="1400" b="0" i="0" u="none" strike="noStrike" cap="none">
           <a:solidFill>
             <a:srgbClr val="000000"/>
           </a:solidFill>
@@ -3825,7 +4006,7 @@
           <a:sym typeface="Arial"/>
         </a:defRPr>
       </a:lvl5pPr>
-      <a:lvl6pPr lvl="5" marR="0" rtl="0" algn="l">
+      <a:lvl6pPr marR="0" lvl="5" algn="l" rtl="0">
         <a:lnSpc>
           <a:spcPct val="100000"/>
         </a:lnSpc>
@@ -3836,7 +4017,7 @@
           <a:spcPts val="0"/>
         </a:spcAft>
         <a:buNone/>
-        <a:defRPr b="0" i="0" sz="1400" u="none" cap="none" strike="noStrike">
+        <a:defRPr sz="1400" b="0" i="0" u="none" strike="noStrike" cap="none">
           <a:solidFill>
             <a:srgbClr val="000000"/>
           </a:solidFill>
@@ -3846,7 +4027,7 @@
           <a:sym typeface="Arial"/>
         </a:defRPr>
       </a:lvl6pPr>
-      <a:lvl7pPr lvl="6" marR="0" rtl="0" algn="l">
+      <a:lvl7pPr marR="0" lvl="6" algn="l" rtl="0">
         <a:lnSpc>
           <a:spcPct val="100000"/>
         </a:lnSpc>
@@ -3857,7 +4038,7 @@
           <a:spcPts val="0"/>
         </a:spcAft>
         <a:buNone/>
-        <a:defRPr b="0" i="0" sz="1400" u="none" cap="none" strike="noStrike">
+        <a:defRPr sz="1400" b="0" i="0" u="none" strike="noStrike" cap="none">
           <a:solidFill>
             <a:srgbClr val="000000"/>
           </a:solidFill>
@@ -3867,7 +4048,7 @@
           <a:sym typeface="Arial"/>
         </a:defRPr>
       </a:lvl7pPr>
-      <a:lvl8pPr lvl="7" marR="0" rtl="0" algn="l">
+      <a:lvl8pPr marR="0" lvl="7" algn="l" rtl="0">
         <a:lnSpc>
           <a:spcPct val="100000"/>
         </a:lnSpc>
@@ -3878,7 +4059,7 @@
           <a:spcPts val="0"/>
         </a:spcAft>
         <a:buNone/>
-        <a:defRPr b="0" i="0" sz="1400" u="none" cap="none" strike="noStrike">
+        <a:defRPr sz="1400" b="0" i="0" u="none" strike="noStrike" cap="none">
           <a:solidFill>
             <a:srgbClr val="000000"/>
           </a:solidFill>
@@ -3888,7 +4069,7 @@
           <a:sym typeface="Arial"/>
         </a:defRPr>
       </a:lvl8pPr>
-      <a:lvl9pPr lvl="8" marR="0" rtl="0" algn="l">
+      <a:lvl9pPr marR="0" lvl="8" algn="l" rtl="0">
         <a:lnSpc>
           <a:spcPct val="100000"/>
         </a:lnSpc>
@@ -3899,7 +4080,7 @@
           <a:spcPts val="0"/>
         </a:spcAft>
         <a:buNone/>
-        <a:defRPr b="0" i="0" sz="1400" u="none" cap="none" strike="noStrike">
+        <a:defRPr sz="1400" b="0" i="0" u="none" strike="noStrike" cap="none">
           <a:solidFill>
             <a:srgbClr val="000000"/>
           </a:solidFill>
@@ -3911,7 +4092,7 @@
       </a:lvl9pPr>
     </p:bodyStyle>
     <p:otherStyle>
-      <a:defPPr lvl="0" marR="0" rtl="0" algn="l">
+      <a:defPPr marR="0" lvl="0" algn="l" rtl="0">
         <a:lnSpc>
           <a:spcPct val="100000"/>
         </a:lnSpc>
@@ -3922,7 +4103,7 @@
           <a:spcPts val="0"/>
         </a:spcAft>
       </a:defPPr>
-      <a:lvl1pPr lvl="0" marR="0" rtl="0" algn="l">
+      <a:lvl1pPr marR="0" lvl="0" algn="l" rtl="0">
         <a:lnSpc>
           <a:spcPct val="100000"/>
         </a:lnSpc>
@@ -3933,7 +4114,7 @@
           <a:spcPts val="0"/>
         </a:spcAft>
         <a:buNone/>
-        <a:defRPr b="0" i="0" sz="1400" u="none" cap="none" strike="noStrike">
+        <a:defRPr sz="1400" b="0" i="0" u="none" strike="noStrike" cap="none">
           <a:solidFill>
             <a:srgbClr val="000000"/>
           </a:solidFill>
@@ -3943,7 +4124,7 @@
           <a:sym typeface="Arial"/>
         </a:defRPr>
       </a:lvl1pPr>
-      <a:lvl2pPr lvl="1" marR="0" rtl="0" algn="l">
+      <a:lvl2pPr marR="0" lvl="1" algn="l" rtl="0">
         <a:lnSpc>
           <a:spcPct val="100000"/>
         </a:lnSpc>
@@ -3954,7 +4135,7 @@
           <a:spcPts val="0"/>
         </a:spcAft>
         <a:buNone/>
-        <a:defRPr b="0" i="0" sz="1400" u="none" cap="none" strike="noStrike">
+        <a:defRPr sz="1400" b="0" i="0" u="none" strike="noStrike" cap="none">
           <a:solidFill>
             <a:srgbClr val="000000"/>
           </a:solidFill>
@@ -3964,7 +4145,7 @@
           <a:sym typeface="Arial"/>
         </a:defRPr>
       </a:lvl2pPr>
-      <a:lvl3pPr lvl="2" marR="0" rtl="0" algn="l">
+      <a:lvl3pPr marR="0" lvl="2" algn="l" rtl="0">
         <a:lnSpc>
           <a:spcPct val="100000"/>
         </a:lnSpc>
@@ -3975,7 +4156,7 @@
           <a:spcPts val="0"/>
         </a:spcAft>
         <a:buNone/>
-        <a:defRPr b="0" i="0" sz="1400" u="none" cap="none" strike="noStrike">
+        <a:defRPr sz="1400" b="0" i="0" u="none" strike="noStrike" cap="none">
           <a:solidFill>
             <a:srgbClr val="000000"/>
           </a:solidFill>
@@ -3985,7 +4166,7 @@
           <a:sym typeface="Arial"/>
         </a:defRPr>
       </a:lvl3pPr>
-      <a:lvl4pPr lvl="3" marR="0" rtl="0" algn="l">
+      <a:lvl4pPr marR="0" lvl="3" algn="l" rtl="0">
         <a:lnSpc>
           <a:spcPct val="100000"/>
         </a:lnSpc>
@@ -3996,7 +4177,7 @@
           <a:spcPts val="0"/>
         </a:spcAft>
         <a:buNone/>
-        <a:defRPr b="0" i="0" sz="1400" u="none" cap="none" strike="noStrike">
+        <a:defRPr sz="1400" b="0" i="0" u="none" strike="noStrike" cap="none">
           <a:solidFill>
             <a:srgbClr val="000000"/>
           </a:solidFill>
@@ -4006,7 +4187,7 @@
           <a:sym typeface="Arial"/>
         </a:defRPr>
       </a:lvl4pPr>
-      <a:lvl5pPr lvl="4" marR="0" rtl="0" algn="l">
+      <a:lvl5pPr marR="0" lvl="4" algn="l" rtl="0">
         <a:lnSpc>
           <a:spcPct val="100000"/>
         </a:lnSpc>
@@ -4017,7 +4198,7 @@
           <a:spcPts val="0"/>
         </a:spcAft>
         <a:buNone/>
-        <a:defRPr b="0" i="0" sz="1400" u="none" cap="none" strike="noStrike">
+        <a:defRPr sz="1400" b="0" i="0" u="none" strike="noStrike" cap="none">
           <a:solidFill>
             <a:srgbClr val="000000"/>
           </a:solidFill>
@@ -4027,7 +4208,7 @@
           <a:sym typeface="Arial"/>
         </a:defRPr>
       </a:lvl5pPr>
-      <a:lvl6pPr lvl="5" marR="0" rtl="0" algn="l">
+      <a:lvl6pPr marR="0" lvl="5" algn="l" rtl="0">
         <a:lnSpc>
           <a:spcPct val="100000"/>
         </a:lnSpc>
@@ -4038,7 +4219,7 @@
           <a:spcPts val="0"/>
         </a:spcAft>
         <a:buNone/>
-        <a:defRPr b="0" i="0" sz="1400" u="none" cap="none" strike="noStrike">
+        <a:defRPr sz="1400" b="0" i="0" u="none" strike="noStrike" cap="none">
           <a:solidFill>
             <a:srgbClr val="000000"/>
           </a:solidFill>
@@ -4048,7 +4229,7 @@
           <a:sym typeface="Arial"/>
         </a:defRPr>
       </a:lvl6pPr>
-      <a:lvl7pPr lvl="6" marR="0" rtl="0" algn="l">
+      <a:lvl7pPr marR="0" lvl="6" algn="l" rtl="0">
         <a:lnSpc>
           <a:spcPct val="100000"/>
         </a:lnSpc>
@@ -4059,7 +4240,7 @@
           <a:spcPts val="0"/>
         </a:spcAft>
         <a:buNone/>
-        <a:defRPr b="0" i="0" sz="1400" u="none" cap="none" strike="noStrike">
+        <a:defRPr sz="1400" b="0" i="0" u="none" strike="noStrike" cap="none">
           <a:solidFill>
             <a:srgbClr val="000000"/>
           </a:solidFill>
@@ -4069,7 +4250,7 @@
           <a:sym typeface="Arial"/>
         </a:defRPr>
       </a:lvl7pPr>
-      <a:lvl8pPr lvl="7" marR="0" rtl="0" algn="l">
+      <a:lvl8pPr marR="0" lvl="7" algn="l" rtl="0">
         <a:lnSpc>
           <a:spcPct val="100000"/>
         </a:lnSpc>
@@ -4080,7 +4261,7 @@
           <a:spcPts val="0"/>
         </a:spcAft>
         <a:buNone/>
-        <a:defRPr b="0" i="0" sz="1400" u="none" cap="none" strike="noStrike">
+        <a:defRPr sz="1400" b="0" i="0" u="none" strike="noStrike" cap="none">
           <a:solidFill>
             <a:srgbClr val="000000"/>
           </a:solidFill>
@@ -4090,7 +4271,7 @@
           <a:sym typeface="Arial"/>
         </a:defRPr>
       </a:lvl8pPr>
-      <a:lvl9pPr lvl="8" marR="0" rtl="0" algn="l">
+      <a:lvl9pPr marR="0" lvl="8" algn="l" rtl="0">
         <a:lnSpc>
           <a:spcPct val="100000"/>
         </a:lnSpc>
@@ -4101,7 +4282,7 @@
           <a:spcPts val="0"/>
         </a:spcAft>
         <a:buNone/>
-        <a:defRPr b="0" i="0" sz="1400" u="none" cap="none" strike="noStrike">
+        <a:defRPr sz="1400" b="0" i="0" u="none" strike="noStrike" cap="none">
           <a:solidFill>
             <a:srgbClr val="000000"/>
           </a:solidFill>
@@ -4117,11 +4298,11 @@
 </file>
 
 <file path=ppt/slides/slide1.xml><?xml version="1.0" encoding="utf-8"?>
-<p:sld xmlns:a="http://schemas.openxmlformats.org/drawingml/2006/main" xmlns:r="http://schemas.openxmlformats.org/officeDocument/2006/relationships" xmlns:mc="http://schemas.openxmlformats.org/markup-compatibility/2006" xmlns:mv="urn:schemas-microsoft-com:mac:vml" xmlns:p="http://schemas.openxmlformats.org/presentationml/2006/main" xmlns:c="http://schemas.openxmlformats.org/drawingml/2006/chart" xmlns:dgm="http://schemas.openxmlformats.org/drawingml/2006/diagram" xmlns:o="urn:schemas-microsoft-com:office:office" xmlns:v="urn:schemas-microsoft-com:vml" xmlns:pvml="urn:schemas-microsoft-com:office:powerpoint" xmlns:com="http://schemas.openxmlformats.org/drawingml/2006/compatibility" xmlns:p14="http://schemas.microsoft.com/office/powerpoint/2010/main">
+<p:sld xmlns:a="http://schemas.openxmlformats.org/drawingml/2006/main" xmlns:r="http://schemas.openxmlformats.org/officeDocument/2006/relationships" xmlns:p="http://schemas.openxmlformats.org/presentationml/2006/main">
   <p:cSld>
     <p:spTree>
       <p:nvGrpSpPr>
-        <p:cNvPr id="34" name="Shape 34"/>
+        <p:cNvPr id="1" name="Shape 34"/>
         <p:cNvGrpSpPr/>
         <p:nvPr/>
       </p:nvGrpSpPr>
@@ -4143,7 +4324,7 @@
           <a:blip r:embed="rId3">
             <a:alphaModFix/>
           </a:blip>
-          <a:srcRect b="5795" l="0" r="0" t="5794"/>
+          <a:srcRect t="5794" b="5795"/>
           <a:stretch/>
         </p:blipFill>
         <p:spPr>
@@ -4184,21 +4365,18 @@
           </a:ln>
         </p:spPr>
         <p:txBody>
-          <a:bodyPr anchorCtr="0" anchor="ctr" bIns="45700" lIns="91425" rIns="91425" tIns="45700">
+          <a:bodyPr lIns="91425" tIns="45700" rIns="91425" bIns="45700" anchor="ctr" anchorCtr="0">
             <a:noAutofit/>
           </a:bodyPr>
           <a:lstStyle/>
           <a:p>
-            <a:pPr indent="0" lvl="0" marL="0" marR="0" rtl="0" algn="ctr">
+            <a:pPr marL="0" marR="0" lvl="0" indent="0" algn="ctr" rtl="0">
               <a:spcBef>
                 <a:spcPts val="0"/>
               </a:spcBef>
               <a:buNone/>
             </a:pPr>
-            <a:r>
-              <a:t/>
-            </a:r>
-            <a:endParaRPr b="0" i="0" sz="1800" u="none" cap="none" strike="noStrike">
+            <a:endParaRPr sz="1800" b="0" i="0" u="none" strike="noStrike" cap="none">
               <a:solidFill>
                 <a:srgbClr val="FFFFFF"/>
               </a:solidFill>
@@ -4210,33 +4388,6 @@
           </a:p>
         </p:txBody>
       </p:sp>
-      <p:pic>
-        <p:nvPicPr>
-          <p:cNvPr descr="pivotal_white.png" id="37" name="Shape 37"/>
-          <p:cNvPicPr preferRelativeResize="0"/>
-          <p:nvPr/>
-        </p:nvPicPr>
-        <p:blipFill rotWithShape="1">
-          <a:blip r:embed="rId4">
-            <a:alphaModFix/>
-          </a:blip>
-          <a:srcRect b="0" l="0" r="0" t="0"/>
-          <a:stretch/>
-        </p:blipFill>
-        <p:spPr>
-          <a:xfrm>
-            <a:off x="753110" y="978441"/>
-            <a:ext cx="1368553" cy="336279"/>
-          </a:xfrm>
-          <a:prstGeom prst="rect">
-            <a:avLst/>
-          </a:prstGeom>
-          <a:noFill/>
-          <a:ln>
-            <a:noFill/>
-          </a:ln>
-        </p:spPr>
-      </p:pic>
       <p:sp>
         <p:nvSpPr>
           <p:cNvPr id="38" name="Shape 38"/>
@@ -4256,7 +4407,7 @@
             <a:noFill/>
           </a:ln>
           <a:effectLst>
-            <a:outerShdw blurRad="63500" sx="102000" rotWithShape="0" algn="ctr" sy="102000">
+            <a:outerShdw blurRad="63500" sx="102000" sy="102000" algn="ctr" rotWithShape="0">
               <a:srgbClr val="000000">
                 <a:alpha val="40000"/>
               </a:srgbClr>
@@ -4264,12 +4415,12 @@
           </a:effectLst>
         </p:spPr>
         <p:txBody>
-          <a:bodyPr anchorCtr="0" anchor="t" bIns="45700" lIns="91425" rIns="91425" tIns="45700">
+          <a:bodyPr lIns="91425" tIns="45700" rIns="91425" bIns="45700" anchor="t" anchorCtr="0">
             <a:noAutofit/>
           </a:bodyPr>
           <a:lstStyle/>
           <a:p>
-            <a:pPr indent="0" lvl="0" marL="0" marR="0" rtl="0" algn="l">
+            <a:pPr marL="0" marR="0" lvl="0" indent="0" algn="l" rtl="0">
               <a:spcBef>
                 <a:spcPts val="0"/>
               </a:spcBef>
@@ -4280,7 +4431,7 @@
               <a:buNone/>
             </a:pPr>
             <a:r>
-              <a:rPr b="1" i="0" lang="en-US" sz="4200" u="none" cap="none" strike="noStrike">
+              <a:rPr lang="en-US" sz="4200" b="1" i="0" u="none" strike="noStrike" cap="none">
                 <a:solidFill>
                   <a:srgbClr val="00AE9E"/>
                 </a:solidFill>
@@ -4293,7 +4444,7 @@
             </a:r>
           </a:p>
           <a:p>
-            <a:pPr indent="0" lvl="0" marL="0" marR="0" rtl="0" algn="l">
+            <a:pPr marL="0" marR="0" lvl="0" indent="0" algn="l" rtl="0">
               <a:lnSpc>
                 <a:spcPct val="90000"/>
               </a:lnSpc>
@@ -4307,7 +4458,7 @@
               <a:buNone/>
             </a:pPr>
             <a:r>
-              <a:rPr b="1" i="0" lang="en-US" sz="2400" u="none" cap="none" strike="noStrike">
+              <a:rPr lang="en-US" sz="2400" b="1" i="0" u="none" strike="noStrike" cap="none">
                 <a:solidFill>
                   <a:schemeClr val="lt1"/>
                 </a:solidFill>
@@ -4320,7 +4471,7 @@
             </a:r>
           </a:p>
           <a:p>
-            <a:pPr indent="0" lvl="0" marL="0" marR="0" rtl="0" algn="l">
+            <a:pPr marL="0" marR="0" lvl="0" indent="0" algn="l" rtl="0">
               <a:spcBef>
                 <a:spcPts val="1200"/>
               </a:spcBef>
@@ -4329,10 +4480,7 @@
               </a:spcAft>
               <a:buNone/>
             </a:pPr>
-            <a:r>
-              <a:t/>
-            </a:r>
-            <a:endParaRPr b="1" i="0" sz="4200" u="none" cap="none" strike="noStrike">
+            <a:endParaRPr sz="4200" b="1" i="0" u="none" strike="noStrike" cap="none">
               <a:solidFill>
                 <a:srgbClr val="00AE9E"/>
               </a:solidFill>
@@ -4344,33 +4492,6 @@
           </a:p>
         </p:txBody>
       </p:sp>
-      <p:pic>
-        <p:nvPicPr>
-          <p:cNvPr descr="pivotal_teal.png" id="39" name="Shape 39"/>
-          <p:cNvPicPr preferRelativeResize="0"/>
-          <p:nvPr/>
-        </p:nvPicPr>
-        <p:blipFill rotWithShape="1">
-          <a:blip r:embed="rId5">
-            <a:alphaModFix/>
-          </a:blip>
-          <a:srcRect b="0" l="0" r="0" t="0"/>
-          <a:stretch/>
-        </p:blipFill>
-        <p:spPr>
-          <a:xfrm>
-            <a:off x="8272779" y="4855076"/>
-            <a:ext cx="731519" cy="171298"/>
-          </a:xfrm>
-          <a:prstGeom prst="rect">
-            <a:avLst/>
-          </a:prstGeom>
-          <a:noFill/>
-          <a:ln>
-            <a:noFill/>
-          </a:ln>
-        </p:spPr>
-      </p:pic>
     </p:spTree>
   </p:cSld>
   <p:clrMapOvr>
@@ -4379,13 +4500,13 @@
   <p:timing>
     <p:tnLst>
       <p:par>
-        <p:cTn dur="indefinite" nodeType="tmRoot" restart="never">
+        <p:cTn xmlns:p14="http://schemas.microsoft.com/office/powerpoint/2010/main" id="1" dur="indefinite" restart="never" nodeType="tmRoot">
           <p:childTnLst>
             <p:seq concurrent="1" nextAc="seek">
-              <p:cTn dur="indefinite" id="2" nodeType="mainSeq">
+              <p:cTn id="2" dur="indefinite" nodeType="mainSeq">
                 <p:childTnLst>
                   <p:par>
-                    <p:cTn fill="hold">
+                    <p:cTn id="3" fill="hold">
                       <p:stCondLst>
                         <p:cond delay="indefinite"/>
                         <p:cond evt="onBegin" delay="0">
@@ -4394,20 +4515,20 @@
                       </p:stCondLst>
                       <p:childTnLst>
                         <p:par>
-                          <p:cTn fill="hold">
+                          <p:cTn id="4" fill="hold">
                             <p:stCondLst>
                               <p:cond delay="0"/>
                             </p:stCondLst>
                             <p:childTnLst>
                               <p:par>
-                                <p:cTn fill="hold" nodeType="withEffect" presetClass="entr" presetID="10" presetSubtype="0">
+                                <p:cTn id="5" presetID="10" presetClass="entr" presetSubtype="0" fill="hold" nodeType="withEffect">
                                   <p:stCondLst>
                                     <p:cond delay="0"/>
                                   </p:stCondLst>
                                   <p:childTnLst>
                                     <p:set>
                                       <p:cBhvr>
-                                        <p:cTn dur="1" fill="hold">
+                                        <p:cTn id="6" dur="1" fill="hold">
                                           <p:stCondLst>
                                             <p:cond delay="0"/>
                                           </p:stCondLst>
@@ -4423,9 +4544,9 @@
                                         <p:strVal val="visible"/>
                                       </p:to>
                                     </p:set>
-                                    <p:animEffect filter="fade" transition="in">
+                                    <p:animEffect transition="in" filter="fade">
                                       <p:cBhvr>
-                                        <p:cTn dur="1000"/>
+                                        <p:cTn id="7" dur="1000"/>
                                         <p:tgtEl>
                                           <p:spTgt spid="36"/>
                                         </p:tgtEl>
@@ -4434,59 +4555,15 @@
                                   </p:childTnLst>
                                 </p:cTn>
                               </p:par>
-                            </p:childTnLst>
-                          </p:cTn>
-                        </p:par>
-                        <p:par>
-                          <p:cTn fill="hold">
-                            <p:stCondLst>
-                              <p:cond delay="1000"/>
-                            </p:stCondLst>
-                            <p:childTnLst>
                               <p:par>
-                                <p:cTn fill="hold" nodeType="afterEffect" presetClass="entr" presetID="10" presetSubtype="0">
+                                <p:cTn id="8" presetID="10" presetClass="entr" presetSubtype="0" fill="hold" nodeType="withEffect">
                                   <p:stCondLst>
                                     <p:cond delay="0"/>
                                   </p:stCondLst>
                                   <p:childTnLst>
                                     <p:set>
                                       <p:cBhvr>
-                                        <p:cTn dur="1" fill="hold">
-                                          <p:stCondLst>
-                                            <p:cond delay="0"/>
-                                          </p:stCondLst>
-                                        </p:cTn>
-                                        <p:tgtEl>
-                                          <p:spTgt spid="37"/>
-                                        </p:tgtEl>
-                                        <p:attrNameLst>
-                                          <p:attrName>style.visibility</p:attrName>
-                                        </p:attrNameLst>
-                                      </p:cBhvr>
-                                      <p:to>
-                                        <p:strVal val="visible"/>
-                                      </p:to>
-                                    </p:set>
-                                    <p:animEffect filter="fade" transition="in">
-                                      <p:cBhvr>
-                                        <p:cTn dur="1000"/>
-                                        <p:tgtEl>
-                                          <p:spTgt spid="37"/>
-                                        </p:tgtEl>
-                                      </p:cBhvr>
-                                    </p:animEffect>
-                                  </p:childTnLst>
-                                </p:cTn>
-                              </p:par>
-                              <p:par>
-                                <p:cTn fill="hold" nodeType="withEffect" presetClass="entr" presetID="10" presetSubtype="0">
-                                  <p:stCondLst>
-                                    <p:cond delay="0"/>
-                                  </p:stCondLst>
-                                  <p:childTnLst>
-                                    <p:set>
-                                      <p:cBhvr>
-                                        <p:cTn dur="1" fill="hold">
+                                        <p:cTn id="9" dur="1" fill="hold">
                                           <p:stCondLst>
                                             <p:cond delay="0"/>
                                           </p:stCondLst>
@@ -4502,9 +4579,9 @@
                                         <p:strVal val="visible"/>
                                       </p:to>
                                     </p:set>
-                                    <p:animEffect filter="fade" transition="in">
+                                    <p:animEffect transition="in" filter="fade">
                                       <p:cBhvr>
-                                        <p:cTn dur="1000"/>
+                                        <p:cTn id="10" dur="1000"/>
                                         <p:tgtEl>
                                           <p:spTgt spid="38"/>
                                         </p:tgtEl>
@@ -4522,14 +4599,14 @@
                 </p:childTnLst>
               </p:cTn>
               <p:prevCondLst>
-                <p:cond evt="onPrev">
+                <p:cond evt="onPrev" delay="0">
                   <p:tgtEl>
                     <p:sldTgt/>
                   </p:tgtEl>
                 </p:cond>
               </p:prevCondLst>
               <p:nextCondLst>
-                <p:cond evt="onNext">
+                <p:cond evt="onNext" delay="0">
                   <p:tgtEl>
                     <p:sldTgt/>
                   </p:tgtEl>
@@ -4545,11 +4622,11 @@
 </file>
 
 <file path=ppt/slides/slide10.xml><?xml version="1.0" encoding="utf-8"?>
-<p:sld xmlns:a="http://schemas.openxmlformats.org/drawingml/2006/main" xmlns:r="http://schemas.openxmlformats.org/officeDocument/2006/relationships" xmlns:mc="http://schemas.openxmlformats.org/markup-compatibility/2006" xmlns:mv="urn:schemas-microsoft-com:mac:vml" xmlns:p="http://schemas.openxmlformats.org/presentationml/2006/main" xmlns:c="http://schemas.openxmlformats.org/drawingml/2006/chart" xmlns:dgm="http://schemas.openxmlformats.org/drawingml/2006/diagram" xmlns:o="urn:schemas-microsoft-com:office:office" xmlns:v="urn:schemas-microsoft-com:vml" xmlns:pvml="urn:schemas-microsoft-com:office:powerpoint" xmlns:com="http://schemas.openxmlformats.org/drawingml/2006/compatibility" xmlns:p14="http://schemas.microsoft.com/office/powerpoint/2010/main">
+<p:sld xmlns:a="http://schemas.openxmlformats.org/drawingml/2006/main" xmlns:r="http://schemas.openxmlformats.org/officeDocument/2006/relationships" xmlns:p="http://schemas.openxmlformats.org/presentationml/2006/main">
   <p:cSld>
     <p:spTree>
       <p:nvGrpSpPr>
-        <p:cNvPr id="110" name="Shape 110"/>
+        <p:cNvPr id="1" name="Shape 110"/>
         <p:cNvGrpSpPr/>
         <p:nvPr/>
       </p:nvGrpSpPr>
@@ -4564,7 +4641,9 @@
       <p:sp>
         <p:nvSpPr>
           <p:cNvPr id="111" name="Shape 111"/>
-          <p:cNvSpPr txBox="1"/>
+          <p:cNvSpPr txBox="1">
+            <a:spLocks noGrp="1"/>
+          </p:cNvSpPr>
           <p:nvPr>
             <p:ph type="title"/>
           </p:nvPr>
@@ -4583,12 +4662,12 @@
           </a:ln>
         </p:spPr>
         <p:txBody>
-          <a:bodyPr anchorCtr="0" anchor="t" bIns="91425" lIns="91425" rIns="91425" tIns="91425">
+          <a:bodyPr lIns="91425" tIns="91425" rIns="91425" bIns="91425" anchor="t" anchorCtr="0">
             <a:noAutofit/>
           </a:bodyPr>
           <a:lstStyle/>
           <a:p>
-            <a:pPr indent="0" lvl="0" marL="0" marR="0" rtl="0" algn="l">
+            <a:pPr marL="0" marR="0" lvl="0" indent="0" algn="l" rtl="0">
               <a:spcBef>
                 <a:spcPts val="0"/>
               </a:spcBef>
@@ -4603,7 +4682,7 @@
               <a:buNone/>
             </a:pPr>
             <a:r>
-              <a:rPr b="0" i="0" lang="en-US" sz="3600" u="none" cap="none" strike="noStrike">
+              <a:rPr lang="en-US" sz="3600" b="0" i="0" u="none" strike="noStrike" cap="none">
                 <a:solidFill>
                   <a:schemeClr val="accent1"/>
                 </a:solidFill>
@@ -4620,9 +4699,11 @@
       <p:sp>
         <p:nvSpPr>
           <p:cNvPr id="112" name="Shape 112"/>
-          <p:cNvSpPr txBox="1"/>
+          <p:cNvSpPr txBox="1">
+            <a:spLocks noGrp="1"/>
+          </p:cNvSpPr>
           <p:nvPr>
-            <p:ph idx="1" type="body"/>
+            <p:ph type="body" idx="1"/>
           </p:nvPr>
         </p:nvSpPr>
         <p:spPr>
@@ -4639,12 +4720,12 @@
           </a:ln>
         </p:spPr>
         <p:txBody>
-          <a:bodyPr anchorCtr="0" anchor="t" bIns="45700" lIns="91425" rIns="91425" tIns="45700">
+          <a:bodyPr lIns="91425" tIns="45700" rIns="91425" bIns="45700" anchor="t" anchorCtr="0">
             <a:noAutofit/>
           </a:bodyPr>
           <a:lstStyle/>
           <a:p>
-            <a:pPr indent="0" lvl="0" marL="0" marR="0" rtl="0" algn="l">
+            <a:pPr marL="0" marR="0" lvl="0" indent="0" algn="l" rtl="0">
               <a:spcBef>
                 <a:spcPts val="0"/>
               </a:spcBef>
@@ -4658,10 +4739,7 @@
               <a:buFont typeface="Arial"/>
               <a:buNone/>
             </a:pPr>
-            <a:r>
-              <a:t/>
-            </a:r>
-            <a:endParaRPr b="0" i="0" sz="2800" u="none" cap="none" strike="noStrike">
+            <a:endParaRPr sz="2800" b="0" i="0" u="none" strike="noStrike" cap="none">
               <a:solidFill>
                 <a:schemeClr val="dk1"/>
               </a:solidFill>
@@ -4672,7 +4750,7 @@
             </a:endParaRPr>
           </a:p>
           <a:p>
-            <a:pPr indent="-342900" lvl="0" marL="342900" marR="0" rtl="0" algn="l">
+            <a:pPr marL="342900" marR="0" lvl="0" indent="-342900" algn="l" rtl="0">
               <a:spcBef>
                 <a:spcPts val="480"/>
               </a:spcBef>
@@ -4692,7 +4770,7 @@
             </a:r>
           </a:p>
           <a:p>
-            <a:pPr indent="-342900" lvl="0" marL="342900" marR="0" rtl="0" algn="l">
+            <a:pPr marL="342900" marR="0" lvl="0" indent="-342900" algn="l" rtl="0">
               <a:spcBef>
                 <a:spcPts val="480"/>
               </a:spcBef>
@@ -4712,7 +4790,7 @@
             </a:r>
           </a:p>
           <a:p>
-            <a:pPr indent="-342900" lvl="0" marL="342900" marR="0" rtl="0" algn="l">
+            <a:pPr marL="342900" marR="0" lvl="0" indent="-342900" algn="l" rtl="0">
               <a:spcBef>
                 <a:spcPts val="480"/>
               </a:spcBef>
@@ -4732,7 +4810,7 @@
             </a:r>
           </a:p>
           <a:p>
-            <a:pPr indent="-342900" lvl="0" marL="342900" marR="0" rtl="0" algn="l">
+            <a:pPr marL="342900" marR="0" lvl="0" indent="-342900" algn="l" rtl="0">
               <a:spcBef>
                 <a:spcPts val="480"/>
               </a:spcBef>
@@ -4770,20 +4848,17 @@
           </a:ln>
         </p:spPr>
         <p:txBody>
-          <a:bodyPr anchorCtr="0" anchor="t" bIns="45700" lIns="91425" rIns="91425" tIns="45700">
+          <a:bodyPr lIns="91425" tIns="45700" rIns="91425" bIns="45700" anchor="t" anchorCtr="0">
             <a:noAutofit/>
           </a:bodyPr>
           <a:lstStyle/>
           <a:p>
-            <a:pPr indent="0" lvl="0" marL="0" marR="0" rtl="0" algn="l">
+            <a:pPr marL="0" marR="0" lvl="0" indent="0" algn="l" rtl="0">
               <a:spcBef>
                 <a:spcPts val="0"/>
               </a:spcBef>
               <a:buNone/>
             </a:pPr>
-            <a:r>
-              <a:t/>
-            </a:r>
             <a:endParaRPr sz="1800">
               <a:solidFill>
                 <a:schemeClr val="dk1"/>
@@ -4804,32 +4879,32 @@
   <p:timing>
     <p:tnLst>
       <p:par>
-        <p:cTn dur="indefinite" nodeType="tmRoot" restart="never">
+        <p:cTn xmlns:p14="http://schemas.microsoft.com/office/powerpoint/2010/main" id="1" dur="indefinite" restart="never" nodeType="tmRoot">
           <p:childTnLst>
             <p:seq concurrent="1" nextAc="seek">
-              <p:cTn dur="indefinite" id="2" nodeType="mainSeq">
+              <p:cTn id="2" dur="indefinite" nodeType="mainSeq">
                 <p:childTnLst>
                   <p:par>
-                    <p:cTn fill="hold">
+                    <p:cTn id="3" fill="hold">
                       <p:stCondLst>
                         <p:cond delay="indefinite"/>
                       </p:stCondLst>
                       <p:childTnLst>
                         <p:par>
-                          <p:cTn fill="hold">
+                          <p:cTn id="4" fill="hold">
                             <p:stCondLst>
                               <p:cond delay="0"/>
                             </p:stCondLst>
                             <p:childTnLst>
                               <p:par>
-                                <p:cTn fill="hold" nodeType="clickEffect" presetClass="entr" presetID="10" presetSubtype="0">
+                                <p:cTn id="5" presetID="10" presetClass="entr" presetSubtype="0" fill="hold" nodeType="clickEffect">
                                   <p:stCondLst>
                                     <p:cond delay="0"/>
                                   </p:stCondLst>
                                   <p:childTnLst>
                                     <p:set>
                                       <p:cBhvr>
-                                        <p:cTn dur="1" fill="hold">
+                                        <p:cTn id="6" dur="1" fill="hold">
                                           <p:stCondLst>
                                             <p:cond delay="0"/>
                                           </p:stCondLst>
@@ -4837,7 +4912,7 @@
                                         <p:tgtEl>
                                           <p:spTgt spid="112">
                                             <p:txEl>
-                                              <p:pRg end="0" st="0"/>
+                                              <p:pRg st="0" end="0"/>
                                             </p:txEl>
                                           </p:spTgt>
                                         </p:tgtEl>
@@ -4849,13 +4924,13 @@
                                         <p:strVal val="visible"/>
                                       </p:to>
                                     </p:set>
-                                    <p:animEffect filter="fade" transition="in">
+                                    <p:animEffect transition="in" filter="fade">
                                       <p:cBhvr>
-                                        <p:cTn dur="1000"/>
+                                        <p:cTn id="7" dur="1000"/>
                                         <p:tgtEl>
                                           <p:spTgt spid="112">
                                             <p:txEl>
-                                              <p:pRg end="0" st="0"/>
+                                              <p:pRg st="0" end="0"/>
                                             </p:txEl>
                                           </p:spTgt>
                                         </p:tgtEl>
@@ -4871,26 +4946,26 @@
                     </p:cTn>
                   </p:par>
                   <p:par>
-                    <p:cTn fill="hold">
+                    <p:cTn id="8" fill="hold">
                       <p:stCondLst>
                         <p:cond delay="indefinite"/>
                       </p:stCondLst>
                       <p:childTnLst>
                         <p:par>
-                          <p:cTn fill="hold">
+                          <p:cTn id="9" fill="hold">
                             <p:stCondLst>
                               <p:cond delay="0"/>
                             </p:stCondLst>
                             <p:childTnLst>
                               <p:par>
-                                <p:cTn fill="hold" nodeType="clickEffect" presetClass="entr" presetID="10" presetSubtype="0">
+                                <p:cTn id="10" presetID="10" presetClass="entr" presetSubtype="0" fill="hold" nodeType="clickEffect">
                                   <p:stCondLst>
                                     <p:cond delay="0"/>
                                   </p:stCondLst>
                                   <p:childTnLst>
                                     <p:set>
                                       <p:cBhvr>
-                                        <p:cTn dur="1" fill="hold">
+                                        <p:cTn id="11" dur="1" fill="hold">
                                           <p:stCondLst>
                                             <p:cond delay="0"/>
                                           </p:stCondLst>
@@ -4898,7 +4973,7 @@
                                         <p:tgtEl>
                                           <p:spTgt spid="112">
                                             <p:txEl>
-                                              <p:pRg end="1" st="1"/>
+                                              <p:pRg st="1" end="1"/>
                                             </p:txEl>
                                           </p:spTgt>
                                         </p:tgtEl>
@@ -4910,13 +4985,13 @@
                                         <p:strVal val="visible"/>
                                       </p:to>
                                     </p:set>
-                                    <p:animEffect filter="fade" transition="in">
+                                    <p:animEffect transition="in" filter="fade">
                                       <p:cBhvr>
-                                        <p:cTn dur="1000"/>
+                                        <p:cTn id="12" dur="1000"/>
                                         <p:tgtEl>
                                           <p:spTgt spid="112">
                                             <p:txEl>
-                                              <p:pRg end="1" st="1"/>
+                                              <p:pRg st="1" end="1"/>
                                             </p:txEl>
                                           </p:spTgt>
                                         </p:tgtEl>
@@ -4932,26 +5007,26 @@
                     </p:cTn>
                   </p:par>
                   <p:par>
-                    <p:cTn fill="hold">
+                    <p:cTn id="13" fill="hold">
                       <p:stCondLst>
                         <p:cond delay="indefinite"/>
                       </p:stCondLst>
                       <p:childTnLst>
                         <p:par>
-                          <p:cTn fill="hold">
+                          <p:cTn id="14" fill="hold">
                             <p:stCondLst>
                               <p:cond delay="0"/>
                             </p:stCondLst>
                             <p:childTnLst>
                               <p:par>
-                                <p:cTn fill="hold" nodeType="clickEffect" presetClass="entr" presetID="10" presetSubtype="0">
+                                <p:cTn id="15" presetID="10" presetClass="entr" presetSubtype="0" fill="hold" nodeType="clickEffect">
                                   <p:stCondLst>
                                     <p:cond delay="0"/>
                                   </p:stCondLst>
                                   <p:childTnLst>
                                     <p:set>
                                       <p:cBhvr>
-                                        <p:cTn dur="1" fill="hold">
+                                        <p:cTn id="16" dur="1" fill="hold">
                                           <p:stCondLst>
                                             <p:cond delay="0"/>
                                           </p:stCondLst>
@@ -4959,7 +5034,7 @@
                                         <p:tgtEl>
                                           <p:spTgt spid="112">
                                             <p:txEl>
-                                              <p:pRg end="2" st="2"/>
+                                              <p:pRg st="2" end="2"/>
                                             </p:txEl>
                                           </p:spTgt>
                                         </p:tgtEl>
@@ -4971,13 +5046,13 @@
                                         <p:strVal val="visible"/>
                                       </p:to>
                                     </p:set>
-                                    <p:animEffect filter="fade" transition="in">
+                                    <p:animEffect transition="in" filter="fade">
                                       <p:cBhvr>
-                                        <p:cTn dur="1000"/>
+                                        <p:cTn id="17" dur="1000"/>
                                         <p:tgtEl>
                                           <p:spTgt spid="112">
                                             <p:txEl>
-                                              <p:pRg end="2" st="2"/>
+                                              <p:pRg st="2" end="2"/>
                                             </p:txEl>
                                           </p:spTgt>
                                         </p:tgtEl>
@@ -4993,26 +5068,26 @@
                     </p:cTn>
                   </p:par>
                   <p:par>
-                    <p:cTn fill="hold">
+                    <p:cTn id="18" fill="hold">
                       <p:stCondLst>
                         <p:cond delay="indefinite"/>
                       </p:stCondLst>
                       <p:childTnLst>
                         <p:par>
-                          <p:cTn fill="hold">
+                          <p:cTn id="19" fill="hold">
                             <p:stCondLst>
                               <p:cond delay="0"/>
                             </p:stCondLst>
                             <p:childTnLst>
                               <p:par>
-                                <p:cTn fill="hold" nodeType="clickEffect" presetClass="entr" presetID="10" presetSubtype="0">
+                                <p:cTn id="20" presetID="10" presetClass="entr" presetSubtype="0" fill="hold" nodeType="clickEffect">
                                   <p:stCondLst>
                                     <p:cond delay="0"/>
                                   </p:stCondLst>
                                   <p:childTnLst>
                                     <p:set>
                                       <p:cBhvr>
-                                        <p:cTn dur="1" fill="hold">
+                                        <p:cTn id="21" dur="1" fill="hold">
                                           <p:stCondLst>
                                             <p:cond delay="0"/>
                                           </p:stCondLst>
@@ -5020,7 +5095,7 @@
                                         <p:tgtEl>
                                           <p:spTgt spid="112">
                                             <p:txEl>
-                                              <p:pRg end="3" st="3"/>
+                                              <p:pRg st="3" end="3"/>
                                             </p:txEl>
                                           </p:spTgt>
                                         </p:tgtEl>
@@ -5032,13 +5107,13 @@
                                         <p:strVal val="visible"/>
                                       </p:to>
                                     </p:set>
-                                    <p:animEffect filter="fade" transition="in">
+                                    <p:animEffect transition="in" filter="fade">
                                       <p:cBhvr>
-                                        <p:cTn dur="1000"/>
+                                        <p:cTn id="22" dur="1000"/>
                                         <p:tgtEl>
                                           <p:spTgt spid="112">
                                             <p:txEl>
-                                              <p:pRg end="3" st="3"/>
+                                              <p:pRg st="3" end="3"/>
                                             </p:txEl>
                                           </p:spTgt>
                                         </p:tgtEl>
@@ -5054,26 +5129,26 @@
                     </p:cTn>
                   </p:par>
                   <p:par>
-                    <p:cTn fill="hold">
+                    <p:cTn id="23" fill="hold">
                       <p:stCondLst>
                         <p:cond delay="indefinite"/>
                       </p:stCondLst>
                       <p:childTnLst>
                         <p:par>
-                          <p:cTn fill="hold">
+                          <p:cTn id="24" fill="hold">
                             <p:stCondLst>
                               <p:cond delay="0"/>
                             </p:stCondLst>
                             <p:childTnLst>
                               <p:par>
-                                <p:cTn fill="hold" nodeType="clickEffect" presetClass="entr" presetID="10" presetSubtype="0">
+                                <p:cTn id="25" presetID="10" presetClass="entr" presetSubtype="0" fill="hold" nodeType="clickEffect">
                                   <p:stCondLst>
                                     <p:cond delay="0"/>
                                   </p:stCondLst>
                                   <p:childTnLst>
                                     <p:set>
                                       <p:cBhvr>
-                                        <p:cTn dur="1" fill="hold">
+                                        <p:cTn id="26" dur="1" fill="hold">
                                           <p:stCondLst>
                                             <p:cond delay="0"/>
                                           </p:stCondLst>
@@ -5081,7 +5156,7 @@
                                         <p:tgtEl>
                                           <p:spTgt spid="112">
                                             <p:txEl>
-                                              <p:pRg end="4" st="4"/>
+                                              <p:pRg st="4" end="4"/>
                                             </p:txEl>
                                           </p:spTgt>
                                         </p:tgtEl>
@@ -5093,13 +5168,13 @@
                                         <p:strVal val="visible"/>
                                       </p:to>
                                     </p:set>
-                                    <p:animEffect filter="fade" transition="in">
+                                    <p:animEffect transition="in" filter="fade">
                                       <p:cBhvr>
-                                        <p:cTn dur="1000"/>
+                                        <p:cTn id="27" dur="1000"/>
                                         <p:tgtEl>
                                           <p:spTgt spid="112">
                                             <p:txEl>
-                                              <p:pRg end="4" st="4"/>
+                                              <p:pRg st="4" end="4"/>
                                             </p:txEl>
                                           </p:spTgt>
                                         </p:tgtEl>
@@ -5117,14 +5192,14 @@
                 </p:childTnLst>
               </p:cTn>
               <p:prevCondLst>
-                <p:cond evt="onPrev">
+                <p:cond evt="onPrev" delay="0">
                   <p:tgtEl>
                     <p:sldTgt/>
                   </p:tgtEl>
                 </p:cond>
               </p:prevCondLst>
               <p:nextCondLst>
-                <p:cond evt="onNext">
+                <p:cond evt="onNext" delay="0">
                   <p:tgtEl>
                     <p:sldTgt/>
                   </p:tgtEl>
@@ -5140,11 +5215,11 @@
 </file>
 
 <file path=ppt/slides/slide11.xml><?xml version="1.0" encoding="utf-8"?>
-<p:sld xmlns:a="http://schemas.openxmlformats.org/drawingml/2006/main" xmlns:r="http://schemas.openxmlformats.org/officeDocument/2006/relationships" xmlns:mc="http://schemas.openxmlformats.org/markup-compatibility/2006" xmlns:mv="urn:schemas-microsoft-com:mac:vml" xmlns:p="http://schemas.openxmlformats.org/presentationml/2006/main" xmlns:c="http://schemas.openxmlformats.org/drawingml/2006/chart" xmlns:dgm="http://schemas.openxmlformats.org/drawingml/2006/diagram" xmlns:o="urn:schemas-microsoft-com:office:office" xmlns:v="urn:schemas-microsoft-com:vml" xmlns:pvml="urn:schemas-microsoft-com:office:powerpoint" xmlns:com="http://schemas.openxmlformats.org/drawingml/2006/compatibility" xmlns:p14="http://schemas.microsoft.com/office/powerpoint/2010/main">
+<p:sld xmlns:a="http://schemas.openxmlformats.org/drawingml/2006/main" xmlns:r="http://schemas.openxmlformats.org/officeDocument/2006/relationships" xmlns:p="http://schemas.openxmlformats.org/presentationml/2006/main">
   <p:cSld>
     <p:spTree>
       <p:nvGrpSpPr>
-        <p:cNvPr id="117" name="Shape 117"/>
+        <p:cNvPr id="1" name="Shape 117"/>
         <p:cNvGrpSpPr/>
         <p:nvPr/>
       </p:nvGrpSpPr>
@@ -5158,7 +5233,7 @@
       </p:grpSpPr>
       <p:pic>
         <p:nvPicPr>
-          <p:cNvPr descr="Stocksy_txp157cab05rEJ000_Medium_423382.jpg" id="118" name="Shape 118"/>
+          <p:cNvPr id="118" name="Shape 118" descr="Stocksy_txp157cab05rEJ000_Medium_423382.jpg"/>
           <p:cNvPicPr preferRelativeResize="0"/>
           <p:nvPr/>
         </p:nvPicPr>
@@ -5166,7 +5241,7 @@
           <a:blip r:embed="rId3">
             <a:alphaModFix/>
           </a:blip>
-          <a:srcRect b="0" l="0" r="0" t="15584"/>
+          <a:srcRect t="15584"/>
           <a:stretch/>
         </p:blipFill>
         <p:spPr>
@@ -5232,20 +5307,17 @@
           </a:ln>
         </p:spPr>
         <p:txBody>
-          <a:bodyPr anchorCtr="0" anchor="ctr" bIns="34275" lIns="68575" rIns="68575" tIns="34275">
+          <a:bodyPr lIns="68575" tIns="34275" rIns="68575" bIns="34275" anchor="ctr" anchorCtr="0">
             <a:noAutofit/>
           </a:bodyPr>
           <a:lstStyle/>
           <a:p>
-            <a:pPr indent="0" lvl="0" marL="0" marR="0" rtl="0" algn="ctr">
+            <a:pPr marL="0" marR="0" lvl="0" indent="0" algn="ctr" rtl="0">
               <a:spcBef>
                 <a:spcPts val="0"/>
               </a:spcBef>
               <a:buNone/>
             </a:pPr>
-            <a:r>
-              <a:t/>
-            </a:r>
             <a:endParaRPr sz="1800">
               <a:solidFill>
                 <a:srgbClr val="FFFFFF"/>
@@ -5273,17 +5345,17 @@
             <a:avLst/>
           </a:prstGeom>
           <a:noFill/>
-          <a:ln cap="flat" cmpd="sng" w="22225">
+          <a:ln w="22225" cap="flat" cmpd="sng">
             <a:solidFill>
               <a:schemeClr val="accent1"/>
             </a:solidFill>
             <a:prstDash val="solid"/>
             <a:round/>
-            <a:headEnd len="med" w="med" type="none"/>
-            <a:tailEnd len="med" w="med" type="none"/>
+            <a:headEnd type="none" w="med" len="med"/>
+            <a:tailEnd type="none" w="med" len="med"/>
           </a:ln>
           <a:effectLst>
-            <a:outerShdw blurRad="39999" rotWithShape="0" dir="5400000" dist="20000">
+            <a:outerShdw blurRad="39999" dist="20000" dir="5400000" rotWithShape="0">
               <a:srgbClr val="000000">
                 <a:alpha val="37647"/>
               </a:srgbClr>
@@ -5306,17 +5378,17 @@
             <a:avLst/>
           </a:prstGeom>
           <a:noFill/>
-          <a:ln cap="flat" cmpd="sng" w="22225">
+          <a:ln w="22225" cap="flat" cmpd="sng">
             <a:solidFill>
               <a:schemeClr val="accent1"/>
             </a:solidFill>
             <a:prstDash val="solid"/>
             <a:round/>
-            <a:headEnd len="med" w="med" type="none"/>
-            <a:tailEnd len="med" w="med" type="none"/>
+            <a:headEnd type="none" w="med" len="med"/>
+            <a:tailEnd type="none" w="med" len="med"/>
           </a:ln>
           <a:effectLst>
-            <a:outerShdw blurRad="39999" rotWithShape="0" dir="5400000" dist="20000">
+            <a:outerShdw blurRad="39999" dist="20000" dir="5400000" rotWithShape="0">
               <a:srgbClr val="000000">
                 <a:alpha val="37647"/>
               </a:srgbClr>
@@ -5344,12 +5416,12 @@
           </a:ln>
         </p:spPr>
         <p:txBody>
-          <a:bodyPr anchorCtr="0" anchor="t" bIns="0" lIns="0" rIns="0" tIns="0">
+          <a:bodyPr lIns="0" tIns="0" rIns="0" bIns="0" anchor="t" anchorCtr="0">
             <a:noAutofit/>
           </a:bodyPr>
           <a:lstStyle/>
           <a:p>
-            <a:pPr indent="0" lvl="0" marL="0" marR="0" rtl="0" algn="just">
+            <a:pPr marL="0" marR="0" lvl="0" indent="0" algn="just" rtl="0">
               <a:lnSpc>
                 <a:spcPct val="90000"/>
               </a:lnSpc>
@@ -5358,10 +5430,7 @@
               </a:spcBef>
               <a:buNone/>
             </a:pPr>
-            <a:r>
-              <a:t/>
-            </a:r>
-            <a:endParaRPr b="1" sz="4500" cap="none">
+            <a:endParaRPr sz="4500" b="1" cap="none">
               <a:solidFill>
                 <a:srgbClr val="008881"/>
               </a:solidFill>
@@ -5393,12 +5462,12 @@
           </a:ln>
         </p:spPr>
         <p:txBody>
-          <a:bodyPr anchorCtr="0" anchor="t" bIns="0" lIns="0" rIns="0" tIns="0">
+          <a:bodyPr lIns="0" tIns="0" rIns="0" bIns="0" anchor="t" anchorCtr="0">
             <a:noAutofit/>
           </a:bodyPr>
           <a:lstStyle/>
           <a:p>
-            <a:pPr indent="0" lvl="0" marL="0" marR="0" rtl="0" algn="ctr">
+            <a:pPr marL="0" marR="0" lvl="0" indent="0" algn="ctr" rtl="0">
               <a:lnSpc>
                 <a:spcPct val="90000"/>
               </a:lnSpc>
@@ -5416,7 +5485,7 @@
               <a:buNone/>
             </a:pPr>
             <a:r>
-              <a:rPr b="0" i="0" lang="en-US" sz="3200" u="none" cap="none" strike="noStrike">
+              <a:rPr lang="en-US" sz="3200" b="0" i="0" u="none" strike="noStrike" cap="none">
                 <a:solidFill>
                   <a:srgbClr val="74CEC7"/>
                 </a:solidFill>
@@ -5439,11 +5508,11 @@
 </file>
 
 <file path=ppt/slides/slide2.xml><?xml version="1.0" encoding="utf-8"?>
-<p:sld xmlns:a="http://schemas.openxmlformats.org/drawingml/2006/main" xmlns:r="http://schemas.openxmlformats.org/officeDocument/2006/relationships" xmlns:mc="http://schemas.openxmlformats.org/markup-compatibility/2006" xmlns:mv="urn:schemas-microsoft-com:mac:vml" xmlns:p="http://schemas.openxmlformats.org/presentationml/2006/main" xmlns:c="http://schemas.openxmlformats.org/drawingml/2006/chart" xmlns:dgm="http://schemas.openxmlformats.org/drawingml/2006/diagram" xmlns:o="urn:schemas-microsoft-com:office:office" xmlns:v="urn:schemas-microsoft-com:vml" xmlns:pvml="urn:schemas-microsoft-com:office:powerpoint" xmlns:com="http://schemas.openxmlformats.org/drawingml/2006/compatibility" xmlns:p14="http://schemas.microsoft.com/office/powerpoint/2010/main">
+<p:sld xmlns:a="http://schemas.openxmlformats.org/drawingml/2006/main" xmlns:r="http://schemas.openxmlformats.org/officeDocument/2006/relationships" xmlns:p="http://schemas.openxmlformats.org/presentationml/2006/main">
   <p:cSld>
     <p:spTree>
       <p:nvGrpSpPr>
-        <p:cNvPr id="43" name="Shape 43"/>
+        <p:cNvPr id="1" name="Shape 43"/>
         <p:cNvGrpSpPr/>
         <p:nvPr/>
       </p:nvGrpSpPr>
@@ -5458,7 +5527,9 @@
       <p:sp>
         <p:nvSpPr>
           <p:cNvPr id="44" name="Shape 44"/>
-          <p:cNvSpPr txBox="1"/>
+          <p:cNvSpPr txBox="1">
+            <a:spLocks noGrp="1"/>
+          </p:cNvSpPr>
           <p:nvPr>
             <p:ph type="title"/>
           </p:nvPr>
@@ -5477,12 +5548,12 @@
           </a:ln>
         </p:spPr>
         <p:txBody>
-          <a:bodyPr anchorCtr="0" anchor="t" bIns="91425" lIns="91425" rIns="91425" tIns="91425">
+          <a:bodyPr lIns="91425" tIns="91425" rIns="91425" bIns="91425" anchor="t" anchorCtr="0">
             <a:noAutofit/>
           </a:bodyPr>
           <a:lstStyle/>
           <a:p>
-            <a:pPr indent="0" lvl="0" marL="0" marR="0" rtl="0" algn="l">
+            <a:pPr marL="0" marR="0" lvl="0" indent="0" algn="l" rtl="0">
               <a:spcBef>
                 <a:spcPts val="0"/>
               </a:spcBef>
@@ -5497,7 +5568,7 @@
               <a:buNone/>
             </a:pPr>
             <a:r>
-              <a:rPr b="0" i="0" lang="en-US" sz="3600" u="none" cap="none" strike="noStrike">
+              <a:rPr lang="en-US" sz="3600" b="0" i="0" u="none" strike="noStrike" cap="none" dirty="0">
                 <a:solidFill>
                   <a:schemeClr val="accent1"/>
                 </a:solidFill>
@@ -5514,9 +5585,11 @@
       <p:sp>
         <p:nvSpPr>
           <p:cNvPr id="45" name="Shape 45"/>
-          <p:cNvSpPr txBox="1"/>
+          <p:cNvSpPr txBox="1">
+            <a:spLocks noGrp="1"/>
+          </p:cNvSpPr>
           <p:nvPr>
-            <p:ph idx="1" type="body"/>
+            <p:ph type="body" idx="1"/>
           </p:nvPr>
         </p:nvSpPr>
         <p:spPr>
@@ -5533,12 +5606,12 @@
           </a:ln>
         </p:spPr>
         <p:txBody>
-          <a:bodyPr anchorCtr="0" anchor="t" bIns="45700" lIns="91425" rIns="91425" tIns="45700">
+          <a:bodyPr lIns="91425" tIns="45700" rIns="91425" bIns="45700" anchor="t" anchorCtr="0">
             <a:noAutofit/>
           </a:bodyPr>
           <a:lstStyle/>
           <a:p>
-            <a:pPr indent="0" lvl="0" marL="0" marR="0" rtl="0" algn="l">
+            <a:pPr marL="0" marR="0" lvl="0" indent="0" algn="l" rtl="0">
               <a:spcBef>
                 <a:spcPts val="0"/>
               </a:spcBef>
@@ -5552,10 +5625,7 @@
               <a:buFont typeface="Arial"/>
               <a:buNone/>
             </a:pPr>
-            <a:r>
-              <a:t/>
-            </a:r>
-            <a:endParaRPr b="0" i="0" sz="2800" u="none" cap="none" strike="noStrike">
+            <a:endParaRPr sz="2800" b="0" i="0" u="none" strike="noStrike" cap="none">
               <a:solidFill>
                 <a:schemeClr val="dk1"/>
               </a:solidFill>
@@ -5566,7 +5636,7 @@
             </a:endParaRPr>
           </a:p>
           <a:p>
-            <a:pPr indent="-342900" lvl="0" marL="342900" marR="0" rtl="0" algn="l">
+            <a:pPr marL="342900" marR="0" lvl="0" indent="-342900" algn="l" rtl="0">
               <a:spcBef>
                 <a:spcPts val="480"/>
               </a:spcBef>
@@ -5581,12 +5651,12 @@
               <a:buChar char="•"/>
             </a:pPr>
             <a:r>
-              <a:rPr b="1" lang="en-US" sz="2400"/>
+              <a:rPr lang="en-US" sz="2400" b="1"/>
               <a:t>Overview - Software Day-2 Concerns</a:t>
             </a:r>
           </a:p>
           <a:p>
-            <a:pPr indent="0" lvl="0" rtl="0">
+            <a:pPr lvl="0" indent="0" rtl="0">
               <a:spcBef>
                 <a:spcPts val="480"/>
               </a:spcBef>
@@ -5603,7 +5673,7 @@
             </a:r>
           </a:p>
           <a:p>
-            <a:pPr indent="-342900" lvl="0" marL="342900" marR="0" rtl="0" algn="l">
+            <a:pPr marL="342900" marR="0" lvl="0" indent="-342900" algn="l" rtl="0">
               <a:spcBef>
                 <a:spcPts val="480"/>
               </a:spcBef>
@@ -5644,20 +5714,17 @@
           </a:ln>
         </p:spPr>
         <p:txBody>
-          <a:bodyPr anchorCtr="0" anchor="t" bIns="45700" lIns="91425" rIns="91425" tIns="45700">
+          <a:bodyPr lIns="91425" tIns="45700" rIns="91425" bIns="45700" anchor="t" anchorCtr="0">
             <a:noAutofit/>
           </a:bodyPr>
           <a:lstStyle/>
           <a:p>
-            <a:pPr indent="0" lvl="0" marL="0" marR="0" rtl="0" algn="l">
+            <a:pPr marL="0" marR="0" lvl="0" indent="0" algn="l" rtl="0">
               <a:spcBef>
                 <a:spcPts val="0"/>
               </a:spcBef>
               <a:buNone/>
             </a:pPr>
-            <a:r>
-              <a:t/>
-            </a:r>
             <a:endParaRPr sz="1800">
               <a:solidFill>
                 <a:schemeClr val="dk1"/>
@@ -5679,11 +5746,11 @@
 </file>
 
 <file path=ppt/slides/slide3.xml><?xml version="1.0" encoding="utf-8"?>
-<p:sld xmlns:a="http://schemas.openxmlformats.org/drawingml/2006/main" xmlns:r="http://schemas.openxmlformats.org/officeDocument/2006/relationships" xmlns:mc="http://schemas.openxmlformats.org/markup-compatibility/2006" xmlns:mv="urn:schemas-microsoft-com:mac:vml" xmlns:p="http://schemas.openxmlformats.org/presentationml/2006/main" xmlns:c="http://schemas.openxmlformats.org/drawingml/2006/chart" xmlns:dgm="http://schemas.openxmlformats.org/drawingml/2006/diagram" xmlns:o="urn:schemas-microsoft-com:office:office" xmlns:v="urn:schemas-microsoft-com:vml" xmlns:pvml="urn:schemas-microsoft-com:office:powerpoint" xmlns:com="http://schemas.openxmlformats.org/drawingml/2006/compatibility" xmlns:p14="http://schemas.microsoft.com/office/powerpoint/2010/main">
+<p:sld xmlns:a="http://schemas.openxmlformats.org/drawingml/2006/main" xmlns:r="http://schemas.openxmlformats.org/officeDocument/2006/relationships" xmlns:p="http://schemas.openxmlformats.org/presentationml/2006/main">
   <p:cSld>
     <p:spTree>
       <p:nvGrpSpPr>
-        <p:cNvPr id="50" name="Shape 50"/>
+        <p:cNvPr id="1" name="Shape 50"/>
         <p:cNvGrpSpPr/>
         <p:nvPr/>
       </p:nvGrpSpPr>
@@ -5698,7 +5765,9 @@
       <p:sp>
         <p:nvSpPr>
           <p:cNvPr id="51" name="Shape 51"/>
-          <p:cNvSpPr txBox="1"/>
+          <p:cNvSpPr txBox="1">
+            <a:spLocks noGrp="1"/>
+          </p:cNvSpPr>
           <p:nvPr>
             <p:ph type="title"/>
           </p:nvPr>
@@ -5717,12 +5786,12 @@
           </a:ln>
         </p:spPr>
         <p:txBody>
-          <a:bodyPr anchorCtr="0" anchor="t" bIns="91425" lIns="91425" rIns="91425" tIns="91425">
+          <a:bodyPr lIns="91425" tIns="91425" rIns="91425" bIns="91425" anchor="t" anchorCtr="0">
             <a:noAutofit/>
           </a:bodyPr>
           <a:lstStyle/>
           <a:p>
-            <a:pPr indent="0" lvl="0" marL="0" marR="0" rtl="0" algn="l">
+            <a:pPr marL="0" marR="0" lvl="0" indent="0" algn="l" rtl="0">
               <a:spcBef>
                 <a:spcPts val="0"/>
               </a:spcBef>
@@ -5737,7 +5806,7 @@
               <a:buNone/>
             </a:pPr>
             <a:r>
-              <a:rPr b="0" i="0" lang="en-US" sz="3600" u="none" cap="none" strike="noStrike">
+              <a:rPr lang="en-US" sz="3600" b="0" i="0" u="none" strike="noStrike" cap="none">
                 <a:solidFill>
                   <a:schemeClr val="accent1"/>
                 </a:solidFill>
@@ -5754,9 +5823,11 @@
       <p:sp>
         <p:nvSpPr>
           <p:cNvPr id="52" name="Shape 52"/>
-          <p:cNvSpPr txBox="1"/>
+          <p:cNvSpPr txBox="1">
+            <a:spLocks noGrp="1"/>
+          </p:cNvSpPr>
           <p:nvPr>
-            <p:ph idx="1" type="body"/>
+            <p:ph type="body" idx="1"/>
           </p:nvPr>
         </p:nvSpPr>
         <p:spPr>
@@ -5773,12 +5844,12 @@
           </a:ln>
         </p:spPr>
         <p:txBody>
-          <a:bodyPr anchorCtr="0" anchor="t" bIns="45700" lIns="91425" rIns="91425" tIns="45700">
+          <a:bodyPr lIns="91425" tIns="45700" rIns="91425" bIns="45700" anchor="t" anchorCtr="0">
             <a:noAutofit/>
           </a:bodyPr>
           <a:lstStyle/>
           <a:p>
-            <a:pPr indent="0" lvl="0" marL="0" marR="0" rtl="0" algn="l">
+            <a:pPr marL="0" marR="0" lvl="0" indent="0" algn="l" rtl="0">
               <a:spcBef>
                 <a:spcPts val="0"/>
               </a:spcBef>
@@ -5792,10 +5863,7 @@
               <a:buFont typeface="Arial"/>
               <a:buNone/>
             </a:pPr>
-            <a:r>
-              <a:t/>
-            </a:r>
-            <a:endParaRPr b="0" i="0" sz="2800" u="none" cap="none" strike="noStrike">
+            <a:endParaRPr sz="2800" b="0" i="0" u="none" strike="noStrike" cap="none">
               <a:solidFill>
                 <a:schemeClr val="dk1"/>
               </a:solidFill>
@@ -5806,7 +5874,7 @@
             </a:endParaRPr>
           </a:p>
           <a:p>
-            <a:pPr indent="-342900" lvl="0" marL="342900" marR="0" rtl="0" algn="l">
+            <a:pPr marL="342900" marR="0" lvl="0" indent="-342900" algn="l" rtl="0">
               <a:lnSpc>
                 <a:spcPct val="100000"/>
               </a:lnSpc>
@@ -5829,7 +5897,7 @@
             </a:r>
           </a:p>
           <a:p>
-            <a:pPr indent="0" lvl="0" marL="0" marR="0" rtl="0" algn="l">
+            <a:pPr marL="0" marR="0" lvl="0" indent="0" algn="l" rtl="0">
               <a:lnSpc>
                 <a:spcPct val="100000"/>
               </a:lnSpc>
@@ -5841,9 +5909,6 @@
               </a:spcAft>
               <a:buNone/>
             </a:pPr>
-            <a:r>
-              <a:t/>
-            </a:r>
             <a:endParaRPr sz="2400"/>
           </a:p>
         </p:txBody>
@@ -5868,20 +5933,17 @@
           </a:ln>
         </p:spPr>
         <p:txBody>
-          <a:bodyPr anchorCtr="0" anchor="t" bIns="45700" lIns="91425" rIns="91425" tIns="45700">
+          <a:bodyPr lIns="91425" tIns="45700" rIns="91425" bIns="45700" anchor="t" anchorCtr="0">
             <a:noAutofit/>
           </a:bodyPr>
           <a:lstStyle/>
           <a:p>
-            <a:pPr indent="0" lvl="0" marL="0" marR="0" rtl="0" algn="l">
+            <a:pPr marL="0" marR="0" lvl="0" indent="0" algn="l" rtl="0">
               <a:spcBef>
                 <a:spcPts val="0"/>
               </a:spcBef>
               <a:buNone/>
             </a:pPr>
-            <a:r>
-              <a:t/>
-            </a:r>
             <a:endParaRPr sz="1800">
               <a:solidFill>
                 <a:schemeClr val="dk1"/>
@@ -5931,11 +5993,11 @@
 </file>
 
 <file path=ppt/slides/slide4.xml><?xml version="1.0" encoding="utf-8"?>
-<p:sld xmlns:a="http://schemas.openxmlformats.org/drawingml/2006/main" xmlns:r="http://schemas.openxmlformats.org/officeDocument/2006/relationships" xmlns:mc="http://schemas.openxmlformats.org/markup-compatibility/2006" xmlns:mv="urn:schemas-microsoft-com:mac:vml" xmlns:p="http://schemas.openxmlformats.org/presentationml/2006/main" xmlns:c="http://schemas.openxmlformats.org/drawingml/2006/chart" xmlns:dgm="http://schemas.openxmlformats.org/drawingml/2006/diagram" xmlns:o="urn:schemas-microsoft-com:office:office" xmlns:v="urn:schemas-microsoft-com:vml" xmlns:pvml="urn:schemas-microsoft-com:office:powerpoint" xmlns:com="http://schemas.openxmlformats.org/drawingml/2006/compatibility" xmlns:p14="http://schemas.microsoft.com/office/powerpoint/2010/main">
+<p:sld xmlns:a="http://schemas.openxmlformats.org/drawingml/2006/main" xmlns:r="http://schemas.openxmlformats.org/officeDocument/2006/relationships" xmlns:p="http://schemas.openxmlformats.org/presentationml/2006/main">
   <p:cSld>
     <p:spTree>
       <p:nvGrpSpPr>
-        <p:cNvPr id="58" name="Shape 58"/>
+        <p:cNvPr id="1" name="Shape 58"/>
         <p:cNvGrpSpPr/>
         <p:nvPr/>
       </p:nvGrpSpPr>
@@ -5950,7 +6012,9 @@
       <p:sp>
         <p:nvSpPr>
           <p:cNvPr id="59" name="Shape 59"/>
-          <p:cNvSpPr txBox="1"/>
+          <p:cNvSpPr txBox="1">
+            <a:spLocks noGrp="1"/>
+          </p:cNvSpPr>
           <p:nvPr>
             <p:ph type="title"/>
           </p:nvPr>
@@ -5969,12 +6033,12 @@
           </a:ln>
         </p:spPr>
         <p:txBody>
-          <a:bodyPr anchorCtr="0" anchor="t" bIns="91425" lIns="91425" rIns="91425" tIns="91425">
+          <a:bodyPr lIns="91425" tIns="91425" rIns="91425" bIns="91425" anchor="t" anchorCtr="0">
             <a:noAutofit/>
           </a:bodyPr>
           <a:lstStyle/>
           <a:p>
-            <a:pPr indent="0" lvl="0" marL="0" marR="0" rtl="0" algn="l">
+            <a:pPr marL="0" marR="0" lvl="0" indent="0" algn="l" rtl="0">
               <a:spcBef>
                 <a:spcPts val="0"/>
               </a:spcBef>
@@ -5989,7 +6053,7 @@
               <a:buNone/>
             </a:pPr>
             <a:r>
-              <a:rPr b="0" i="0" lang="en-US" sz="3600" u="none" cap="none" strike="noStrike">
+              <a:rPr lang="en-US" sz="3600" b="0" i="0" u="none" strike="noStrike" cap="none">
                 <a:solidFill>
                   <a:schemeClr val="accent1"/>
                 </a:solidFill>
@@ -6006,9 +6070,11 @@
       <p:sp>
         <p:nvSpPr>
           <p:cNvPr id="60" name="Shape 60"/>
-          <p:cNvSpPr txBox="1"/>
+          <p:cNvSpPr txBox="1">
+            <a:spLocks noGrp="1"/>
+          </p:cNvSpPr>
           <p:nvPr>
-            <p:ph idx="1" type="body"/>
+            <p:ph type="body" idx="1"/>
           </p:nvPr>
         </p:nvSpPr>
         <p:spPr>
@@ -6025,12 +6091,12 @@
           </a:ln>
         </p:spPr>
         <p:txBody>
-          <a:bodyPr anchorCtr="0" anchor="t" bIns="45700" lIns="91425" rIns="91425" tIns="45700">
+          <a:bodyPr lIns="91425" tIns="45700" rIns="91425" bIns="45700" anchor="t" anchorCtr="0">
             <a:noAutofit/>
           </a:bodyPr>
           <a:lstStyle/>
           <a:p>
-            <a:pPr indent="0" lvl="0" marL="0" marR="0" rtl="0" algn="l">
+            <a:pPr marL="0" marR="0" lvl="0" indent="0" algn="l" rtl="0">
               <a:spcBef>
                 <a:spcPts val="0"/>
               </a:spcBef>
@@ -6044,10 +6110,7 @@
               <a:buFont typeface="Arial"/>
               <a:buNone/>
             </a:pPr>
-            <a:r>
-              <a:t/>
-            </a:r>
-            <a:endParaRPr b="0" i="0" sz="2800" u="none" cap="none" strike="noStrike">
+            <a:endParaRPr sz="2800" b="0" i="0" u="none" strike="noStrike" cap="none">
               <a:solidFill>
                 <a:schemeClr val="dk1"/>
               </a:solidFill>
@@ -6058,7 +6121,7 @@
             </a:endParaRPr>
           </a:p>
           <a:p>
-            <a:pPr indent="-342900" lvl="0" marL="342900" marR="0" rtl="0" algn="l">
+            <a:pPr marL="342900" marR="0" lvl="0" indent="-342900" algn="l" rtl="0">
               <a:lnSpc>
                 <a:spcPct val="100000"/>
               </a:lnSpc>
@@ -6081,7 +6144,7 @@
             </a:r>
           </a:p>
           <a:p>
-            <a:pPr indent="-342900" lvl="0" marL="342900" marR="0" rtl="0" algn="l">
+            <a:pPr marL="342900" marR="0" lvl="0" indent="-342900" algn="l" rtl="0">
               <a:lnSpc>
                 <a:spcPct val="100000"/>
               </a:lnSpc>
@@ -6100,15 +6163,11 @@
             </a:pPr>
             <a:r>
               <a:rPr lang="en-US" sz="2400"/>
-              <a:t>There’s a visit from the pointy-headed boss.</a:t>
+              <a:t>There’s a visit from the pointy-headed boss. </a:t>
             </a:r>
-            <a:r>
-              <a:rPr lang="en-US" sz="2400"/>
-              <a:t> </a:t>
-            </a:r>
-          </a:p>
-          <a:p>
-            <a:pPr indent="0" lvl="0" marL="0" marR="0" rtl="0" algn="l">
+          </a:p>
+          <a:p>
+            <a:pPr marL="0" marR="0" lvl="0" indent="0" algn="l" rtl="0">
               <a:lnSpc>
                 <a:spcPct val="100000"/>
               </a:lnSpc>
@@ -6120,9 +6179,6 @@
               </a:spcAft>
               <a:buNone/>
             </a:pPr>
-            <a:r>
-              <a:t/>
-            </a:r>
             <a:endParaRPr sz="2400"/>
           </a:p>
         </p:txBody>
@@ -6147,20 +6203,17 @@
           </a:ln>
         </p:spPr>
         <p:txBody>
-          <a:bodyPr anchorCtr="0" anchor="t" bIns="45700" lIns="91425" rIns="91425" tIns="45700">
+          <a:bodyPr lIns="91425" tIns="45700" rIns="91425" bIns="45700" anchor="t" anchorCtr="0">
             <a:noAutofit/>
           </a:bodyPr>
           <a:lstStyle/>
           <a:p>
-            <a:pPr indent="0" lvl="0" marL="0" marR="0" rtl="0" algn="l">
+            <a:pPr marL="0" marR="0" lvl="0" indent="0" algn="l" rtl="0">
               <a:spcBef>
                 <a:spcPts val="0"/>
               </a:spcBef>
               <a:buNone/>
             </a:pPr>
-            <a:r>
-              <a:t/>
-            </a:r>
             <a:endParaRPr sz="1800">
               <a:solidFill>
                 <a:schemeClr val="dk1"/>
@@ -6209,32 +6262,32 @@
   <p:timing>
     <p:tnLst>
       <p:par>
-        <p:cTn dur="indefinite" nodeType="tmRoot" restart="never">
+        <p:cTn xmlns:p14="http://schemas.microsoft.com/office/powerpoint/2010/main" id="1" dur="indefinite" restart="never" nodeType="tmRoot">
           <p:childTnLst>
             <p:seq concurrent="1" nextAc="seek">
-              <p:cTn dur="indefinite" id="2" nodeType="mainSeq">
+              <p:cTn id="2" dur="indefinite" nodeType="mainSeq">
                 <p:childTnLst>
                   <p:par>
-                    <p:cTn fill="hold">
+                    <p:cTn id="3" fill="hold">
                       <p:stCondLst>
                         <p:cond delay="indefinite"/>
                       </p:stCondLst>
                       <p:childTnLst>
                         <p:par>
-                          <p:cTn fill="hold">
+                          <p:cTn id="4" fill="hold">
                             <p:stCondLst>
                               <p:cond delay="0"/>
                             </p:stCondLst>
                             <p:childTnLst>
                               <p:par>
-                                <p:cTn fill="hold" nodeType="clickEffect" presetClass="entr" presetID="10" presetSubtype="0">
+                                <p:cTn id="5" presetID="10" presetClass="entr" presetSubtype="0" fill="hold" nodeType="clickEffect">
                                   <p:stCondLst>
                                     <p:cond delay="0"/>
                                   </p:stCondLst>
                                   <p:childTnLst>
                                     <p:set>
                                       <p:cBhvr>
-                                        <p:cTn dur="1" fill="hold">
+                                        <p:cTn id="6" dur="1" fill="hold">
                                           <p:stCondLst>
                                             <p:cond delay="0"/>
                                           </p:stCondLst>
@@ -6242,7 +6295,7 @@
                                         <p:tgtEl>
                                           <p:spTgt spid="60">
                                             <p:txEl>
-                                              <p:pRg end="0" st="0"/>
+                                              <p:pRg st="0" end="0"/>
                                             </p:txEl>
                                           </p:spTgt>
                                         </p:tgtEl>
@@ -6254,13 +6307,13 @@
                                         <p:strVal val="visible"/>
                                       </p:to>
                                     </p:set>
-                                    <p:animEffect filter="fade" transition="in">
+                                    <p:animEffect transition="in" filter="fade">
                                       <p:cBhvr>
-                                        <p:cTn dur="1000"/>
+                                        <p:cTn id="7" dur="1000"/>
                                         <p:tgtEl>
                                           <p:spTgt spid="60">
                                             <p:txEl>
-                                              <p:pRg end="0" st="0"/>
+                                              <p:pRg st="0" end="0"/>
                                             </p:txEl>
                                           </p:spTgt>
                                         </p:tgtEl>
@@ -6276,26 +6329,26 @@
                     </p:cTn>
                   </p:par>
                   <p:par>
-                    <p:cTn fill="hold">
+                    <p:cTn id="8" fill="hold">
                       <p:stCondLst>
                         <p:cond delay="indefinite"/>
                       </p:stCondLst>
                       <p:childTnLst>
                         <p:par>
-                          <p:cTn fill="hold">
+                          <p:cTn id="9" fill="hold">
                             <p:stCondLst>
                               <p:cond delay="0"/>
                             </p:stCondLst>
                             <p:childTnLst>
                               <p:par>
-                                <p:cTn fill="hold" nodeType="clickEffect" presetClass="entr" presetID="10" presetSubtype="0">
+                                <p:cTn id="10" presetID="10" presetClass="entr" presetSubtype="0" fill="hold" nodeType="clickEffect">
                                   <p:stCondLst>
                                     <p:cond delay="0"/>
                                   </p:stCondLst>
                                   <p:childTnLst>
                                     <p:set>
                                       <p:cBhvr>
-                                        <p:cTn dur="1" fill="hold">
+                                        <p:cTn id="11" dur="1" fill="hold">
                                           <p:stCondLst>
                                             <p:cond delay="0"/>
                                           </p:stCondLst>
@@ -6303,7 +6356,7 @@
                                         <p:tgtEl>
                                           <p:spTgt spid="60">
                                             <p:txEl>
-                                              <p:pRg end="1" st="1"/>
+                                              <p:pRg st="1" end="1"/>
                                             </p:txEl>
                                           </p:spTgt>
                                         </p:tgtEl>
@@ -6315,13 +6368,13 @@
                                         <p:strVal val="visible"/>
                                       </p:to>
                                     </p:set>
-                                    <p:animEffect filter="fade" transition="in">
+                                    <p:animEffect transition="in" filter="fade">
                                       <p:cBhvr>
-                                        <p:cTn dur="1000"/>
+                                        <p:cTn id="12" dur="1000"/>
                                         <p:tgtEl>
                                           <p:spTgt spid="60">
                                             <p:txEl>
-                                              <p:pRg end="1" st="1"/>
+                                              <p:pRg st="1" end="1"/>
                                             </p:txEl>
                                           </p:spTgt>
                                         </p:tgtEl>
@@ -6337,26 +6390,26 @@
                     </p:cTn>
                   </p:par>
                   <p:par>
-                    <p:cTn fill="hold">
+                    <p:cTn id="13" fill="hold">
                       <p:stCondLst>
                         <p:cond delay="indefinite"/>
                       </p:stCondLst>
                       <p:childTnLst>
                         <p:par>
-                          <p:cTn fill="hold">
+                          <p:cTn id="14" fill="hold">
                             <p:stCondLst>
                               <p:cond delay="0"/>
                             </p:stCondLst>
                             <p:childTnLst>
                               <p:par>
-                                <p:cTn fill="hold" nodeType="clickEffect" presetClass="entr" presetID="10" presetSubtype="0">
+                                <p:cTn id="15" presetID="10" presetClass="entr" presetSubtype="0" fill="hold" nodeType="clickEffect">
                                   <p:stCondLst>
                                     <p:cond delay="0"/>
                                   </p:stCondLst>
                                   <p:childTnLst>
                                     <p:set>
                                       <p:cBhvr>
-                                        <p:cTn dur="1" fill="hold">
+                                        <p:cTn id="16" dur="1" fill="hold">
                                           <p:stCondLst>
                                             <p:cond delay="0"/>
                                           </p:stCondLst>
@@ -6364,7 +6417,7 @@
                                         <p:tgtEl>
                                           <p:spTgt spid="60">
                                             <p:txEl>
-                                              <p:pRg end="2" st="2"/>
+                                              <p:pRg st="2" end="2"/>
                                             </p:txEl>
                                           </p:spTgt>
                                         </p:tgtEl>
@@ -6376,13 +6429,13 @@
                                         <p:strVal val="visible"/>
                                       </p:to>
                                     </p:set>
-                                    <p:animEffect filter="fade" transition="in">
+                                    <p:animEffect transition="in" filter="fade">
                                       <p:cBhvr>
-                                        <p:cTn dur="1000"/>
+                                        <p:cTn id="17" dur="1000"/>
                                         <p:tgtEl>
                                           <p:spTgt spid="60">
                                             <p:txEl>
-                                              <p:pRg end="2" st="2"/>
+                                              <p:pRg st="2" end="2"/>
                                             </p:txEl>
                                           </p:spTgt>
                                         </p:tgtEl>
@@ -6398,26 +6451,26 @@
                     </p:cTn>
                   </p:par>
                   <p:par>
-                    <p:cTn fill="hold">
+                    <p:cTn id="18" fill="hold">
                       <p:stCondLst>
                         <p:cond delay="indefinite"/>
                       </p:stCondLst>
                       <p:childTnLst>
                         <p:par>
-                          <p:cTn fill="hold">
+                          <p:cTn id="19" fill="hold">
                             <p:stCondLst>
                               <p:cond delay="0"/>
                             </p:stCondLst>
                             <p:childTnLst>
                               <p:par>
-                                <p:cTn fill="hold" nodeType="clickEffect" presetClass="entr" presetID="10" presetSubtype="0">
+                                <p:cTn id="20" presetID="10" presetClass="entr" presetSubtype="0" fill="hold" nodeType="clickEffect">
                                   <p:stCondLst>
                                     <p:cond delay="0"/>
                                   </p:stCondLst>
                                   <p:childTnLst>
                                     <p:set>
                                       <p:cBhvr>
-                                        <p:cTn dur="1" fill="hold">
+                                        <p:cTn id="21" dur="1" fill="hold">
                                           <p:stCondLst>
                                             <p:cond delay="0"/>
                                           </p:stCondLst>
@@ -6425,7 +6478,7 @@
                                         <p:tgtEl>
                                           <p:spTgt spid="60">
                                             <p:txEl>
-                                              <p:pRg end="3" st="3"/>
+                                              <p:pRg st="3" end="3"/>
                                             </p:txEl>
                                           </p:spTgt>
                                         </p:tgtEl>
@@ -6437,13 +6490,13 @@
                                         <p:strVal val="visible"/>
                                       </p:to>
                                     </p:set>
-                                    <p:animEffect filter="fade" transition="in">
+                                    <p:animEffect transition="in" filter="fade">
                                       <p:cBhvr>
-                                        <p:cTn dur="1000"/>
+                                        <p:cTn id="22" dur="1000"/>
                                         <p:tgtEl>
                                           <p:spTgt spid="60">
                                             <p:txEl>
-                                              <p:pRg end="3" st="3"/>
+                                              <p:pRg st="3" end="3"/>
                                             </p:txEl>
                                           </p:spTgt>
                                         </p:tgtEl>
@@ -6456,20 +6509,20 @@
                           </p:cTn>
                         </p:par>
                         <p:par>
-                          <p:cTn fill="hold">
+                          <p:cTn id="23" fill="hold">
                             <p:stCondLst>
                               <p:cond delay="1000"/>
                             </p:stCondLst>
                             <p:childTnLst>
                               <p:par>
-                                <p:cTn fill="hold" nodeType="afterEffect" presetClass="entr" presetID="10" presetSubtype="0">
+                                <p:cTn id="24" presetID="10" presetClass="entr" presetSubtype="0" fill="hold" nodeType="afterEffect">
                                   <p:stCondLst>
                                     <p:cond delay="0"/>
                                   </p:stCondLst>
                                   <p:childTnLst>
                                     <p:set>
                                       <p:cBhvr>
-                                        <p:cTn dur="1" fill="hold">
+                                        <p:cTn id="25" dur="1" fill="hold">
                                           <p:stCondLst>
                                             <p:cond delay="0"/>
                                           </p:stCondLst>
@@ -6485,9 +6538,9 @@
                                         <p:strVal val="visible"/>
                                       </p:to>
                                     </p:set>
-                                    <p:animEffect filter="fade" transition="in">
+                                    <p:animEffect transition="in" filter="fade">
                                       <p:cBhvr>
-                                        <p:cTn dur="1000"/>
+                                        <p:cTn id="26" dur="1000"/>
                                         <p:tgtEl>
                                           <p:spTgt spid="62"/>
                                         </p:tgtEl>
@@ -6505,14 +6558,14 @@
                 </p:childTnLst>
               </p:cTn>
               <p:prevCondLst>
-                <p:cond evt="onPrev">
+                <p:cond evt="onPrev" delay="0">
                   <p:tgtEl>
                     <p:sldTgt/>
                   </p:tgtEl>
                 </p:cond>
               </p:prevCondLst>
               <p:nextCondLst>
-                <p:cond evt="onNext">
+                <p:cond evt="onNext" delay="0">
                   <p:tgtEl>
                     <p:sldTgt/>
                   </p:tgtEl>
@@ -6528,11 +6581,11 @@
 </file>
 
 <file path=ppt/slides/slide5.xml><?xml version="1.0" encoding="utf-8"?>
-<p:sld xmlns:a="http://schemas.openxmlformats.org/drawingml/2006/main" xmlns:r="http://schemas.openxmlformats.org/officeDocument/2006/relationships" xmlns:mc="http://schemas.openxmlformats.org/markup-compatibility/2006" xmlns:mv="urn:schemas-microsoft-com:mac:vml" xmlns:p="http://schemas.openxmlformats.org/presentationml/2006/main" xmlns:c="http://schemas.openxmlformats.org/drawingml/2006/chart" xmlns:dgm="http://schemas.openxmlformats.org/drawingml/2006/diagram" xmlns:o="urn:schemas-microsoft-com:office:office" xmlns:v="urn:schemas-microsoft-com:vml" xmlns:pvml="urn:schemas-microsoft-com:office:powerpoint" xmlns:com="http://schemas.openxmlformats.org/drawingml/2006/compatibility" xmlns:p14="http://schemas.microsoft.com/office/powerpoint/2010/main">
+<p:sld xmlns:a="http://schemas.openxmlformats.org/drawingml/2006/main" xmlns:r="http://schemas.openxmlformats.org/officeDocument/2006/relationships" xmlns:p="http://schemas.openxmlformats.org/presentationml/2006/main">
   <p:cSld>
     <p:spTree>
       <p:nvGrpSpPr>
-        <p:cNvPr id="66" name="Shape 66"/>
+        <p:cNvPr id="1" name="Shape 66"/>
         <p:cNvGrpSpPr/>
         <p:nvPr/>
       </p:nvGrpSpPr>
@@ -6547,7 +6600,9 @@
       <p:sp>
         <p:nvSpPr>
           <p:cNvPr id="67" name="Shape 67"/>
-          <p:cNvSpPr txBox="1"/>
+          <p:cNvSpPr txBox="1">
+            <a:spLocks noGrp="1"/>
+          </p:cNvSpPr>
           <p:nvPr>
             <p:ph type="title"/>
           </p:nvPr>
@@ -6566,12 +6621,12 @@
           </a:ln>
         </p:spPr>
         <p:txBody>
-          <a:bodyPr anchorCtr="0" anchor="t" bIns="91425" lIns="91425" rIns="91425" tIns="91425">
+          <a:bodyPr lIns="91425" tIns="91425" rIns="91425" bIns="91425" anchor="t" anchorCtr="0">
             <a:noAutofit/>
           </a:bodyPr>
           <a:lstStyle/>
           <a:p>
-            <a:pPr indent="0" lvl="0" marL="0" marR="0" rtl="0" algn="l">
+            <a:pPr marL="0" marR="0" lvl="0" indent="0" algn="l" rtl="0">
               <a:spcBef>
                 <a:spcPts val="0"/>
               </a:spcBef>
@@ -6586,7 +6641,7 @@
               <a:buNone/>
             </a:pPr>
             <a:r>
-              <a:rPr b="0" i="0" lang="en-US" sz="3600" u="none" cap="none" strike="noStrike">
+              <a:rPr lang="en-US" sz="3600" b="0" i="0" u="none" strike="noStrike" cap="none">
                 <a:solidFill>
                   <a:schemeClr val="accent1"/>
                 </a:solidFill>
@@ -6603,9 +6658,11 @@
       <p:sp>
         <p:nvSpPr>
           <p:cNvPr id="68" name="Shape 68"/>
-          <p:cNvSpPr txBox="1"/>
+          <p:cNvSpPr txBox="1">
+            <a:spLocks noGrp="1"/>
+          </p:cNvSpPr>
           <p:nvPr>
-            <p:ph idx="1" type="body"/>
+            <p:ph type="body" idx="1"/>
           </p:nvPr>
         </p:nvSpPr>
         <p:spPr>
@@ -6622,12 +6679,12 @@
           </a:ln>
         </p:spPr>
         <p:txBody>
-          <a:bodyPr anchorCtr="0" anchor="t" bIns="45700" lIns="91425" rIns="91425" tIns="45700">
+          <a:bodyPr lIns="91425" tIns="45700" rIns="91425" bIns="45700" anchor="t" anchorCtr="0">
             <a:noAutofit/>
           </a:bodyPr>
           <a:lstStyle/>
           <a:p>
-            <a:pPr indent="0" lvl="0" marL="0" marR="0" rtl="0" algn="l">
+            <a:pPr marL="0" marR="0" lvl="0" indent="0" algn="l" rtl="0">
               <a:spcBef>
                 <a:spcPts val="0"/>
               </a:spcBef>
@@ -6641,10 +6698,7 @@
               <a:buFont typeface="Arial"/>
               <a:buNone/>
             </a:pPr>
-            <a:r>
-              <a:t/>
-            </a:r>
-            <a:endParaRPr b="0" i="0" sz="2800" u="none" cap="none" strike="noStrike">
+            <a:endParaRPr sz="2800" b="0" i="0" u="none" strike="noStrike" cap="none">
               <a:solidFill>
                 <a:schemeClr val="dk1"/>
               </a:solidFill>
@@ -6655,7 +6709,7 @@
             </a:endParaRPr>
           </a:p>
           <a:p>
-            <a:pPr indent="-342900" lvl="0" marL="342900" marR="0" rtl="0" algn="l">
+            <a:pPr marL="342900" marR="0" lvl="0" indent="-342900" algn="l" rtl="0">
               <a:lnSpc>
                 <a:spcPct val="100000"/>
               </a:lnSpc>
@@ -6678,7 +6732,7 @@
             </a:r>
           </a:p>
           <a:p>
-            <a:pPr indent="0" lvl="0" marL="0" marR="0" rtl="0" algn="l">
+            <a:pPr marL="0" marR="0" lvl="0" indent="0" algn="l" rtl="0">
               <a:lnSpc>
                 <a:spcPct val="100000"/>
               </a:lnSpc>
@@ -6690,9 +6744,6 @@
               </a:spcAft>
               <a:buNone/>
             </a:pPr>
-            <a:r>
-              <a:t/>
-            </a:r>
             <a:endParaRPr sz="2400"/>
           </a:p>
         </p:txBody>
@@ -6717,20 +6768,17 @@
           </a:ln>
         </p:spPr>
         <p:txBody>
-          <a:bodyPr anchorCtr="0" anchor="t" bIns="45700" lIns="91425" rIns="91425" tIns="45700">
+          <a:bodyPr lIns="91425" tIns="45700" rIns="91425" bIns="45700" anchor="t" anchorCtr="0">
             <a:noAutofit/>
           </a:bodyPr>
           <a:lstStyle/>
           <a:p>
-            <a:pPr indent="0" lvl="0" marL="0" marR="0" rtl="0" algn="l">
+            <a:pPr marL="0" marR="0" lvl="0" indent="0" algn="l" rtl="0">
               <a:spcBef>
                 <a:spcPts val="0"/>
               </a:spcBef>
               <a:buNone/>
             </a:pPr>
-            <a:r>
-              <a:t/>
-            </a:r>
             <a:endParaRPr sz="1800">
               <a:solidFill>
                 <a:schemeClr val="dk1"/>
@@ -6763,7 +6811,7 @@
           </a:ln>
         </p:spPr>
         <p:txBody>
-          <a:bodyPr anchorCtr="0" anchor="t" bIns="91425" lIns="91425" rIns="91425" tIns="91425">
+          <a:bodyPr lIns="91425" tIns="91425" rIns="91425" bIns="91425" anchor="t" anchorCtr="0">
             <a:noAutofit/>
           </a:bodyPr>
           <a:lstStyle/>
@@ -6775,12 +6823,12 @@
               <a:buNone/>
             </a:pPr>
             <a:r>
-              <a:rPr b="1" lang="en-US"/>
+              <a:rPr lang="en-US" b="1"/>
               <a:t>Network:</a:t>
             </a:r>
           </a:p>
           <a:p>
-            <a:pPr indent="-228600" lvl="0" marL="457200" rtl="0">
+            <a:pPr marL="457200" lvl="0" indent="-228600" rtl="0">
               <a:spcBef>
                 <a:spcPts val="0"/>
               </a:spcBef>
@@ -6813,7 +6861,7 @@
           </a:ln>
         </p:spPr>
         <p:txBody>
-          <a:bodyPr anchorCtr="0" anchor="t" bIns="91425" lIns="91425" rIns="91425" tIns="91425">
+          <a:bodyPr lIns="91425" tIns="91425" rIns="91425" bIns="91425" anchor="t" anchorCtr="0">
             <a:noAutofit/>
           </a:bodyPr>
           <a:lstStyle/>
@@ -6825,12 +6873,12 @@
               <a:buNone/>
             </a:pPr>
             <a:r>
-              <a:rPr b="1" lang="en-US"/>
+              <a:rPr lang="en-US" b="1"/>
               <a:t>Enterprise Architects:</a:t>
             </a:r>
           </a:p>
           <a:p>
-            <a:pPr indent="-228600" lvl="0" marL="457200" rtl="0">
+            <a:pPr marL="457200" lvl="0" indent="-228600" rtl="0">
               <a:spcBef>
                 <a:spcPts val="0"/>
               </a:spcBef>
@@ -6863,7 +6911,7 @@
           </a:ln>
         </p:spPr>
         <p:txBody>
-          <a:bodyPr anchorCtr="0" anchor="t" bIns="91425" lIns="91425" rIns="91425" tIns="91425">
+          <a:bodyPr lIns="91425" tIns="91425" rIns="91425" bIns="91425" anchor="t" anchorCtr="0">
             <a:noAutofit/>
           </a:bodyPr>
           <a:lstStyle/>
@@ -6875,16 +6923,12 @@
               <a:buNone/>
             </a:pPr>
             <a:r>
-              <a:rPr b="1" lang="en-US"/>
-              <a:t>Production Support</a:t>
+              <a:rPr lang="en-US" b="1"/>
+              <a:t>Production Support:</a:t>
             </a:r>
-            <a:r>
-              <a:rPr b="1" lang="en-US"/>
-              <a:t>:</a:t>
-            </a:r>
-          </a:p>
-          <a:p>
-            <a:pPr indent="-228600" lvl="0" marL="457200" rtl="0">
+          </a:p>
+          <a:p>
+            <a:pPr marL="457200" lvl="0" indent="-228600" rtl="0">
               <a:spcBef>
                 <a:spcPts val="0"/>
               </a:spcBef>
@@ -6896,7 +6940,7 @@
             </a:r>
           </a:p>
           <a:p>
-            <a:pPr indent="-228600" lvl="1" marL="914400" rtl="0">
+            <a:pPr marL="914400" lvl="1" indent="-228600" rtl="0">
               <a:spcBef>
                 <a:spcPts val="0"/>
               </a:spcBef>
@@ -6908,7 +6952,7 @@
             </a:r>
           </a:p>
           <a:p>
-            <a:pPr indent="-228600" lvl="1" marL="914400" rtl="0">
+            <a:pPr marL="914400" lvl="1" indent="-228600" rtl="0">
               <a:spcBef>
                 <a:spcPts val="0"/>
               </a:spcBef>
@@ -6920,7 +6964,7 @@
             </a:r>
           </a:p>
           <a:p>
-            <a:pPr indent="-228600" lvl="1" marL="914400" rtl="0">
+            <a:pPr marL="914400" lvl="1" indent="-228600" rtl="0">
               <a:spcBef>
                 <a:spcPts val="0"/>
               </a:spcBef>
@@ -6932,7 +6976,7 @@
             </a:r>
           </a:p>
           <a:p>
-            <a:pPr indent="-228600" lvl="0" marL="457200" rtl="0">
+            <a:pPr marL="457200" lvl="0" indent="-228600" rtl="0">
               <a:spcBef>
                 <a:spcPts val="0"/>
               </a:spcBef>
@@ -6965,7 +7009,7 @@
           </a:ln>
         </p:spPr>
         <p:txBody>
-          <a:bodyPr anchorCtr="0" anchor="t" bIns="91425" lIns="91425" rIns="91425" tIns="91425">
+          <a:bodyPr lIns="91425" tIns="91425" rIns="91425" bIns="91425" anchor="t" anchorCtr="0">
             <a:noAutofit/>
           </a:bodyPr>
           <a:lstStyle/>
@@ -6977,12 +7021,12 @@
               <a:buNone/>
             </a:pPr>
             <a:r>
-              <a:rPr b="1" lang="en-US"/>
+              <a:rPr lang="en-US" b="1"/>
               <a:t>Security:</a:t>
             </a:r>
           </a:p>
           <a:p>
-            <a:pPr indent="-228600" lvl="0" marL="457200" rtl="0">
+            <a:pPr marL="457200" lvl="0" indent="-228600" rtl="0">
               <a:spcBef>
                 <a:spcPts val="0"/>
               </a:spcBef>
@@ -6994,7 +7038,7 @@
             </a:r>
           </a:p>
           <a:p>
-            <a:pPr indent="-228600" lvl="0" marL="457200" rtl="0">
+            <a:pPr marL="457200" lvl="0" indent="-228600" rtl="0">
               <a:spcBef>
                 <a:spcPts val="0"/>
               </a:spcBef>
@@ -7006,7 +7050,7 @@
             </a:r>
           </a:p>
           <a:p>
-            <a:pPr indent="-228600" lvl="0" marL="457200" rtl="0">
+            <a:pPr marL="457200" lvl="0" indent="-228600" rtl="0">
               <a:spcBef>
                 <a:spcPts val="0"/>
               </a:spcBef>
@@ -7055,32 +7099,32 @@
   <p:timing>
     <p:tnLst>
       <p:par>
-        <p:cTn dur="indefinite" nodeType="tmRoot" restart="never">
+        <p:cTn xmlns:p14="http://schemas.microsoft.com/office/powerpoint/2010/main" id="1" dur="indefinite" restart="never" nodeType="tmRoot">
           <p:childTnLst>
             <p:seq concurrent="1" nextAc="seek">
-              <p:cTn dur="indefinite" id="2" nodeType="mainSeq">
+              <p:cTn id="2" dur="indefinite" nodeType="mainSeq">
                 <p:childTnLst>
                   <p:par>
-                    <p:cTn fill="hold">
+                    <p:cTn id="3" fill="hold">
                       <p:stCondLst>
                         <p:cond delay="indefinite"/>
                       </p:stCondLst>
                       <p:childTnLst>
                         <p:par>
-                          <p:cTn fill="hold">
+                          <p:cTn id="4" fill="hold">
                             <p:stCondLst>
                               <p:cond delay="0"/>
                             </p:stCondLst>
                             <p:childTnLst>
                               <p:par>
-                                <p:cTn fill="hold" nodeType="clickEffect" presetClass="entr" presetID="10" presetSubtype="0">
+                                <p:cTn id="5" presetID="10" presetClass="entr" presetSubtype="0" fill="hold" nodeType="clickEffect">
                                   <p:stCondLst>
                                     <p:cond delay="0"/>
                                   </p:stCondLst>
                                   <p:childTnLst>
                                     <p:set>
                                       <p:cBhvr>
-                                        <p:cTn dur="1" fill="hold">
+                                        <p:cTn id="6" dur="1" fill="hold">
                                           <p:stCondLst>
                                             <p:cond delay="0"/>
                                           </p:stCondLst>
@@ -7088,7 +7132,7 @@
                                         <p:tgtEl>
                                           <p:spTgt spid="68">
                                             <p:txEl>
-                                              <p:pRg end="0" st="0"/>
+                                              <p:pRg st="0" end="0"/>
                                             </p:txEl>
                                           </p:spTgt>
                                         </p:tgtEl>
@@ -7100,13 +7144,13 @@
                                         <p:strVal val="visible"/>
                                       </p:to>
                                     </p:set>
-                                    <p:animEffect filter="fade" transition="in">
+                                    <p:animEffect transition="in" filter="fade">
                                       <p:cBhvr>
-                                        <p:cTn dur="1000"/>
+                                        <p:cTn id="7" dur="1000"/>
                                         <p:tgtEl>
                                           <p:spTgt spid="68">
                                             <p:txEl>
-                                              <p:pRg end="0" st="0"/>
+                                              <p:pRg st="0" end="0"/>
                                             </p:txEl>
                                           </p:spTgt>
                                         </p:tgtEl>
@@ -7122,26 +7166,26 @@
                     </p:cTn>
                   </p:par>
                   <p:par>
-                    <p:cTn fill="hold">
+                    <p:cTn id="8" fill="hold">
                       <p:stCondLst>
                         <p:cond delay="indefinite"/>
                       </p:stCondLst>
                       <p:childTnLst>
                         <p:par>
-                          <p:cTn fill="hold">
+                          <p:cTn id="9" fill="hold">
                             <p:stCondLst>
                               <p:cond delay="0"/>
                             </p:stCondLst>
                             <p:childTnLst>
                               <p:par>
-                                <p:cTn fill="hold" nodeType="clickEffect" presetClass="entr" presetID="10" presetSubtype="0">
+                                <p:cTn id="10" presetID="10" presetClass="entr" presetSubtype="0" fill="hold" nodeType="clickEffect">
                                   <p:stCondLst>
                                     <p:cond delay="0"/>
                                   </p:stCondLst>
                                   <p:childTnLst>
                                     <p:set>
                                       <p:cBhvr>
-                                        <p:cTn dur="1" fill="hold">
+                                        <p:cTn id="11" dur="1" fill="hold">
                                           <p:stCondLst>
                                             <p:cond delay="0"/>
                                           </p:stCondLst>
@@ -7149,7 +7193,7 @@
                                         <p:tgtEl>
                                           <p:spTgt spid="68">
                                             <p:txEl>
-                                              <p:pRg end="1" st="1"/>
+                                              <p:pRg st="1" end="1"/>
                                             </p:txEl>
                                           </p:spTgt>
                                         </p:tgtEl>
@@ -7161,13 +7205,13 @@
                                         <p:strVal val="visible"/>
                                       </p:to>
                                     </p:set>
-                                    <p:animEffect filter="fade" transition="in">
+                                    <p:animEffect transition="in" filter="fade">
                                       <p:cBhvr>
-                                        <p:cTn dur="1000"/>
+                                        <p:cTn id="12" dur="1000"/>
                                         <p:tgtEl>
                                           <p:spTgt spid="68">
                                             <p:txEl>
-                                              <p:pRg end="1" st="1"/>
+                                              <p:pRg st="1" end="1"/>
                                             </p:txEl>
                                           </p:spTgt>
                                         </p:tgtEl>
@@ -7183,26 +7227,26 @@
                     </p:cTn>
                   </p:par>
                   <p:par>
-                    <p:cTn fill="hold">
+                    <p:cTn id="13" fill="hold">
                       <p:stCondLst>
                         <p:cond delay="indefinite"/>
                       </p:stCondLst>
                       <p:childTnLst>
                         <p:par>
-                          <p:cTn fill="hold">
+                          <p:cTn id="14" fill="hold">
                             <p:stCondLst>
                               <p:cond delay="0"/>
                             </p:stCondLst>
                             <p:childTnLst>
                               <p:par>
-                                <p:cTn fill="hold" nodeType="clickEffect" presetClass="entr" presetID="10" presetSubtype="0">
+                                <p:cTn id="15" presetID="10" presetClass="entr" presetSubtype="0" fill="hold" nodeType="clickEffect">
                                   <p:stCondLst>
                                     <p:cond delay="0"/>
                                   </p:stCondLst>
                                   <p:childTnLst>
                                     <p:set>
                                       <p:cBhvr>
-                                        <p:cTn dur="1" fill="hold">
+                                        <p:cTn id="16" dur="1" fill="hold">
                                           <p:stCondLst>
                                             <p:cond delay="0"/>
                                           </p:stCondLst>
@@ -7210,7 +7254,7 @@
                                         <p:tgtEl>
                                           <p:spTgt spid="68">
                                             <p:txEl>
-                                              <p:pRg end="2" st="2"/>
+                                              <p:pRg st="2" end="2"/>
                                             </p:txEl>
                                           </p:spTgt>
                                         </p:tgtEl>
@@ -7222,13 +7266,13 @@
                                         <p:strVal val="visible"/>
                                       </p:to>
                                     </p:set>
-                                    <p:animEffect filter="fade" transition="in">
+                                    <p:animEffect transition="in" filter="fade">
                                       <p:cBhvr>
-                                        <p:cTn dur="1000"/>
+                                        <p:cTn id="17" dur="1000"/>
                                         <p:tgtEl>
                                           <p:spTgt spid="68">
                                             <p:txEl>
-                                              <p:pRg end="2" st="2"/>
+                                              <p:pRg st="2" end="2"/>
                                             </p:txEl>
                                           </p:spTgt>
                                         </p:tgtEl>
@@ -7244,26 +7288,26 @@
                     </p:cTn>
                   </p:par>
                   <p:par>
-                    <p:cTn fill="hold">
+                    <p:cTn id="18" fill="hold">
                       <p:stCondLst>
                         <p:cond delay="indefinite"/>
                       </p:stCondLst>
                       <p:childTnLst>
                         <p:par>
-                          <p:cTn fill="hold">
+                          <p:cTn id="19" fill="hold">
                             <p:stCondLst>
                               <p:cond delay="0"/>
                             </p:stCondLst>
                             <p:childTnLst>
                               <p:par>
-                                <p:cTn fill="hold" nodeType="clickEffect" presetClass="entr" presetID="10" presetSubtype="0">
+                                <p:cTn id="20" presetID="10" presetClass="entr" presetSubtype="0" fill="hold" nodeType="clickEffect">
                                   <p:stCondLst>
                                     <p:cond delay="0"/>
                                   </p:stCondLst>
                                   <p:childTnLst>
                                     <p:set>
                                       <p:cBhvr>
-                                        <p:cTn dur="1" fill="hold">
+                                        <p:cTn id="21" dur="1" fill="hold">
                                           <p:stCondLst>
                                             <p:cond delay="0"/>
                                           </p:stCondLst>
@@ -7279,9 +7323,9 @@
                                         <p:strVal val="visible"/>
                                       </p:to>
                                     </p:set>
-                                    <p:animEffect filter="fade" transition="in">
+                                    <p:animEffect transition="in" filter="fade">
                                       <p:cBhvr>
-                                        <p:cTn dur="1000"/>
+                                        <p:cTn id="22" dur="1000"/>
                                         <p:tgtEl>
                                           <p:spTgt spid="70"/>
                                         </p:tgtEl>
@@ -7297,26 +7341,26 @@
                     </p:cTn>
                   </p:par>
                   <p:par>
-                    <p:cTn fill="hold">
+                    <p:cTn id="23" fill="hold">
                       <p:stCondLst>
                         <p:cond delay="indefinite"/>
                       </p:stCondLst>
                       <p:childTnLst>
                         <p:par>
-                          <p:cTn fill="hold">
+                          <p:cTn id="24" fill="hold">
                             <p:stCondLst>
                               <p:cond delay="0"/>
                             </p:stCondLst>
                             <p:childTnLst>
                               <p:par>
-                                <p:cTn fill="hold" nodeType="clickEffect" presetClass="entr" presetID="10" presetSubtype="0">
+                                <p:cTn id="25" presetID="10" presetClass="entr" presetSubtype="0" fill="hold" nodeType="clickEffect">
                                   <p:stCondLst>
                                     <p:cond delay="0"/>
                                   </p:stCondLst>
                                   <p:childTnLst>
                                     <p:set>
                                       <p:cBhvr>
-                                        <p:cTn dur="1" fill="hold">
+                                        <p:cTn id="26" dur="1" fill="hold">
                                           <p:stCondLst>
                                             <p:cond delay="0"/>
                                           </p:stCondLst>
@@ -7332,9 +7376,9 @@
                                         <p:strVal val="visible"/>
                                       </p:to>
                                     </p:set>
-                                    <p:animEffect filter="fade" transition="in">
+                                    <p:animEffect transition="in" filter="fade">
                                       <p:cBhvr>
-                                        <p:cTn dur="1000"/>
+                                        <p:cTn id="27" dur="1000"/>
                                         <p:tgtEl>
                                           <p:spTgt spid="71"/>
                                         </p:tgtEl>
@@ -7350,26 +7394,26 @@
                     </p:cTn>
                   </p:par>
                   <p:par>
-                    <p:cTn fill="hold">
+                    <p:cTn id="28" fill="hold">
                       <p:stCondLst>
                         <p:cond delay="indefinite"/>
                       </p:stCondLst>
                       <p:childTnLst>
                         <p:par>
-                          <p:cTn fill="hold">
+                          <p:cTn id="29" fill="hold">
                             <p:stCondLst>
                               <p:cond delay="0"/>
                             </p:stCondLst>
                             <p:childTnLst>
                               <p:par>
-                                <p:cTn fill="hold" nodeType="clickEffect" presetClass="entr" presetID="10" presetSubtype="0">
+                                <p:cTn id="30" presetID="10" presetClass="entr" presetSubtype="0" fill="hold" nodeType="clickEffect">
                                   <p:stCondLst>
                                     <p:cond delay="0"/>
                                   </p:stCondLst>
                                   <p:childTnLst>
                                     <p:set>
                                       <p:cBhvr>
-                                        <p:cTn dur="1" fill="hold">
+                                        <p:cTn id="31" dur="1" fill="hold">
                                           <p:stCondLst>
                                             <p:cond delay="0"/>
                                           </p:stCondLst>
@@ -7385,9 +7429,9 @@
                                         <p:strVal val="visible"/>
                                       </p:to>
                                     </p:set>
-                                    <p:animEffect filter="fade" transition="in">
+                                    <p:animEffect transition="in" filter="fade">
                                       <p:cBhvr>
-                                        <p:cTn dur="1000"/>
+                                        <p:cTn id="32" dur="1000"/>
                                         <p:tgtEl>
                                           <p:spTgt spid="72"/>
                                         </p:tgtEl>
@@ -7403,26 +7447,26 @@
                     </p:cTn>
                   </p:par>
                   <p:par>
-                    <p:cTn fill="hold">
+                    <p:cTn id="33" fill="hold">
                       <p:stCondLst>
                         <p:cond delay="indefinite"/>
                       </p:stCondLst>
                       <p:childTnLst>
                         <p:par>
-                          <p:cTn fill="hold">
+                          <p:cTn id="34" fill="hold">
                             <p:stCondLst>
                               <p:cond delay="0"/>
                             </p:stCondLst>
                             <p:childTnLst>
                               <p:par>
-                                <p:cTn fill="hold" nodeType="clickEffect" presetClass="entr" presetID="10" presetSubtype="0">
+                                <p:cTn id="35" presetID="10" presetClass="entr" presetSubtype="0" fill="hold" nodeType="clickEffect">
                                   <p:stCondLst>
                                     <p:cond delay="0"/>
                                   </p:stCondLst>
                                   <p:childTnLst>
                                     <p:set>
                                       <p:cBhvr>
-                                        <p:cTn dur="1" fill="hold">
+                                        <p:cTn id="36" dur="1" fill="hold">
                                           <p:stCondLst>
                                             <p:cond delay="0"/>
                                           </p:stCondLst>
@@ -7438,9 +7482,9 @@
                                         <p:strVal val="visible"/>
                                       </p:to>
                                     </p:set>
-                                    <p:animEffect filter="fade" transition="in">
+                                    <p:animEffect transition="in" filter="fade">
                                       <p:cBhvr>
-                                        <p:cTn dur="1000"/>
+                                        <p:cTn id="37" dur="1000"/>
                                         <p:tgtEl>
                                           <p:spTgt spid="73"/>
                                         </p:tgtEl>
@@ -7456,26 +7500,26 @@
                     </p:cTn>
                   </p:par>
                   <p:par>
-                    <p:cTn fill="hold">
+                    <p:cTn id="38" fill="hold">
                       <p:stCondLst>
                         <p:cond delay="indefinite"/>
                       </p:stCondLst>
                       <p:childTnLst>
                         <p:par>
-                          <p:cTn fill="hold">
+                          <p:cTn id="39" fill="hold">
                             <p:stCondLst>
                               <p:cond delay="0"/>
                             </p:stCondLst>
                             <p:childTnLst>
                               <p:par>
-                                <p:cTn fill="hold" nodeType="clickEffect" presetClass="entr" presetID="10" presetSubtype="0">
+                                <p:cTn id="40" presetID="10" presetClass="entr" presetSubtype="0" fill="hold" nodeType="clickEffect">
                                   <p:stCondLst>
                                     <p:cond delay="0"/>
                                   </p:stCondLst>
                                   <p:childTnLst>
                                     <p:set>
                                       <p:cBhvr>
-                                        <p:cTn dur="1" fill="hold">
+                                        <p:cTn id="41" dur="1" fill="hold">
                                           <p:stCondLst>
                                             <p:cond delay="0"/>
                                           </p:stCondLst>
@@ -7491,9 +7535,9 @@
                                         <p:strVal val="visible"/>
                                       </p:to>
                                     </p:set>
-                                    <p:animEffect filter="fade" transition="in">
+                                    <p:animEffect transition="in" filter="fade">
                                       <p:cBhvr>
-                                        <p:cTn dur="1000"/>
+                                        <p:cTn id="42" dur="1000"/>
                                         <p:tgtEl>
                                           <p:spTgt spid="74"/>
                                         </p:tgtEl>
@@ -7511,14 +7555,14 @@
                 </p:childTnLst>
               </p:cTn>
               <p:prevCondLst>
-                <p:cond evt="onPrev">
+                <p:cond evt="onPrev" delay="0">
                   <p:tgtEl>
                     <p:sldTgt/>
                   </p:tgtEl>
                 </p:cond>
               </p:prevCondLst>
               <p:nextCondLst>
-                <p:cond evt="onNext">
+                <p:cond evt="onNext" delay="0">
                   <p:tgtEl>
                     <p:sldTgt/>
                   </p:tgtEl>
@@ -7534,11 +7578,11 @@
 </file>
 
 <file path=ppt/slides/slide6.xml><?xml version="1.0" encoding="utf-8"?>
-<p:sld xmlns:a="http://schemas.openxmlformats.org/drawingml/2006/main" xmlns:r="http://schemas.openxmlformats.org/officeDocument/2006/relationships" xmlns:mc="http://schemas.openxmlformats.org/markup-compatibility/2006" xmlns:mv="urn:schemas-microsoft-com:mac:vml" xmlns:p="http://schemas.openxmlformats.org/presentationml/2006/main" xmlns:c="http://schemas.openxmlformats.org/drawingml/2006/chart" xmlns:dgm="http://schemas.openxmlformats.org/drawingml/2006/diagram" xmlns:o="urn:schemas-microsoft-com:office:office" xmlns:v="urn:schemas-microsoft-com:vml" xmlns:pvml="urn:schemas-microsoft-com:office:powerpoint" xmlns:com="http://schemas.openxmlformats.org/drawingml/2006/compatibility" xmlns:p14="http://schemas.microsoft.com/office/powerpoint/2010/main">
+<p:sld xmlns:a="http://schemas.openxmlformats.org/drawingml/2006/main" xmlns:r="http://schemas.openxmlformats.org/officeDocument/2006/relationships" xmlns:p="http://schemas.openxmlformats.org/presentationml/2006/main">
   <p:cSld>
     <p:spTree>
       <p:nvGrpSpPr>
-        <p:cNvPr id="78" name="Shape 78"/>
+        <p:cNvPr id="1" name="Shape 78"/>
         <p:cNvGrpSpPr/>
         <p:nvPr/>
       </p:nvGrpSpPr>
@@ -7553,7 +7597,9 @@
       <p:sp>
         <p:nvSpPr>
           <p:cNvPr id="79" name="Shape 79"/>
-          <p:cNvSpPr txBox="1"/>
+          <p:cNvSpPr txBox="1">
+            <a:spLocks noGrp="1"/>
+          </p:cNvSpPr>
           <p:nvPr>
             <p:ph type="title"/>
           </p:nvPr>
@@ -7572,12 +7618,12 @@
           </a:ln>
         </p:spPr>
         <p:txBody>
-          <a:bodyPr anchorCtr="0" anchor="t" bIns="91425" lIns="91425" rIns="91425" tIns="91425">
+          <a:bodyPr lIns="91425" tIns="91425" rIns="91425" bIns="91425" anchor="t" anchorCtr="0">
             <a:noAutofit/>
           </a:bodyPr>
           <a:lstStyle/>
           <a:p>
-            <a:pPr indent="0" lvl="0" marL="0" marR="0" rtl="0" algn="l">
+            <a:pPr marL="0" marR="0" lvl="0" indent="0" algn="l" rtl="0">
               <a:spcBef>
                 <a:spcPts val="0"/>
               </a:spcBef>
@@ -7592,7 +7638,7 @@
               <a:buNone/>
             </a:pPr>
             <a:r>
-              <a:rPr b="0" i="0" lang="en-US" sz="3600" u="none" cap="none" strike="noStrike">
+              <a:rPr lang="en-US" sz="3600" b="0" i="0" u="none" strike="noStrike" cap="none">
                 <a:solidFill>
                   <a:schemeClr val="accent1"/>
                 </a:solidFill>
@@ -7609,9 +7655,11 @@
       <p:sp>
         <p:nvSpPr>
           <p:cNvPr id="80" name="Shape 80"/>
-          <p:cNvSpPr txBox="1"/>
+          <p:cNvSpPr txBox="1">
+            <a:spLocks noGrp="1"/>
+          </p:cNvSpPr>
           <p:nvPr>
-            <p:ph idx="1" type="body"/>
+            <p:ph type="body" idx="1"/>
           </p:nvPr>
         </p:nvSpPr>
         <p:spPr>
@@ -7628,12 +7676,12 @@
           </a:ln>
         </p:spPr>
         <p:txBody>
-          <a:bodyPr anchorCtr="0" anchor="t" bIns="45700" lIns="91425" rIns="91425" tIns="45700">
+          <a:bodyPr lIns="91425" tIns="45700" rIns="91425" bIns="45700" anchor="t" anchorCtr="0">
             <a:noAutofit/>
           </a:bodyPr>
           <a:lstStyle/>
           <a:p>
-            <a:pPr indent="0" lvl="0" marL="0" marR="0" rtl="0" algn="l">
+            <a:pPr marL="0" marR="0" lvl="0" indent="0" algn="l" rtl="0">
               <a:spcBef>
                 <a:spcPts val="0"/>
               </a:spcBef>
@@ -7647,10 +7695,7 @@
               <a:buFont typeface="Arial"/>
               <a:buNone/>
             </a:pPr>
-            <a:r>
-              <a:t/>
-            </a:r>
-            <a:endParaRPr b="0" i="0" sz="2800" u="none" cap="none" strike="noStrike">
+            <a:endParaRPr sz="2800" b="0" i="0" u="none" strike="noStrike" cap="none">
               <a:solidFill>
                 <a:schemeClr val="dk1"/>
               </a:solidFill>
@@ -7661,7 +7706,7 @@
             </a:endParaRPr>
           </a:p>
           <a:p>
-            <a:pPr indent="-342900" lvl="0" marL="342900" marR="0" rtl="0" algn="l">
+            <a:pPr marL="342900" marR="0" lvl="0" indent="-342900" algn="l" rtl="0">
               <a:spcBef>
                 <a:spcPts val="480"/>
               </a:spcBef>
@@ -7681,7 +7726,7 @@
             </a:r>
           </a:p>
           <a:p>
-            <a:pPr indent="0" lvl="0" rtl="0">
+            <a:pPr lvl="0" indent="0" rtl="0">
               <a:spcBef>
                 <a:spcPts val="480"/>
               </a:spcBef>
@@ -7693,12 +7738,12 @@
               <a:buChar char="•"/>
             </a:pPr>
             <a:r>
-              <a:rPr b="1" lang="en-US" sz="2400"/>
+              <a:rPr lang="en-US" sz="2400" b="1"/>
               <a:t>Actuator Endpoints/Features</a:t>
             </a:r>
           </a:p>
           <a:p>
-            <a:pPr indent="-342900" lvl="0" marL="342900" marR="0" rtl="0" algn="l">
+            <a:pPr marL="342900" marR="0" lvl="0" indent="-342900" algn="l" rtl="0">
               <a:spcBef>
                 <a:spcPts val="480"/>
               </a:spcBef>
@@ -7739,20 +7784,17 @@
           </a:ln>
         </p:spPr>
         <p:txBody>
-          <a:bodyPr anchorCtr="0" anchor="t" bIns="45700" lIns="91425" rIns="91425" tIns="45700">
+          <a:bodyPr lIns="91425" tIns="45700" rIns="91425" bIns="45700" anchor="t" anchorCtr="0">
             <a:noAutofit/>
           </a:bodyPr>
           <a:lstStyle/>
           <a:p>
-            <a:pPr indent="0" lvl="0" marL="0" marR="0" rtl="0" algn="l">
+            <a:pPr marL="0" marR="0" lvl="0" indent="0" algn="l" rtl="0">
               <a:spcBef>
                 <a:spcPts val="0"/>
               </a:spcBef>
               <a:buNone/>
             </a:pPr>
-            <a:r>
-              <a:t/>
-            </a:r>
             <a:endParaRPr sz="1800">
               <a:solidFill>
                 <a:schemeClr val="dk1"/>
@@ -7774,11 +7816,11 @@
 </file>
 
 <file path=ppt/slides/slide7.xml><?xml version="1.0" encoding="utf-8"?>
-<p:sld xmlns:a="http://schemas.openxmlformats.org/drawingml/2006/main" xmlns:r="http://schemas.openxmlformats.org/officeDocument/2006/relationships" xmlns:mc="http://schemas.openxmlformats.org/markup-compatibility/2006" xmlns:mv="urn:schemas-microsoft-com:mac:vml" xmlns:p="http://schemas.openxmlformats.org/presentationml/2006/main" xmlns:c="http://schemas.openxmlformats.org/drawingml/2006/chart" xmlns:dgm="http://schemas.openxmlformats.org/drawingml/2006/diagram" xmlns:o="urn:schemas-microsoft-com:office:office" xmlns:v="urn:schemas-microsoft-com:vml" xmlns:pvml="urn:schemas-microsoft-com:office:powerpoint" xmlns:com="http://schemas.openxmlformats.org/drawingml/2006/compatibility" xmlns:p14="http://schemas.microsoft.com/office/powerpoint/2010/main">
+<p:sld xmlns:a="http://schemas.openxmlformats.org/drawingml/2006/main" xmlns:r="http://schemas.openxmlformats.org/officeDocument/2006/relationships" xmlns:p="http://schemas.openxmlformats.org/presentationml/2006/main">
   <p:cSld>
     <p:spTree>
       <p:nvGrpSpPr>
-        <p:cNvPr id="85" name="Shape 85"/>
+        <p:cNvPr id="1" name="Shape 85"/>
         <p:cNvGrpSpPr/>
         <p:nvPr/>
       </p:nvGrpSpPr>
@@ -7793,7 +7835,9 @@
       <p:sp>
         <p:nvSpPr>
           <p:cNvPr id="86" name="Shape 86"/>
-          <p:cNvSpPr txBox="1"/>
+          <p:cNvSpPr txBox="1">
+            <a:spLocks noGrp="1"/>
+          </p:cNvSpPr>
           <p:nvPr>
             <p:ph type="title"/>
           </p:nvPr>
@@ -7812,12 +7856,12 @@
           </a:ln>
         </p:spPr>
         <p:txBody>
-          <a:bodyPr anchorCtr="0" anchor="t" bIns="91425" lIns="91425" rIns="91425" tIns="91425">
+          <a:bodyPr lIns="91425" tIns="91425" rIns="91425" bIns="91425" anchor="t" anchorCtr="0">
             <a:noAutofit/>
           </a:bodyPr>
           <a:lstStyle/>
           <a:p>
-            <a:pPr indent="0" lvl="0" marL="0" marR="0" rtl="0" algn="l">
+            <a:pPr marL="0" marR="0" lvl="0" indent="0" algn="l" rtl="0">
               <a:spcBef>
                 <a:spcPts val="0"/>
               </a:spcBef>
@@ -7845,9 +7889,11 @@
       <p:sp>
         <p:nvSpPr>
           <p:cNvPr id="87" name="Shape 87"/>
-          <p:cNvSpPr txBox="1"/>
+          <p:cNvSpPr txBox="1">
+            <a:spLocks noGrp="1"/>
+          </p:cNvSpPr>
           <p:nvPr>
-            <p:ph idx="1" type="body"/>
+            <p:ph type="body" idx="1"/>
           </p:nvPr>
         </p:nvSpPr>
         <p:spPr>
@@ -7864,12 +7910,12 @@
           </a:ln>
         </p:spPr>
         <p:txBody>
-          <a:bodyPr anchorCtr="0" anchor="t" bIns="45700" lIns="91425" rIns="91425" tIns="45700">
+          <a:bodyPr lIns="91425" tIns="45700" rIns="91425" bIns="45700" anchor="t" anchorCtr="0">
             <a:noAutofit/>
           </a:bodyPr>
           <a:lstStyle/>
           <a:p>
-            <a:pPr indent="0" lvl="0" marL="0" marR="0" rtl="0" algn="l">
+            <a:pPr marL="0" marR="0" lvl="0" indent="0" algn="l" rtl="0">
               <a:spcBef>
                 <a:spcPts val="0"/>
               </a:spcBef>
@@ -7883,10 +7929,7 @@
               <a:buFont typeface="Arial"/>
               <a:buNone/>
             </a:pPr>
-            <a:r>
-              <a:t/>
-            </a:r>
-            <a:endParaRPr b="0" i="0" sz="2800" u="none" cap="none" strike="noStrike">
+            <a:endParaRPr sz="2800" b="0" i="0" u="none" strike="noStrike" cap="none">
               <a:solidFill>
                 <a:schemeClr val="dk1"/>
               </a:solidFill>
@@ -7897,7 +7940,7 @@
             </a:endParaRPr>
           </a:p>
           <a:p>
-            <a:pPr indent="-342900" lvl="0" marL="342900" marR="0" rtl="0" algn="l">
+            <a:pPr marL="342900" marR="0" lvl="0" indent="-342900" algn="l" rtl="0">
               <a:spcBef>
                 <a:spcPts val="480"/>
               </a:spcBef>
@@ -7912,7 +7955,7 @@
               <a:buChar char="•"/>
             </a:pPr>
             <a:r>
-              <a:rPr b="0" i="0" lang="en-US" sz="2400" u="none" cap="none" strike="noStrike">
+              <a:rPr lang="en-US" sz="2400" b="0" i="0" u="none" strike="noStrike" cap="none">
                 <a:solidFill>
                   <a:schemeClr val="dk1"/>
                 </a:solidFill>
@@ -7929,7 +7972,7 @@
             </a:r>
           </a:p>
           <a:p>
-            <a:pPr indent="431800" lvl="1" marR="0" rtl="0" algn="l">
+            <a:pPr marR="0" lvl="1" indent="431800" algn="l" rtl="0">
               <a:spcBef>
                 <a:spcPts val="480"/>
               </a:spcBef>
@@ -7949,7 +7992,7 @@
             </a:r>
           </a:p>
           <a:p>
-            <a:pPr indent="431800" lvl="1" marR="0" rtl="0" algn="l">
+            <a:pPr marR="0" lvl="1" indent="431800" algn="l" rtl="0">
               <a:spcBef>
                 <a:spcPts val="480"/>
               </a:spcBef>
@@ -7969,7 +8012,7 @@
             </a:r>
           </a:p>
           <a:p>
-            <a:pPr indent="431800" lvl="1" marR="0" rtl="0" algn="l">
+            <a:pPr marR="0" lvl="1" indent="431800" algn="l" rtl="0">
               <a:spcBef>
                 <a:spcPts val="480"/>
               </a:spcBef>
@@ -7989,7 +8032,7 @@
             </a:r>
           </a:p>
           <a:p>
-            <a:pPr indent="431800" lvl="1" marR="0" rtl="0" algn="l">
+            <a:pPr marR="0" lvl="1" indent="431800" algn="l" rtl="0">
               <a:spcBef>
                 <a:spcPts val="480"/>
               </a:spcBef>
@@ -8009,7 +8052,7 @@
             </a:r>
           </a:p>
           <a:p>
-            <a:pPr indent="431800" lvl="1" marR="0" rtl="0" algn="l">
+            <a:pPr marR="0" lvl="1" indent="431800" algn="l" rtl="0">
               <a:spcBef>
                 <a:spcPts val="480"/>
               </a:spcBef>
@@ -8029,7 +8072,7 @@
             </a:r>
           </a:p>
           <a:p>
-            <a:pPr indent="0" lvl="0" marL="0" marR="0" rtl="0" algn="l">
+            <a:pPr marL="0" marR="0" lvl="0" indent="0" algn="l" rtl="0">
               <a:spcBef>
                 <a:spcPts val="280"/>
               </a:spcBef>
@@ -8040,9 +8083,6 @@
               <a:buFont typeface="Arial"/>
               <a:buNone/>
             </a:pPr>
-            <a:r>
-              <a:t/>
-            </a:r>
             <a:endParaRPr/>
           </a:p>
         </p:txBody>
@@ -8067,20 +8107,17 @@
           </a:ln>
         </p:spPr>
         <p:txBody>
-          <a:bodyPr anchorCtr="0" anchor="t" bIns="45700" lIns="91425" rIns="91425" tIns="45700">
+          <a:bodyPr lIns="91425" tIns="45700" rIns="91425" bIns="45700" anchor="t" anchorCtr="0">
             <a:noAutofit/>
           </a:bodyPr>
           <a:lstStyle/>
           <a:p>
-            <a:pPr indent="0" lvl="0" marL="0" marR="0" rtl="0" algn="l">
+            <a:pPr marL="0" marR="0" lvl="0" indent="0" algn="l" rtl="0">
               <a:spcBef>
                 <a:spcPts val="0"/>
               </a:spcBef>
               <a:buNone/>
             </a:pPr>
-            <a:r>
-              <a:t/>
-            </a:r>
             <a:endParaRPr sz="1800">
               <a:solidFill>
                 <a:schemeClr val="dk1"/>
@@ -8129,32 +8166,32 @@
   <p:timing>
     <p:tnLst>
       <p:par>
-        <p:cTn dur="indefinite" nodeType="tmRoot" restart="never">
+        <p:cTn xmlns:p14="http://schemas.microsoft.com/office/powerpoint/2010/main" id="1" dur="indefinite" restart="never" nodeType="tmRoot">
           <p:childTnLst>
             <p:seq concurrent="1" nextAc="seek">
-              <p:cTn dur="indefinite" id="2" nodeType="mainSeq">
+              <p:cTn id="2" dur="indefinite" nodeType="mainSeq">
                 <p:childTnLst>
                   <p:par>
-                    <p:cTn fill="hold">
+                    <p:cTn id="3" fill="hold">
                       <p:stCondLst>
                         <p:cond delay="indefinite"/>
                       </p:stCondLst>
                       <p:childTnLst>
                         <p:par>
-                          <p:cTn fill="hold">
+                          <p:cTn id="4" fill="hold">
                             <p:stCondLst>
                               <p:cond delay="0"/>
                             </p:stCondLst>
                             <p:childTnLst>
                               <p:par>
-                                <p:cTn fill="hold" nodeType="clickEffect" presetClass="entr" presetID="2" presetSubtype="2">
+                                <p:cTn id="5" presetID="2" presetClass="entr" presetSubtype="2" fill="hold" nodeType="clickEffect">
                                   <p:stCondLst>
                                     <p:cond delay="0"/>
                                   </p:stCondLst>
                                   <p:childTnLst>
                                     <p:set>
                                       <p:cBhvr>
-                                        <p:cTn dur="1" fill="hold">
+                                        <p:cTn id="6" dur="1" fill="hold">
                                           <p:stCondLst>
                                             <p:cond delay="0"/>
                                           </p:stCondLst>
@@ -8172,7 +8209,7 @@
                                     </p:set>
                                     <p:anim calcmode="lin" valueType="num">
                                       <p:cBhvr additive="base">
-                                        <p:cTn dur="1000"/>
+                                        <p:cTn id="7" dur="1000"/>
                                         <p:tgtEl>
                                           <p:spTgt spid="89"/>
                                         </p:tgtEl>
@@ -8181,12 +8218,12 @@
                                         </p:attrNameLst>
                                       </p:cBhvr>
                                       <p:tavLst>
-                                        <p:tav fmla="" tm="0">
+                                        <p:tav tm="0">
                                           <p:val>
                                             <p:strVal val="#ppt_x+1"/>
                                           </p:val>
                                         </p:tav>
-                                        <p:tav fmla="" tm="100000">
+                                        <p:tav tm="100000">
                                           <p:val>
                                             <p:strVal val="#ppt_x"/>
                                           </p:val>
@@ -8203,26 +8240,26 @@
                     </p:cTn>
                   </p:par>
                   <p:par>
-                    <p:cTn fill="hold">
+                    <p:cTn id="8" fill="hold">
                       <p:stCondLst>
                         <p:cond delay="indefinite"/>
                       </p:stCondLst>
                       <p:childTnLst>
                         <p:par>
-                          <p:cTn fill="hold">
+                          <p:cTn id="9" fill="hold">
                             <p:stCondLst>
                               <p:cond delay="0"/>
                             </p:stCondLst>
                             <p:childTnLst>
                               <p:par>
-                                <p:cTn fill="hold" nodeType="clickEffect" presetClass="entr" presetID="10" presetSubtype="0">
+                                <p:cTn id="10" presetID="10" presetClass="entr" presetSubtype="0" fill="hold" nodeType="clickEffect">
                                   <p:stCondLst>
                                     <p:cond delay="0"/>
                                   </p:stCondLst>
                                   <p:childTnLst>
                                     <p:set>
                                       <p:cBhvr>
-                                        <p:cTn dur="1" fill="hold">
+                                        <p:cTn id="11" dur="1" fill="hold">
                                           <p:stCondLst>
                                             <p:cond delay="0"/>
                                           </p:stCondLst>
@@ -8230,7 +8267,7 @@
                                         <p:tgtEl>
                                           <p:spTgt spid="87">
                                             <p:txEl>
-                                              <p:pRg end="0" st="0"/>
+                                              <p:pRg st="0" end="0"/>
                                             </p:txEl>
                                           </p:spTgt>
                                         </p:tgtEl>
@@ -8242,13 +8279,13 @@
                                         <p:strVal val="visible"/>
                                       </p:to>
                                     </p:set>
-                                    <p:animEffect filter="fade" transition="in">
+                                    <p:animEffect transition="in" filter="fade">
                                       <p:cBhvr>
-                                        <p:cTn dur="1000"/>
+                                        <p:cTn id="12" dur="1000"/>
                                         <p:tgtEl>
                                           <p:spTgt spid="87">
                                             <p:txEl>
-                                              <p:pRg end="0" st="0"/>
+                                              <p:pRg st="0" end="0"/>
                                             </p:txEl>
                                           </p:spTgt>
                                         </p:tgtEl>
@@ -8264,26 +8301,26 @@
                     </p:cTn>
                   </p:par>
                   <p:par>
-                    <p:cTn fill="hold">
+                    <p:cTn id="13" fill="hold">
                       <p:stCondLst>
                         <p:cond delay="indefinite"/>
                       </p:stCondLst>
                       <p:childTnLst>
                         <p:par>
-                          <p:cTn fill="hold">
+                          <p:cTn id="14" fill="hold">
                             <p:stCondLst>
                               <p:cond delay="0"/>
                             </p:stCondLst>
                             <p:childTnLst>
                               <p:par>
-                                <p:cTn fill="hold" nodeType="clickEffect" presetClass="entr" presetID="10" presetSubtype="0">
+                                <p:cTn id="15" presetID="10" presetClass="entr" presetSubtype="0" fill="hold" nodeType="clickEffect">
                                   <p:stCondLst>
                                     <p:cond delay="0"/>
                                   </p:stCondLst>
                                   <p:childTnLst>
                                     <p:set>
                                       <p:cBhvr>
-                                        <p:cTn dur="1" fill="hold">
+                                        <p:cTn id="16" dur="1" fill="hold">
                                           <p:stCondLst>
                                             <p:cond delay="0"/>
                                           </p:stCondLst>
@@ -8291,7 +8328,7 @@
                                         <p:tgtEl>
                                           <p:spTgt spid="87">
                                             <p:txEl>
-                                              <p:pRg end="1" st="1"/>
+                                              <p:pRg st="1" end="1"/>
                                             </p:txEl>
                                           </p:spTgt>
                                         </p:tgtEl>
@@ -8303,13 +8340,13 @@
                                         <p:strVal val="visible"/>
                                       </p:to>
                                     </p:set>
-                                    <p:animEffect filter="fade" transition="in">
+                                    <p:animEffect transition="in" filter="fade">
                                       <p:cBhvr>
-                                        <p:cTn dur="1000"/>
+                                        <p:cTn id="17" dur="1000"/>
                                         <p:tgtEl>
                                           <p:spTgt spid="87">
                                             <p:txEl>
-                                              <p:pRg end="1" st="1"/>
+                                              <p:pRg st="1" end="1"/>
                                             </p:txEl>
                                           </p:spTgt>
                                         </p:tgtEl>
@@ -8325,26 +8362,26 @@
                     </p:cTn>
                   </p:par>
                   <p:par>
-                    <p:cTn fill="hold">
+                    <p:cTn id="18" fill="hold">
                       <p:stCondLst>
                         <p:cond delay="indefinite"/>
                       </p:stCondLst>
                       <p:childTnLst>
                         <p:par>
-                          <p:cTn fill="hold">
+                          <p:cTn id="19" fill="hold">
                             <p:stCondLst>
                               <p:cond delay="0"/>
                             </p:stCondLst>
                             <p:childTnLst>
                               <p:par>
-                                <p:cTn fill="hold" nodeType="clickEffect" presetClass="entr" presetID="10" presetSubtype="0">
+                                <p:cTn id="20" presetID="10" presetClass="entr" presetSubtype="0" fill="hold" nodeType="clickEffect">
                                   <p:stCondLst>
                                     <p:cond delay="0"/>
                                   </p:stCondLst>
                                   <p:childTnLst>
                                     <p:set>
                                       <p:cBhvr>
-                                        <p:cTn dur="1" fill="hold">
+                                        <p:cTn id="21" dur="1" fill="hold">
                                           <p:stCondLst>
                                             <p:cond delay="0"/>
                                           </p:stCondLst>
@@ -8352,7 +8389,7 @@
                                         <p:tgtEl>
                                           <p:spTgt spid="87">
                                             <p:txEl>
-                                              <p:pRg end="2" st="2"/>
+                                              <p:pRg st="2" end="2"/>
                                             </p:txEl>
                                           </p:spTgt>
                                         </p:tgtEl>
@@ -8364,13 +8401,13 @@
                                         <p:strVal val="visible"/>
                                       </p:to>
                                     </p:set>
-                                    <p:animEffect filter="fade" transition="in">
+                                    <p:animEffect transition="in" filter="fade">
                                       <p:cBhvr>
-                                        <p:cTn dur="1000"/>
+                                        <p:cTn id="22" dur="1000"/>
                                         <p:tgtEl>
                                           <p:spTgt spid="87">
                                             <p:txEl>
-                                              <p:pRg end="2" st="2"/>
+                                              <p:pRg st="2" end="2"/>
                                             </p:txEl>
                                           </p:spTgt>
                                         </p:tgtEl>
@@ -8386,26 +8423,26 @@
                     </p:cTn>
                   </p:par>
                   <p:par>
-                    <p:cTn fill="hold">
+                    <p:cTn id="23" fill="hold">
                       <p:stCondLst>
                         <p:cond delay="indefinite"/>
                       </p:stCondLst>
                       <p:childTnLst>
                         <p:par>
-                          <p:cTn fill="hold">
+                          <p:cTn id="24" fill="hold">
                             <p:stCondLst>
                               <p:cond delay="0"/>
                             </p:stCondLst>
                             <p:childTnLst>
                               <p:par>
-                                <p:cTn fill="hold" nodeType="clickEffect" presetClass="entr" presetID="10" presetSubtype="0">
+                                <p:cTn id="25" presetID="10" presetClass="entr" presetSubtype="0" fill="hold" nodeType="clickEffect">
                                   <p:stCondLst>
                                     <p:cond delay="0"/>
                                   </p:stCondLst>
                                   <p:childTnLst>
                                     <p:set>
                                       <p:cBhvr>
-                                        <p:cTn dur="1" fill="hold">
+                                        <p:cTn id="26" dur="1" fill="hold">
                                           <p:stCondLst>
                                             <p:cond delay="0"/>
                                           </p:stCondLst>
@@ -8413,7 +8450,7 @@
                                         <p:tgtEl>
                                           <p:spTgt spid="87">
                                             <p:txEl>
-                                              <p:pRg end="3" st="3"/>
+                                              <p:pRg st="3" end="3"/>
                                             </p:txEl>
                                           </p:spTgt>
                                         </p:tgtEl>
@@ -8425,13 +8462,13 @@
                                         <p:strVal val="visible"/>
                                       </p:to>
                                     </p:set>
-                                    <p:animEffect filter="fade" transition="in">
+                                    <p:animEffect transition="in" filter="fade">
                                       <p:cBhvr>
-                                        <p:cTn dur="1000"/>
+                                        <p:cTn id="27" dur="1000"/>
                                         <p:tgtEl>
                                           <p:spTgt spid="87">
                                             <p:txEl>
-                                              <p:pRg end="3" st="3"/>
+                                              <p:pRg st="3" end="3"/>
                                             </p:txEl>
                                           </p:spTgt>
                                         </p:tgtEl>
@@ -8447,26 +8484,26 @@
                     </p:cTn>
                   </p:par>
                   <p:par>
-                    <p:cTn fill="hold">
+                    <p:cTn id="28" fill="hold">
                       <p:stCondLst>
                         <p:cond delay="indefinite"/>
                       </p:stCondLst>
                       <p:childTnLst>
                         <p:par>
-                          <p:cTn fill="hold">
+                          <p:cTn id="29" fill="hold">
                             <p:stCondLst>
                               <p:cond delay="0"/>
                             </p:stCondLst>
                             <p:childTnLst>
                               <p:par>
-                                <p:cTn fill="hold" nodeType="clickEffect" presetClass="entr" presetID="10" presetSubtype="0">
+                                <p:cTn id="30" presetID="10" presetClass="entr" presetSubtype="0" fill="hold" nodeType="clickEffect">
                                   <p:stCondLst>
                                     <p:cond delay="0"/>
                                   </p:stCondLst>
                                   <p:childTnLst>
                                     <p:set>
                                       <p:cBhvr>
-                                        <p:cTn dur="1" fill="hold">
+                                        <p:cTn id="31" dur="1" fill="hold">
                                           <p:stCondLst>
                                             <p:cond delay="0"/>
                                           </p:stCondLst>
@@ -8474,7 +8511,7 @@
                                         <p:tgtEl>
                                           <p:spTgt spid="87">
                                             <p:txEl>
-                                              <p:pRg end="4" st="4"/>
+                                              <p:pRg st="4" end="4"/>
                                             </p:txEl>
                                           </p:spTgt>
                                         </p:tgtEl>
@@ -8486,13 +8523,13 @@
                                         <p:strVal val="visible"/>
                                       </p:to>
                                     </p:set>
-                                    <p:animEffect filter="fade" transition="in">
+                                    <p:animEffect transition="in" filter="fade">
                                       <p:cBhvr>
-                                        <p:cTn dur="1000"/>
+                                        <p:cTn id="32" dur="1000"/>
                                         <p:tgtEl>
                                           <p:spTgt spid="87">
                                             <p:txEl>
-                                              <p:pRg end="4" st="4"/>
+                                              <p:pRg st="4" end="4"/>
                                             </p:txEl>
                                           </p:spTgt>
                                         </p:tgtEl>
@@ -8508,26 +8545,26 @@
                     </p:cTn>
                   </p:par>
                   <p:par>
-                    <p:cTn fill="hold">
+                    <p:cTn id="33" fill="hold">
                       <p:stCondLst>
                         <p:cond delay="indefinite"/>
                       </p:stCondLst>
                       <p:childTnLst>
                         <p:par>
-                          <p:cTn fill="hold">
+                          <p:cTn id="34" fill="hold">
                             <p:stCondLst>
                               <p:cond delay="0"/>
                             </p:stCondLst>
                             <p:childTnLst>
                               <p:par>
-                                <p:cTn fill="hold" nodeType="clickEffect" presetClass="entr" presetID="10" presetSubtype="0">
+                                <p:cTn id="35" presetID="10" presetClass="entr" presetSubtype="0" fill="hold" nodeType="clickEffect">
                                   <p:stCondLst>
                                     <p:cond delay="0"/>
                                   </p:stCondLst>
                                   <p:childTnLst>
                                     <p:set>
                                       <p:cBhvr>
-                                        <p:cTn dur="1" fill="hold">
+                                        <p:cTn id="36" dur="1" fill="hold">
                                           <p:stCondLst>
                                             <p:cond delay="0"/>
                                           </p:stCondLst>
@@ -8535,7 +8572,7 @@
                                         <p:tgtEl>
                                           <p:spTgt spid="87">
                                             <p:txEl>
-                                              <p:pRg end="5" st="5"/>
+                                              <p:pRg st="5" end="5"/>
                                             </p:txEl>
                                           </p:spTgt>
                                         </p:tgtEl>
@@ -8547,13 +8584,13 @@
                                         <p:strVal val="visible"/>
                                       </p:to>
                                     </p:set>
-                                    <p:animEffect filter="fade" transition="in">
+                                    <p:animEffect transition="in" filter="fade">
                                       <p:cBhvr>
-                                        <p:cTn dur="1000"/>
+                                        <p:cTn id="37" dur="1000"/>
                                         <p:tgtEl>
                                           <p:spTgt spid="87">
                                             <p:txEl>
-                                              <p:pRg end="5" st="5"/>
+                                              <p:pRg st="5" end="5"/>
                                             </p:txEl>
                                           </p:spTgt>
                                         </p:tgtEl>
@@ -8569,26 +8606,26 @@
                     </p:cTn>
                   </p:par>
                   <p:par>
-                    <p:cTn fill="hold">
+                    <p:cTn id="38" fill="hold">
                       <p:stCondLst>
                         <p:cond delay="indefinite"/>
                       </p:stCondLst>
                       <p:childTnLst>
                         <p:par>
-                          <p:cTn fill="hold">
+                          <p:cTn id="39" fill="hold">
                             <p:stCondLst>
                               <p:cond delay="0"/>
                             </p:stCondLst>
                             <p:childTnLst>
                               <p:par>
-                                <p:cTn fill="hold" nodeType="clickEffect" presetClass="entr" presetID="10" presetSubtype="0">
+                                <p:cTn id="40" presetID="10" presetClass="entr" presetSubtype="0" fill="hold" nodeType="clickEffect">
                                   <p:stCondLst>
                                     <p:cond delay="0"/>
                                   </p:stCondLst>
                                   <p:childTnLst>
                                     <p:set>
                                       <p:cBhvr>
-                                        <p:cTn dur="1" fill="hold">
+                                        <p:cTn id="41" dur="1" fill="hold">
                                           <p:stCondLst>
                                             <p:cond delay="0"/>
                                           </p:stCondLst>
@@ -8596,7 +8633,7 @@
                                         <p:tgtEl>
                                           <p:spTgt spid="87">
                                             <p:txEl>
-                                              <p:pRg end="6" st="6"/>
+                                              <p:pRg st="6" end="6"/>
                                             </p:txEl>
                                           </p:spTgt>
                                         </p:tgtEl>
@@ -8608,13 +8645,13 @@
                                         <p:strVal val="visible"/>
                                       </p:to>
                                     </p:set>
-                                    <p:animEffect filter="fade" transition="in">
+                                    <p:animEffect transition="in" filter="fade">
                                       <p:cBhvr>
-                                        <p:cTn dur="1000"/>
+                                        <p:cTn id="42" dur="1000"/>
                                         <p:tgtEl>
                                           <p:spTgt spid="87">
                                             <p:txEl>
-                                              <p:pRg end="6" st="6"/>
+                                              <p:pRg st="6" end="6"/>
                                             </p:txEl>
                                           </p:spTgt>
                                         </p:tgtEl>
@@ -8630,26 +8667,26 @@
                     </p:cTn>
                   </p:par>
                   <p:par>
-                    <p:cTn fill="hold">
+                    <p:cTn id="43" fill="hold">
                       <p:stCondLst>
                         <p:cond delay="indefinite"/>
                       </p:stCondLst>
                       <p:childTnLst>
                         <p:par>
-                          <p:cTn fill="hold">
+                          <p:cTn id="44" fill="hold">
                             <p:stCondLst>
                               <p:cond delay="0"/>
                             </p:stCondLst>
                             <p:childTnLst>
                               <p:par>
-                                <p:cTn fill="hold" nodeType="clickEffect" presetClass="entr" presetID="10" presetSubtype="0">
+                                <p:cTn id="45" presetID="10" presetClass="entr" presetSubtype="0" fill="hold" nodeType="clickEffect">
                                   <p:stCondLst>
                                     <p:cond delay="0"/>
                                   </p:stCondLst>
                                   <p:childTnLst>
                                     <p:set>
                                       <p:cBhvr>
-                                        <p:cTn dur="1" fill="hold">
+                                        <p:cTn id="46" dur="1" fill="hold">
                                           <p:stCondLst>
                                             <p:cond delay="0"/>
                                           </p:stCondLst>
@@ -8657,7 +8694,7 @@
                                         <p:tgtEl>
                                           <p:spTgt spid="87">
                                             <p:txEl>
-                                              <p:pRg end="7" st="7"/>
+                                              <p:pRg st="7" end="7"/>
                                             </p:txEl>
                                           </p:spTgt>
                                         </p:tgtEl>
@@ -8669,13 +8706,13 @@
                                         <p:strVal val="visible"/>
                                       </p:to>
                                     </p:set>
-                                    <p:animEffect filter="fade" transition="in">
+                                    <p:animEffect transition="in" filter="fade">
                                       <p:cBhvr>
-                                        <p:cTn dur="1000"/>
+                                        <p:cTn id="47" dur="1000"/>
                                         <p:tgtEl>
                                           <p:spTgt spid="87">
                                             <p:txEl>
-                                              <p:pRg end="7" st="7"/>
+                                              <p:pRg st="7" end="7"/>
                                             </p:txEl>
                                           </p:spTgt>
                                         </p:tgtEl>
@@ -8693,14 +8730,14 @@
                 </p:childTnLst>
               </p:cTn>
               <p:prevCondLst>
-                <p:cond evt="onPrev">
+                <p:cond evt="onPrev" delay="0">
                   <p:tgtEl>
                     <p:sldTgt/>
                   </p:tgtEl>
                 </p:cond>
               </p:prevCondLst>
               <p:nextCondLst>
-                <p:cond evt="onNext">
+                <p:cond evt="onNext" delay="0">
                   <p:tgtEl>
                     <p:sldTgt/>
                   </p:tgtEl>
@@ -8716,11 +8753,11 @@
 </file>
 
 <file path=ppt/slides/slide8.xml><?xml version="1.0" encoding="utf-8"?>
-<p:sld xmlns:a="http://schemas.openxmlformats.org/drawingml/2006/main" xmlns:r="http://schemas.openxmlformats.org/officeDocument/2006/relationships" xmlns:mc="http://schemas.openxmlformats.org/markup-compatibility/2006" xmlns:mv="urn:schemas-microsoft-com:mac:vml" xmlns:p="http://schemas.openxmlformats.org/presentationml/2006/main" xmlns:c="http://schemas.openxmlformats.org/drawingml/2006/chart" xmlns:dgm="http://schemas.openxmlformats.org/drawingml/2006/diagram" xmlns:o="urn:schemas-microsoft-com:office:office" xmlns:v="urn:schemas-microsoft-com:vml" xmlns:pvml="urn:schemas-microsoft-com:office:powerpoint" xmlns:com="http://schemas.openxmlformats.org/drawingml/2006/compatibility" xmlns:p14="http://schemas.microsoft.com/office/powerpoint/2010/main">
+<p:sld xmlns:a="http://schemas.openxmlformats.org/drawingml/2006/main" xmlns:r="http://schemas.openxmlformats.org/officeDocument/2006/relationships" xmlns:p="http://schemas.openxmlformats.org/presentationml/2006/main">
   <p:cSld>
     <p:spTree>
       <p:nvGrpSpPr>
-        <p:cNvPr id="93" name="Shape 93"/>
+        <p:cNvPr id="1" name="Shape 93"/>
         <p:cNvGrpSpPr/>
         <p:nvPr/>
       </p:nvGrpSpPr>
@@ -8735,7 +8772,9 @@
       <p:sp>
         <p:nvSpPr>
           <p:cNvPr id="94" name="Shape 94"/>
-          <p:cNvSpPr txBox="1"/>
+          <p:cNvSpPr txBox="1">
+            <a:spLocks noGrp="1"/>
+          </p:cNvSpPr>
           <p:nvPr>
             <p:ph type="title"/>
           </p:nvPr>
@@ -8754,12 +8793,12 @@
           </a:ln>
         </p:spPr>
         <p:txBody>
-          <a:bodyPr anchorCtr="0" anchor="t" bIns="91425" lIns="91425" rIns="91425" tIns="91425">
+          <a:bodyPr lIns="91425" tIns="91425" rIns="91425" bIns="91425" anchor="t" anchorCtr="0">
             <a:noAutofit/>
           </a:bodyPr>
           <a:lstStyle/>
           <a:p>
-            <a:pPr indent="0" lvl="0" marL="0" marR="0" rtl="0" algn="l">
+            <a:pPr marL="0" marR="0" lvl="0" indent="0" algn="l" rtl="0">
               <a:spcBef>
                 <a:spcPts val="0"/>
               </a:spcBef>
@@ -8774,7 +8813,7 @@
               <a:buNone/>
             </a:pPr>
             <a:r>
-              <a:rPr b="0" i="0" lang="en-US" sz="3600" u="none" cap="none" strike="noStrike">
+              <a:rPr lang="en-US" sz="3600" b="0" i="0" u="none" strike="noStrike" cap="none">
                 <a:solidFill>
                   <a:schemeClr val="accent1"/>
                 </a:solidFill>
@@ -8791,9 +8830,11 @@
       <p:sp>
         <p:nvSpPr>
           <p:cNvPr id="95" name="Shape 95"/>
-          <p:cNvSpPr txBox="1"/>
+          <p:cNvSpPr txBox="1">
+            <a:spLocks noGrp="1"/>
+          </p:cNvSpPr>
           <p:nvPr>
-            <p:ph idx="1" type="body"/>
+            <p:ph type="body" idx="1"/>
           </p:nvPr>
         </p:nvSpPr>
         <p:spPr>
@@ -8810,12 +8851,12 @@
           </a:ln>
         </p:spPr>
         <p:txBody>
-          <a:bodyPr anchorCtr="0" anchor="t" bIns="45700" lIns="91425" rIns="91425" tIns="45700">
+          <a:bodyPr lIns="91425" tIns="45700" rIns="91425" bIns="45700" anchor="t" anchorCtr="0">
             <a:noAutofit/>
           </a:bodyPr>
           <a:lstStyle/>
           <a:p>
-            <a:pPr indent="0" lvl="0" marL="0" marR="0" rtl="0" algn="l">
+            <a:pPr marL="0" marR="0" lvl="0" indent="0" algn="l" rtl="0">
               <a:spcBef>
                 <a:spcPts val="0"/>
               </a:spcBef>
@@ -8829,10 +8870,7 @@
               <a:buFont typeface="Arial"/>
               <a:buNone/>
             </a:pPr>
-            <a:r>
-              <a:t/>
-            </a:r>
-            <a:endParaRPr b="0" i="0" sz="2800" u="none" cap="none" strike="noStrike">
+            <a:endParaRPr sz="2800" b="0" i="0" u="none" strike="noStrike" cap="none">
               <a:solidFill>
                 <a:schemeClr val="dk1"/>
               </a:solidFill>
@@ -8843,7 +8881,7 @@
             </a:endParaRPr>
           </a:p>
           <a:p>
-            <a:pPr indent="-342900" lvl="0" marL="342900" marR="0" rtl="0" algn="l">
+            <a:pPr marL="342900" marR="0" lvl="0" indent="-342900" algn="l" rtl="0">
               <a:spcBef>
                 <a:spcPts val="480"/>
               </a:spcBef>
@@ -8863,7 +8901,7 @@
             </a:r>
           </a:p>
           <a:p>
-            <a:pPr indent="0" lvl="0" rtl="0">
+            <a:pPr lvl="0" indent="0" rtl="0">
               <a:spcBef>
                 <a:spcPts val="480"/>
               </a:spcBef>
@@ -8880,7 +8918,7 @@
             </a:r>
           </a:p>
           <a:p>
-            <a:pPr indent="-342900" lvl="0" marL="342900" marR="0" rtl="0" algn="l">
+            <a:pPr marL="342900" marR="0" lvl="0" indent="-342900" algn="l" rtl="0">
               <a:spcBef>
                 <a:spcPts val="480"/>
               </a:spcBef>
@@ -8895,7 +8933,7 @@
               <a:buChar char="•"/>
             </a:pPr>
             <a:r>
-              <a:rPr b="1" lang="en-US" sz="2400"/>
+              <a:rPr lang="en-US" sz="2400" b="1"/>
               <a:t>Spring Boot Actuator - Installation</a:t>
             </a:r>
           </a:p>
@@ -8921,20 +8959,17 @@
           </a:ln>
         </p:spPr>
         <p:txBody>
-          <a:bodyPr anchorCtr="0" anchor="t" bIns="45700" lIns="91425" rIns="91425" tIns="45700">
+          <a:bodyPr lIns="91425" tIns="45700" rIns="91425" bIns="45700" anchor="t" anchorCtr="0">
             <a:noAutofit/>
           </a:bodyPr>
           <a:lstStyle/>
           <a:p>
-            <a:pPr indent="0" lvl="0" marL="0" marR="0" rtl="0" algn="l">
+            <a:pPr marL="0" marR="0" lvl="0" indent="0" algn="l" rtl="0">
               <a:spcBef>
                 <a:spcPts val="0"/>
               </a:spcBef>
               <a:buNone/>
             </a:pPr>
-            <a:r>
-              <a:t/>
-            </a:r>
             <a:endParaRPr sz="1800">
               <a:solidFill>
                 <a:schemeClr val="dk1"/>
@@ -8956,11 +8991,11 @@
 </file>
 
 <file path=ppt/slides/slide9.xml><?xml version="1.0" encoding="utf-8"?>
-<p:sld xmlns:a="http://schemas.openxmlformats.org/drawingml/2006/main" xmlns:r="http://schemas.openxmlformats.org/officeDocument/2006/relationships" xmlns:mc="http://schemas.openxmlformats.org/markup-compatibility/2006" xmlns:mv="urn:schemas-microsoft-com:mac:vml" xmlns:p="http://schemas.openxmlformats.org/presentationml/2006/main" xmlns:c="http://schemas.openxmlformats.org/drawingml/2006/chart" xmlns:dgm="http://schemas.openxmlformats.org/drawingml/2006/diagram" xmlns:o="urn:schemas-microsoft-com:office:office" xmlns:v="urn:schemas-microsoft-com:vml" xmlns:pvml="urn:schemas-microsoft-com:office:powerpoint" xmlns:com="http://schemas.openxmlformats.org/drawingml/2006/compatibility" xmlns:p14="http://schemas.microsoft.com/office/powerpoint/2010/main">
+<p:sld xmlns:a="http://schemas.openxmlformats.org/drawingml/2006/main" xmlns:r="http://schemas.openxmlformats.org/officeDocument/2006/relationships" xmlns:p="http://schemas.openxmlformats.org/presentationml/2006/main">
   <p:cSld>
     <p:spTree>
       <p:nvGrpSpPr>
-        <p:cNvPr id="100" name="Shape 100"/>
+        <p:cNvPr id="1" name="Shape 100"/>
         <p:cNvGrpSpPr/>
         <p:nvPr/>
       </p:nvGrpSpPr>
@@ -8974,243 +9009,10 @@
       </p:grpSpPr>
       <p:sp>
         <p:nvSpPr>
-          <p:cNvPr id="101" name="Shape 101"/>
-          <p:cNvSpPr/>
-          <p:nvPr/>
-        </p:nvSpPr>
-        <p:spPr>
-          <a:xfrm>
-            <a:off x="629925" y="2170828"/>
-            <a:ext cx="7263300" cy="2895899"/>
-          </a:xfrm>
-          <a:prstGeom prst="rect">
-            <a:avLst/>
-          </a:prstGeom>
-          <a:solidFill>
-            <a:srgbClr val="FFFFCC"/>
-          </a:solidFill>
-          <a:ln cap="flat" cmpd="sng" w="9525">
-            <a:solidFill>
-              <a:srgbClr val="FFFFCC"/>
-            </a:solidFill>
-            <a:prstDash val="solid"/>
-            <a:round/>
-            <a:headEnd len="med" w="med" type="none"/>
-            <a:tailEnd len="med" w="med" type="none"/>
-          </a:ln>
-          <a:effectLst>
-            <a:outerShdw blurRad="39999" rotWithShape="0" dir="5400000" dist="23000">
-              <a:srgbClr val="000000">
-                <a:alpha val="34901"/>
-              </a:srgbClr>
-            </a:outerShdw>
-          </a:effectLst>
-        </p:spPr>
-        <p:txBody>
-          <a:bodyPr anchorCtr="0" anchor="ctr" bIns="45700" lIns="91425" rIns="91425" tIns="45700">
-            <a:noAutofit/>
-          </a:bodyPr>
-          <a:lstStyle/>
-          <a:p>
-            <a:pPr indent="-69850" lvl="0" marL="0" marR="0" rtl="0" algn="l">
-              <a:spcBef>
-                <a:spcPts val="0"/>
-              </a:spcBef>
-              <a:buClr>
-                <a:schemeClr val="dk1"/>
-              </a:buClr>
-              <a:buSzPct val="91666"/>
-              <a:buFont typeface="Arial"/>
-              <a:buNone/>
-            </a:pPr>
-            <a:r>
-              <a:rPr lang="en-US" sz="1200"/>
-              <a:t>&lt;dependencies&gt;</a:t>
-            </a:r>
-          </a:p>
-          <a:p>
-            <a:pPr indent="-69850" lvl="0" marL="0" marR="0" rtl="0" algn="l">
-              <a:spcBef>
-                <a:spcPts val="0"/>
-              </a:spcBef>
-              <a:buClr>
-                <a:schemeClr val="dk1"/>
-              </a:buClr>
-              <a:buSzPct val="91666"/>
-              <a:buFont typeface="Arial"/>
-              <a:buNone/>
-            </a:pPr>
-            <a:r>
-              <a:rPr lang="en-US" sz="1200"/>
-              <a:t>  &lt;dependency&gt;</a:t>
-            </a:r>
-          </a:p>
-          <a:p>
-            <a:pPr indent="-69850" lvl="0" marL="0" marR="0" rtl="0" algn="l">
-              <a:spcBef>
-                <a:spcPts val="0"/>
-              </a:spcBef>
-              <a:buClr>
-                <a:schemeClr val="dk1"/>
-              </a:buClr>
-              <a:buSzPct val="91666"/>
-              <a:buFont typeface="Arial"/>
-              <a:buNone/>
-            </a:pPr>
-            <a:r>
-              <a:rPr lang="en-US" sz="1200"/>
-              <a:t>    &lt;groupId&gt;org.springframework.boot&lt;/groupId&gt;</a:t>
-            </a:r>
-          </a:p>
-          <a:p>
-            <a:pPr indent="-69850" lvl="0" marL="0" marR="0" rtl="0" algn="l">
-              <a:spcBef>
-                <a:spcPts val="0"/>
-              </a:spcBef>
-              <a:buClr>
-                <a:schemeClr val="dk1"/>
-              </a:buClr>
-              <a:buSzPct val="91666"/>
-              <a:buFont typeface="Arial"/>
-              <a:buNone/>
-            </a:pPr>
-            <a:r>
-              <a:rPr lang="en-US" sz="1200"/>
-              <a:t>    &lt;artifactId&gt;spring-boot-starter-web&lt;/artifactId&gt;</a:t>
-            </a:r>
-          </a:p>
-          <a:p>
-            <a:pPr indent="-69850" lvl="0" marL="0" marR="0" rtl="0" algn="l">
-              <a:spcBef>
-                <a:spcPts val="0"/>
-              </a:spcBef>
-              <a:buClr>
-                <a:schemeClr val="dk1"/>
-              </a:buClr>
-              <a:buSzPct val="91666"/>
-              <a:buFont typeface="Arial"/>
-              <a:buNone/>
-            </a:pPr>
-            <a:r>
-              <a:rPr lang="en-US" sz="1200"/>
-              <a:t>  &lt;/dependency&gt;</a:t>
-            </a:r>
-          </a:p>
-          <a:p>
-            <a:pPr indent="0" lvl="0" marL="0" marR="0" rtl="0" algn="l">
-              <a:spcBef>
-                <a:spcPts val="0"/>
-              </a:spcBef>
-              <a:buNone/>
-            </a:pPr>
-            <a:r>
-              <a:t/>
-            </a:r>
-            <a:endParaRPr sz="1200"/>
-          </a:p>
-          <a:p>
-            <a:pPr indent="0" lvl="0" marL="0" marR="0" rtl="0" algn="l">
-              <a:spcBef>
-                <a:spcPts val="0"/>
-              </a:spcBef>
-              <a:buNone/>
-            </a:pPr>
-            <a:r>
-              <a:t/>
-            </a:r>
-            <a:endParaRPr sz="1200"/>
-          </a:p>
-          <a:p>
-            <a:pPr indent="0" lvl="0" marL="0" marR="0" rtl="0" algn="l">
-              <a:spcBef>
-                <a:spcPts val="0"/>
-              </a:spcBef>
-              <a:buNone/>
-            </a:pPr>
-            <a:r>
-              <a:t/>
-            </a:r>
-            <a:endParaRPr sz="1200"/>
-          </a:p>
-          <a:p>
-            <a:pPr indent="0" lvl="0" marL="0" marR="0" rtl="0" algn="l">
-              <a:spcBef>
-                <a:spcPts val="0"/>
-              </a:spcBef>
-              <a:buNone/>
-            </a:pPr>
-            <a:r>
-              <a:t/>
-            </a:r>
-            <a:endParaRPr sz="1200"/>
-          </a:p>
-          <a:p>
-            <a:pPr indent="0" lvl="0" marL="0" marR="0" rtl="0" algn="l">
-              <a:spcBef>
-                <a:spcPts val="0"/>
-              </a:spcBef>
-              <a:buNone/>
-            </a:pPr>
-            <a:r>
-              <a:t/>
-            </a:r>
-            <a:endParaRPr sz="1200"/>
-          </a:p>
-          <a:p>
-            <a:pPr indent="0" lvl="0" marL="0" marR="0" rtl="0" algn="l">
-              <a:spcBef>
-                <a:spcPts val="0"/>
-              </a:spcBef>
-              <a:buNone/>
-            </a:pPr>
-            <a:r>
-              <a:t/>
-            </a:r>
-            <a:endParaRPr sz="1200"/>
-          </a:p>
-          <a:p>
-            <a:pPr indent="0" lvl="0" marL="0" marR="0" rtl="0" algn="l">
-              <a:spcBef>
-                <a:spcPts val="0"/>
-              </a:spcBef>
-              <a:buNone/>
-            </a:pPr>
-            <a:r>
-              <a:t/>
-            </a:r>
-            <a:endParaRPr sz="1200"/>
-          </a:p>
-          <a:p>
-            <a:pPr indent="0" lvl="0" marL="0" marR="0" rtl="0" algn="l">
-              <a:spcBef>
-                <a:spcPts val="0"/>
-              </a:spcBef>
-              <a:buNone/>
-            </a:pPr>
-            <a:r>
-              <a:t/>
-            </a:r>
-            <a:endParaRPr sz="1200"/>
-          </a:p>
-          <a:p>
-            <a:pPr indent="0" lvl="0" marL="0" marR="0" rtl="0" algn="l">
-              <a:spcBef>
-                <a:spcPts val="0"/>
-              </a:spcBef>
-              <a:buSzPct val="25000"/>
-              <a:buNone/>
-            </a:pPr>
-            <a:r>
-              <a:rPr lang="en-US" sz="1200"/>
-              <a:t>&lt;/dependencies&gt;</a:t>
-            </a:r>
-          </a:p>
-        </p:txBody>
-      </p:sp>
-      <p:sp>
-        <p:nvSpPr>
           <p:cNvPr id="102" name="Shape 102"/>
-          <p:cNvSpPr txBox="1"/>
+          <p:cNvSpPr txBox="1">
+            <a:spLocks noGrp="1"/>
+          </p:cNvSpPr>
           <p:nvPr>
             <p:ph type="title"/>
           </p:nvPr>
@@ -9229,12 +9031,12 @@
           </a:ln>
         </p:spPr>
         <p:txBody>
-          <a:bodyPr anchorCtr="0" anchor="t" bIns="91425" lIns="91425" rIns="91425" tIns="91425">
+          <a:bodyPr lIns="91425" tIns="91425" rIns="91425" bIns="91425" anchor="t" anchorCtr="0">
             <a:noAutofit/>
           </a:bodyPr>
           <a:lstStyle/>
           <a:p>
-            <a:pPr indent="0" lvl="0" marL="0" marR="0" rtl="0" algn="l">
+            <a:pPr marL="0" marR="0" lvl="0" indent="0" algn="l" rtl="0">
               <a:spcBef>
                 <a:spcPts val="0"/>
               </a:spcBef>
@@ -9279,20 +9081,17 @@
           </a:ln>
         </p:spPr>
         <p:txBody>
-          <a:bodyPr anchorCtr="0" anchor="t" bIns="45700" lIns="91425" rIns="91425" tIns="45700">
+          <a:bodyPr lIns="91425" tIns="45700" rIns="91425" bIns="45700" anchor="t" anchorCtr="0">
             <a:noAutofit/>
           </a:bodyPr>
           <a:lstStyle/>
           <a:p>
-            <a:pPr indent="0" lvl="0" marL="0" marR="0" rtl="0" algn="l">
+            <a:pPr marL="0" marR="0" lvl="0" indent="0" algn="l" rtl="0">
               <a:spcBef>
                 <a:spcPts val="0"/>
               </a:spcBef>
               <a:buNone/>
             </a:pPr>
-            <a:r>
-              <a:t/>
-            </a:r>
             <a:endParaRPr sz="1800">
               <a:solidFill>
                 <a:schemeClr val="dk1"/>
@@ -9308,9 +9107,11 @@
       <p:sp>
         <p:nvSpPr>
           <p:cNvPr id="104" name="Shape 104"/>
-          <p:cNvSpPr txBox="1"/>
+          <p:cNvSpPr txBox="1">
+            <a:spLocks noGrp="1"/>
+          </p:cNvSpPr>
           <p:nvPr>
-            <p:ph idx="1" type="body"/>
+            <p:ph type="body" idx="1"/>
           </p:nvPr>
         </p:nvSpPr>
         <p:spPr>
@@ -9327,12 +9128,12 @@
           </a:ln>
         </p:spPr>
         <p:txBody>
-          <a:bodyPr anchorCtr="0" anchor="t" bIns="45700" lIns="91425" rIns="91425" tIns="45700">
+          <a:bodyPr lIns="91425" tIns="45700" rIns="91425" bIns="45700" anchor="t" anchorCtr="0">
             <a:noAutofit/>
           </a:bodyPr>
           <a:lstStyle/>
           <a:p>
-            <a:pPr indent="0" lvl="0" marL="0" marR="0" rtl="0" algn="l">
+            <a:pPr marL="0" marR="0" lvl="0" indent="0" algn="l" rtl="0">
               <a:spcBef>
                 <a:spcPts val="0"/>
               </a:spcBef>
@@ -9346,10 +9147,7 @@
               <a:buFont typeface="Arial"/>
               <a:buNone/>
             </a:pPr>
-            <a:r>
-              <a:t/>
-            </a:r>
-            <a:endParaRPr b="0" i="0" sz="2800" u="none" cap="none" strike="noStrike">
+            <a:endParaRPr sz="2800" b="0" i="0" u="none" strike="noStrike" cap="none">
               <a:solidFill>
                 <a:schemeClr val="dk1"/>
               </a:solidFill>
@@ -9360,7 +9158,7 @@
             </a:endParaRPr>
           </a:p>
           <a:p>
-            <a:pPr indent="-342900" lvl="0" marL="342900" marR="0" rtl="0" algn="l">
+            <a:pPr marL="342900" marR="0" lvl="0" indent="-342900" algn="l" rtl="0">
               <a:spcBef>
                 <a:spcPts val="480"/>
               </a:spcBef>
@@ -9380,7 +9178,7 @@
             </a:r>
           </a:p>
           <a:p>
-            <a:pPr indent="-342900" lvl="0" marL="342900" marR="0" rtl="0" algn="l">
+            <a:pPr marL="342900" marR="0" lvl="0" indent="-342900" algn="l" rtl="0">
               <a:spcBef>
                 <a:spcPts val="480"/>
               </a:spcBef>
@@ -9400,7 +9198,7 @@
             </a:r>
           </a:p>
           <a:p>
-            <a:pPr indent="-342900" lvl="0" marL="342900" marR="0" rtl="0" algn="l">
+            <a:pPr marL="342900" marR="0" lvl="0" indent="-342900" algn="l" rtl="0">
               <a:spcBef>
                 <a:spcPts val="480"/>
               </a:spcBef>
@@ -9411,10 +9209,7 @@
               <a:buFont typeface="Arial"/>
               <a:buNone/>
             </a:pPr>
-            <a:r>
-              <a:t/>
-            </a:r>
-            <a:endParaRPr b="0" i="0" sz="2400" u="none" cap="none" strike="noStrike">
+            <a:endParaRPr sz="2400" b="0" i="0" u="none" strike="noStrike" cap="none">
               <a:solidFill>
                 <a:schemeClr val="dk1"/>
               </a:solidFill>
@@ -9428,147 +9223,12 @@
       </p:sp>
       <p:sp>
         <p:nvSpPr>
-          <p:cNvPr id="105" name="Shape 105"/>
-          <p:cNvSpPr/>
-          <p:nvPr/>
-        </p:nvSpPr>
-        <p:spPr>
-          <a:xfrm>
-            <a:off x="629925" y="3263175"/>
-            <a:ext cx="7263300" cy="1476300"/>
-          </a:xfrm>
-          <a:prstGeom prst="rect">
-            <a:avLst/>
-          </a:prstGeom>
-          <a:noFill/>
-          <a:ln>
-            <a:noFill/>
-          </a:ln>
-          <a:effectLst>
-            <a:outerShdw blurRad="39999" rotWithShape="0" dir="5400000" dist="23000">
-              <a:srgbClr val="000000">
-                <a:alpha val="34900"/>
-              </a:srgbClr>
-            </a:outerShdw>
-          </a:effectLst>
-        </p:spPr>
-        <p:txBody>
-          <a:bodyPr anchorCtr="0" anchor="ctr" bIns="45700" lIns="91425" rIns="91425" tIns="45700">
-            <a:noAutofit/>
-          </a:bodyPr>
-          <a:lstStyle/>
-          <a:p>
-            <a:pPr indent="-69850" lvl="0" marL="0" marR="0" rtl="0" algn="l">
-              <a:spcBef>
-                <a:spcPts val="0"/>
-              </a:spcBef>
-              <a:buSzPct val="91666"/>
-              <a:buNone/>
-            </a:pPr>
-            <a:r>
-              <a:rPr lang="en-US" sz="1200"/>
-              <a:t>  &lt;dependency&gt;</a:t>
-            </a:r>
-          </a:p>
-          <a:p>
-            <a:pPr indent="-69850" lvl="0" marL="0" marR="0" rtl="0" algn="l">
-              <a:spcBef>
-                <a:spcPts val="0"/>
-              </a:spcBef>
-              <a:buSzPct val="91666"/>
-              <a:buNone/>
-            </a:pPr>
-            <a:r>
-              <a:rPr lang="en-US" sz="1200"/>
-              <a:t>    &lt;groupId&gt;org.springframework.boot&lt;/groupId&gt;</a:t>
-            </a:r>
-          </a:p>
-          <a:p>
-            <a:pPr indent="-69850" lvl="0" marL="0" marR="0" rtl="0" algn="l">
-              <a:spcBef>
-                <a:spcPts val="0"/>
-              </a:spcBef>
-              <a:buSzPct val="91666"/>
-              <a:buNone/>
-            </a:pPr>
-            <a:r>
-              <a:rPr lang="en-US" sz="1200"/>
-              <a:t>    &lt;artifactId&gt;spring-boot-starter-actuator&lt;/artifactId&gt;</a:t>
-            </a:r>
-          </a:p>
-          <a:p>
-            <a:pPr indent="-69850" lvl="0" marL="0" marR="0" rtl="0" algn="l">
-              <a:spcBef>
-                <a:spcPts val="0"/>
-              </a:spcBef>
-              <a:buSzPct val="91666"/>
-              <a:buNone/>
-            </a:pPr>
-            <a:r>
-              <a:rPr lang="en-US" sz="1200"/>
-              <a:t>  &lt;/dependency&gt;</a:t>
-            </a:r>
-          </a:p>
-          <a:p>
-            <a:pPr indent="-69850" lvl="0" marL="0" marR="0" rtl="0" algn="l">
-              <a:spcBef>
-                <a:spcPts val="0"/>
-              </a:spcBef>
-              <a:buSzPct val="91666"/>
-              <a:buNone/>
-            </a:pPr>
-            <a:r>
-              <a:rPr lang="en-US" sz="1200"/>
-              <a:t>  &lt;dependency&gt;</a:t>
-            </a:r>
-          </a:p>
-          <a:p>
-            <a:pPr indent="-69850" lvl="0" marL="0" marR="0" rtl="0" algn="l">
-              <a:spcBef>
-                <a:spcPts val="0"/>
-              </a:spcBef>
-              <a:buSzPct val="91666"/>
-              <a:buNone/>
-            </a:pPr>
-            <a:r>
-              <a:rPr lang="en-US" sz="1200"/>
-              <a:t>    &lt;groupId&gt;org.springframework.hateoas&lt;/groupId&gt;</a:t>
-            </a:r>
-          </a:p>
-          <a:p>
-            <a:pPr indent="-69850" lvl="0" marL="0" marR="0" rtl="0" algn="l">
-              <a:spcBef>
-                <a:spcPts val="0"/>
-              </a:spcBef>
-              <a:buSzPct val="91666"/>
-              <a:buNone/>
-            </a:pPr>
-            <a:r>
-              <a:rPr lang="en-US" sz="1200"/>
-              <a:t>    &lt;artifactId&gt;spring-hateoas&lt;/artifactId&gt;</a:t>
-            </a:r>
-          </a:p>
-          <a:p>
-            <a:pPr indent="-69850" lvl="0" marL="0" marR="0" rtl="0" algn="l">
-              <a:spcBef>
-                <a:spcPts val="0"/>
-              </a:spcBef>
-              <a:buSzPct val="91666"/>
-              <a:buNone/>
-            </a:pPr>
-            <a:r>
-              <a:rPr lang="en-US" sz="1200"/>
-              <a:t>  &lt;/dependency&gt;</a:t>
-            </a:r>
-          </a:p>
-        </p:txBody>
-      </p:sp>
-      <p:sp>
-        <p:nvSpPr>
           <p:cNvPr id="106" name="Shape 106"/>
-          <p:cNvSpPr txBox="1"/>
+          <p:cNvSpPr txBox="1">
+            <a:spLocks noGrp="1"/>
+          </p:cNvSpPr>
           <p:nvPr>
-            <p:ph idx="1" type="body"/>
+            <p:ph type="body" idx="1"/>
           </p:nvPr>
         </p:nvSpPr>
         <p:spPr>
@@ -9585,12 +9245,12 @@
           </a:ln>
         </p:spPr>
         <p:txBody>
-          <a:bodyPr anchorCtr="0" anchor="t" bIns="45700" lIns="91425" rIns="91425" tIns="45700">
+          <a:bodyPr lIns="91425" tIns="45700" rIns="91425" bIns="45700" anchor="t" anchorCtr="0">
             <a:noAutofit/>
           </a:bodyPr>
           <a:lstStyle/>
           <a:p>
-            <a:pPr indent="-342900" lvl="0" marL="342900" marR="0" rtl="0" algn="l">
+            <a:pPr marL="342900" marR="0" lvl="0" indent="-342900" algn="l" rtl="0">
               <a:spcBef>
                 <a:spcPts val="480"/>
               </a:spcBef>
@@ -9610,7 +9270,7 @@
             </a:r>
           </a:p>
           <a:p>
-            <a:pPr indent="-342900" lvl="0" marL="342900" marR="0" rtl="0" algn="l">
+            <a:pPr marL="342900" marR="0" lvl="0" indent="-342900" algn="l" rtl="0">
               <a:spcBef>
                 <a:spcPts val="480"/>
               </a:spcBef>
@@ -9621,10 +9281,7 @@
               <a:buFont typeface="Arial"/>
               <a:buNone/>
             </a:pPr>
-            <a:r>
-              <a:t/>
-            </a:r>
-            <a:endParaRPr b="0" i="0" sz="2400" u="none" cap="none" strike="noStrike">
+            <a:endParaRPr sz="2400" b="0" i="0" u="none" strike="noStrike" cap="none">
               <a:solidFill>
                 <a:schemeClr val="dk1"/>
               </a:solidFill>
@@ -9644,32 +9301,32 @@
   <p:timing>
     <p:tnLst>
       <p:par>
-        <p:cTn dur="indefinite" nodeType="tmRoot" restart="never">
+        <p:cTn xmlns:p14="http://schemas.microsoft.com/office/powerpoint/2010/main" id="1" dur="indefinite" restart="never" nodeType="tmRoot">
           <p:childTnLst>
             <p:seq concurrent="1" nextAc="seek">
-              <p:cTn dur="indefinite" id="2" nodeType="mainSeq">
+              <p:cTn id="2" dur="indefinite" nodeType="mainSeq">
                 <p:childTnLst>
                   <p:par>
-                    <p:cTn fill="hold">
+                    <p:cTn id="3" fill="hold">
                       <p:stCondLst>
                         <p:cond delay="indefinite"/>
                       </p:stCondLst>
                       <p:childTnLst>
                         <p:par>
-                          <p:cTn fill="hold">
+                          <p:cTn id="4" fill="hold">
                             <p:stCondLst>
                               <p:cond delay="0"/>
                             </p:stCondLst>
                             <p:childTnLst>
                               <p:par>
-                                <p:cTn fill="hold" nodeType="clickEffect" presetClass="entr" presetID="10" presetSubtype="0">
+                                <p:cTn id="5" presetID="10" presetClass="entr" presetSubtype="0" fill="hold" nodeType="clickEffect">
                                   <p:stCondLst>
                                     <p:cond delay="0"/>
                                   </p:stCondLst>
                                   <p:childTnLst>
                                     <p:set>
                                       <p:cBhvr>
-                                        <p:cTn dur="1" fill="hold">
+                                        <p:cTn id="6" dur="1" fill="hold">
                                           <p:stCondLst>
                                             <p:cond delay="0"/>
                                           </p:stCondLst>
@@ -9677,7 +9334,7 @@
                                         <p:tgtEl>
                                           <p:spTgt spid="104">
                                             <p:txEl>
-                                              <p:pRg end="0" st="0"/>
+                                              <p:pRg st="0" end="0"/>
                                             </p:txEl>
                                           </p:spTgt>
                                         </p:tgtEl>
@@ -9689,13 +9346,13 @@
                                         <p:strVal val="visible"/>
                                       </p:to>
                                     </p:set>
-                                    <p:animEffect filter="fade" transition="in">
+                                    <p:animEffect transition="in" filter="fade">
                                       <p:cBhvr>
-                                        <p:cTn dur="1000"/>
+                                        <p:cTn id="7" dur="1000"/>
                                         <p:tgtEl>
                                           <p:spTgt spid="104">
                                             <p:txEl>
-                                              <p:pRg end="0" st="0"/>
+                                              <p:pRg st="0" end="0"/>
                                             </p:txEl>
                                           </p:spTgt>
                                         </p:tgtEl>
@@ -9711,26 +9368,26 @@
                     </p:cTn>
                   </p:par>
                   <p:par>
-                    <p:cTn fill="hold">
+                    <p:cTn id="8" fill="hold">
                       <p:stCondLst>
                         <p:cond delay="indefinite"/>
                       </p:stCondLst>
                       <p:childTnLst>
                         <p:par>
-                          <p:cTn fill="hold">
+                          <p:cTn id="9" fill="hold">
                             <p:stCondLst>
                               <p:cond delay="0"/>
                             </p:stCondLst>
                             <p:childTnLst>
                               <p:par>
-                                <p:cTn fill="hold" nodeType="clickEffect" presetClass="entr" presetID="10" presetSubtype="0">
+                                <p:cTn id="10" presetID="10" presetClass="entr" presetSubtype="0" fill="hold" nodeType="clickEffect">
                                   <p:stCondLst>
                                     <p:cond delay="0"/>
                                   </p:stCondLst>
                                   <p:childTnLst>
                                     <p:set>
                                       <p:cBhvr>
-                                        <p:cTn dur="1" fill="hold">
+                                        <p:cTn id="11" dur="1" fill="hold">
                                           <p:stCondLst>
                                             <p:cond delay="0"/>
                                           </p:stCondLst>
@@ -9738,7 +9395,7 @@
                                         <p:tgtEl>
                                           <p:spTgt spid="104">
                                             <p:txEl>
-                                              <p:pRg end="1" st="1"/>
+                                              <p:pRg st="1" end="1"/>
                                             </p:txEl>
                                           </p:spTgt>
                                         </p:tgtEl>
@@ -9750,13 +9407,13 @@
                                         <p:strVal val="visible"/>
                                       </p:to>
                                     </p:set>
-                                    <p:animEffect filter="fade" transition="in">
+                                    <p:animEffect transition="in" filter="fade">
                                       <p:cBhvr>
-                                        <p:cTn dur="1000"/>
+                                        <p:cTn id="12" dur="1000"/>
                                         <p:tgtEl>
                                           <p:spTgt spid="104">
                                             <p:txEl>
-                                              <p:pRg end="1" st="1"/>
+                                              <p:pRg st="1" end="1"/>
                                             </p:txEl>
                                           </p:spTgt>
                                         </p:tgtEl>
@@ -9772,26 +9429,26 @@
                     </p:cTn>
                   </p:par>
                   <p:par>
-                    <p:cTn fill="hold">
+                    <p:cTn id="13" fill="hold">
                       <p:stCondLst>
                         <p:cond delay="indefinite"/>
                       </p:stCondLst>
                       <p:childTnLst>
                         <p:par>
-                          <p:cTn fill="hold">
+                          <p:cTn id="14" fill="hold">
                             <p:stCondLst>
                               <p:cond delay="0"/>
                             </p:stCondLst>
                             <p:childTnLst>
                               <p:par>
-                                <p:cTn fill="hold" nodeType="clickEffect" presetClass="entr" presetID="10" presetSubtype="0">
+                                <p:cTn id="15" presetID="10" presetClass="entr" presetSubtype="0" fill="hold" nodeType="clickEffect">
                                   <p:stCondLst>
                                     <p:cond delay="0"/>
                                   </p:stCondLst>
                                   <p:childTnLst>
                                     <p:set>
                                       <p:cBhvr>
-                                        <p:cTn dur="1" fill="hold">
+                                        <p:cTn id="16" dur="1" fill="hold">
                                           <p:stCondLst>
                                             <p:cond delay="0"/>
                                           </p:stCondLst>
@@ -9799,7 +9456,7 @@
                                         <p:tgtEl>
                                           <p:spTgt spid="104">
                                             <p:txEl>
-                                              <p:pRg end="2" st="2"/>
+                                              <p:pRg st="2" end="2"/>
                                             </p:txEl>
                                           </p:spTgt>
                                         </p:tgtEl>
@@ -9811,13 +9468,13 @@
                                         <p:strVal val="visible"/>
                                       </p:to>
                                     </p:set>
-                                    <p:animEffect filter="fade" transition="in">
+                                    <p:animEffect transition="in" filter="fade">
                                       <p:cBhvr>
-                                        <p:cTn dur="1000"/>
+                                        <p:cTn id="17" dur="1000"/>
                                         <p:tgtEl>
                                           <p:spTgt spid="104">
                                             <p:txEl>
-                                              <p:pRg end="2" st="2"/>
+                                              <p:pRg st="2" end="2"/>
                                             </p:txEl>
                                           </p:spTgt>
                                         </p:tgtEl>
@@ -9833,26 +9490,26 @@
                     </p:cTn>
                   </p:par>
                   <p:par>
-                    <p:cTn fill="hold">
+                    <p:cTn id="18" fill="hold">
                       <p:stCondLst>
                         <p:cond delay="indefinite"/>
                       </p:stCondLst>
                       <p:childTnLst>
                         <p:par>
-                          <p:cTn fill="hold">
+                          <p:cTn id="19" fill="hold">
                             <p:stCondLst>
                               <p:cond delay="0"/>
                             </p:stCondLst>
                             <p:childTnLst>
                               <p:par>
-                                <p:cTn fill="hold" nodeType="clickEffect" presetClass="entr" presetID="10" presetSubtype="0">
+                                <p:cTn id="20" presetID="10" presetClass="entr" presetSubtype="0" fill="hold" nodeType="clickEffect">
                                   <p:stCondLst>
                                     <p:cond delay="0"/>
                                   </p:stCondLst>
                                   <p:childTnLst>
                                     <p:set>
                                       <p:cBhvr>
-                                        <p:cTn dur="1" fill="hold">
+                                        <p:cTn id="21" dur="1" fill="hold">
                                           <p:stCondLst>
                                             <p:cond delay="0"/>
                                           </p:stCondLst>
@@ -9860,7 +9517,7 @@
                                         <p:tgtEl>
                                           <p:spTgt spid="104">
                                             <p:txEl>
-                                              <p:pRg end="3" st="3"/>
+                                              <p:pRg st="3" end="3"/>
                                             </p:txEl>
                                           </p:spTgt>
                                         </p:tgtEl>
@@ -9872,68 +9529,18 @@
                                         <p:strVal val="visible"/>
                                       </p:to>
                                     </p:set>
-                                    <p:animEffect filter="fade" transition="in">
+                                    <p:animEffect transition="in" filter="fade">
                                       <p:cBhvr>
-                                        <p:cTn dur="1000"/>
+                                        <p:cTn id="22" dur="1000"/>
                                         <p:tgtEl>
                                           <p:spTgt spid="104">
                                             <p:txEl>
-                                              <p:pRg end="3" st="3"/>
+                                              <p:pRg st="3" end="3"/>
                                             </p:txEl>
                                           </p:spTgt>
                                         </p:tgtEl>
                                       </p:cBhvr>
                                     </p:animEffect>
-                                  </p:childTnLst>
-                                </p:cTn>
-                              </p:par>
-                              <p:par>
-                                <p:cTn fill="hold" nodeType="withEffect" presetClass="entr" presetID="2" presetSubtype="2">
-                                  <p:stCondLst>
-                                    <p:cond delay="0"/>
-                                  </p:stCondLst>
-                                  <p:childTnLst>
-                                    <p:set>
-                                      <p:cBhvr>
-                                        <p:cTn dur="1" fill="hold">
-                                          <p:stCondLst>
-                                            <p:cond delay="0"/>
-                                          </p:stCondLst>
-                                        </p:cTn>
-                                        <p:tgtEl>
-                                          <p:spTgt spid="105"/>
-                                        </p:tgtEl>
-                                        <p:attrNameLst>
-                                          <p:attrName>style.visibility</p:attrName>
-                                        </p:attrNameLst>
-                                      </p:cBhvr>
-                                      <p:to>
-                                        <p:strVal val="visible"/>
-                                      </p:to>
-                                    </p:set>
-                                    <p:anim calcmode="lin" valueType="num">
-                                      <p:cBhvr additive="base">
-                                        <p:cTn dur="1000"/>
-                                        <p:tgtEl>
-                                          <p:spTgt spid="105"/>
-                                        </p:tgtEl>
-                                        <p:attrNameLst>
-                                          <p:attrName>ppt_x</p:attrName>
-                                        </p:attrNameLst>
-                                      </p:cBhvr>
-                                      <p:tavLst>
-                                        <p:tav fmla="" tm="0">
-                                          <p:val>
-                                            <p:strVal val="#ppt_x+1"/>
-                                          </p:val>
-                                        </p:tav>
-                                        <p:tav fmla="" tm="100000">
-                                          <p:val>
-                                            <p:strVal val="#ppt_x"/>
-                                          </p:val>
-                                        </p:tav>
-                                      </p:tavLst>
-                                    </p:anim>
                                   </p:childTnLst>
                                 </p:cTn>
                               </p:par>
@@ -9944,26 +9551,26 @@
                     </p:cTn>
                   </p:par>
                   <p:par>
-                    <p:cTn fill="hold">
+                    <p:cTn id="23" fill="hold">
                       <p:stCondLst>
                         <p:cond delay="indefinite"/>
                       </p:stCondLst>
                       <p:childTnLst>
                         <p:par>
-                          <p:cTn fill="hold">
+                          <p:cTn id="24" fill="hold">
                             <p:stCondLst>
                               <p:cond delay="0"/>
                             </p:stCondLst>
                             <p:childTnLst>
                               <p:par>
-                                <p:cTn fill="hold" nodeType="clickEffect" presetClass="entr" presetID="10" presetSubtype="0">
+                                <p:cTn id="25" presetID="10" presetClass="entr" presetSubtype="0" fill="hold" nodeType="clickEffect">
                                   <p:stCondLst>
                                     <p:cond delay="0"/>
                                   </p:stCondLst>
                                   <p:childTnLst>
                                     <p:set>
                                       <p:cBhvr>
-                                        <p:cTn dur="1" fill="hold">
+                                        <p:cTn id="26" dur="1" fill="hold">
                                           <p:stCondLst>
                                             <p:cond delay="0"/>
                                           </p:stCondLst>
@@ -9979,9 +9586,9 @@
                                         <p:strVal val="visible"/>
                                       </p:to>
                                     </p:set>
-                                    <p:animEffect filter="fade" transition="in">
+                                    <p:animEffect transition="in" filter="fade">
                                       <p:cBhvr>
-                                        <p:cTn dur="1000"/>
+                                        <p:cTn id="27" dur="1000"/>
                                         <p:tgtEl>
                                           <p:spTgt spid="106"/>
                                         </p:tgtEl>
@@ -9999,14 +9606,14 @@
                 </p:childTnLst>
               </p:cTn>
               <p:prevCondLst>
-                <p:cond evt="onPrev">
+                <p:cond evt="onPrev" delay="0">
                   <p:tgtEl>
                     <p:sldTgt/>
                   </p:tgtEl>
                 </p:cond>
               </p:prevCondLst>
               <p:nextCondLst>
-                <p:cond evt="onNext">
+                <p:cond evt="onNext" delay="0">
                   <p:tgtEl>
                     <p:sldTgt/>
                   </p:tgtEl>
@@ -10022,7 +9629,288 @@
 </file>
 
 <file path=ppt/theme/theme1.xml><?xml version="1.0" encoding="utf-8"?>
-<a:theme xmlns:a="http://schemas.openxmlformats.org/drawingml/2006/main" xmlns:r="http://schemas.openxmlformats.org/officeDocument/2006/relationships" name="Custom Theme">
+<a:theme xmlns:a="http://schemas.openxmlformats.org/drawingml/2006/main" name="Pivotal Main">
+  <a:themeElements>
+    <a:clrScheme name="Pivotal R2">
+      <a:dk1>
+        <a:srgbClr val="000000"/>
+      </a:dk1>
+      <a:lt1>
+        <a:srgbClr val="FFFFFF"/>
+      </a:lt1>
+      <a:dk2>
+        <a:srgbClr val="4C4C4C"/>
+      </a:dk2>
+      <a:lt2>
+        <a:srgbClr val="B3B3B3"/>
+      </a:lt2>
+      <a:accent1>
+        <a:srgbClr val="008774"/>
+      </a:accent1>
+      <a:accent2>
+        <a:srgbClr val="00AE9E"/>
+      </a:accent2>
+      <a:accent3>
+        <a:srgbClr val="1F6FB8"/>
+      </a:accent3>
+      <a:accent4>
+        <a:srgbClr val="19B4C1"/>
+      </a:accent4>
+      <a:accent5>
+        <a:srgbClr val="6D4076"/>
+      </a:accent5>
+      <a:accent6>
+        <a:srgbClr val="FFC85F"/>
+      </a:accent6>
+      <a:hlink>
+        <a:srgbClr val="18B3C0"/>
+      </a:hlink>
+      <a:folHlink>
+        <a:srgbClr val="6C3F75"/>
+      </a:folHlink>
+    </a:clrScheme>
+    <a:fontScheme name="Office">
+      <a:majorFont>
+        <a:latin typeface="Arial"/>
+        <a:ea typeface=""/>
+        <a:cs typeface=""/>
+        <a:font script="Jpan" typeface="ＭＳ Ｐゴシック"/>
+        <a:font script="Hang" typeface="맑은 고딕"/>
+        <a:font script="Hans" typeface="宋体"/>
+        <a:font script="Hant" typeface="新細明體"/>
+        <a:font script="Arab" typeface="Times New Roman"/>
+        <a:font script="Hebr" typeface="Times New Roman"/>
+        <a:font script="Thai" typeface="Angsana New"/>
+        <a:font script="Ethi" typeface="Nyala"/>
+        <a:font script="Beng" typeface="Vrinda"/>
+        <a:font script="Gujr" typeface="Shruti"/>
+        <a:font script="Khmr" typeface="MoolBoran"/>
+        <a:font script="Knda" typeface="Tunga"/>
+        <a:font script="Guru" typeface="Raavi"/>
+        <a:font script="Cans" typeface="Euphemia"/>
+        <a:font script="Cher" typeface="Plantagenet Cherokee"/>
+        <a:font script="Yiii" typeface="Microsoft Yi Baiti"/>
+        <a:font script="Tibt" typeface="Microsoft Himalaya"/>
+        <a:font script="Thaa" typeface="MV Boli"/>
+        <a:font script="Deva" typeface="Mangal"/>
+        <a:font script="Telu" typeface="Gautami"/>
+        <a:font script="Taml" typeface="Latha"/>
+        <a:font script="Syrc" typeface="Estrangelo Edessa"/>
+        <a:font script="Orya" typeface="Kalinga"/>
+        <a:font script="Mlym" typeface="Kartika"/>
+        <a:font script="Laoo" typeface="DokChampa"/>
+        <a:font script="Sinh" typeface="Iskoola Pota"/>
+        <a:font script="Mong" typeface="Mongolian Baiti"/>
+        <a:font script="Viet" typeface="Times New Roman"/>
+        <a:font script="Uigh" typeface="Microsoft Uighur"/>
+        <a:font script="Geor" typeface="Sylfaen"/>
+      </a:majorFont>
+      <a:minorFont>
+        <a:latin typeface="Arial"/>
+        <a:ea typeface=""/>
+        <a:cs typeface=""/>
+        <a:font script="Jpan" typeface="ＭＳ Ｐゴシック"/>
+        <a:font script="Hang" typeface="맑은 고딕"/>
+        <a:font script="Hans" typeface="宋体"/>
+        <a:font script="Hant" typeface="新細明體"/>
+        <a:font script="Arab" typeface="Arial"/>
+        <a:font script="Hebr" typeface="Arial"/>
+        <a:font script="Thai" typeface="Cordia New"/>
+        <a:font script="Ethi" typeface="Nyala"/>
+        <a:font script="Beng" typeface="Vrinda"/>
+        <a:font script="Gujr" typeface="Shruti"/>
+        <a:font script="Khmr" typeface="DaunPenh"/>
+        <a:font script="Knda" typeface="Tunga"/>
+        <a:font script="Guru" typeface="Raavi"/>
+        <a:font script="Cans" typeface="Euphemia"/>
+        <a:font script="Cher" typeface="Plantagenet Cherokee"/>
+        <a:font script="Yiii" typeface="Microsoft Yi Baiti"/>
+        <a:font script="Tibt" typeface="Microsoft Himalaya"/>
+        <a:font script="Thaa" typeface="MV Boli"/>
+        <a:font script="Deva" typeface="Mangal"/>
+        <a:font script="Telu" typeface="Gautami"/>
+        <a:font script="Taml" typeface="Latha"/>
+        <a:font script="Syrc" typeface="Estrangelo Edessa"/>
+        <a:font script="Orya" typeface="Kalinga"/>
+        <a:font script="Mlym" typeface="Kartika"/>
+        <a:font script="Laoo" typeface="DokChampa"/>
+        <a:font script="Sinh" typeface="Iskoola Pota"/>
+        <a:font script="Mong" typeface="Mongolian Baiti"/>
+        <a:font script="Viet" typeface="Arial"/>
+        <a:font script="Uigh" typeface="Microsoft Uighur"/>
+        <a:font script="Geor" typeface="Sylfaen"/>
+      </a:minorFont>
+    </a:fontScheme>
+    <a:fmtScheme name="Office">
+      <a:fillStyleLst>
+        <a:solidFill>
+          <a:schemeClr val="phClr"/>
+        </a:solidFill>
+        <a:gradFill rotWithShape="1">
+          <a:gsLst>
+            <a:gs pos="0">
+              <a:schemeClr val="phClr">
+                <a:tint val="50000"/>
+                <a:satMod val="300000"/>
+              </a:schemeClr>
+            </a:gs>
+            <a:gs pos="35000">
+              <a:schemeClr val="phClr">
+                <a:tint val="37000"/>
+                <a:satMod val="300000"/>
+              </a:schemeClr>
+            </a:gs>
+            <a:gs pos="100000">
+              <a:schemeClr val="phClr">
+                <a:tint val="15000"/>
+                <a:satMod val="350000"/>
+              </a:schemeClr>
+            </a:gs>
+          </a:gsLst>
+          <a:lin ang="16200000" scaled="1"/>
+        </a:gradFill>
+        <a:gradFill rotWithShape="1">
+          <a:gsLst>
+            <a:gs pos="0">
+              <a:schemeClr val="phClr">
+                <a:tint val="100000"/>
+                <a:shade val="100000"/>
+                <a:satMod val="130000"/>
+              </a:schemeClr>
+            </a:gs>
+            <a:gs pos="100000">
+              <a:schemeClr val="phClr">
+                <a:tint val="50000"/>
+                <a:shade val="100000"/>
+                <a:satMod val="350000"/>
+              </a:schemeClr>
+            </a:gs>
+          </a:gsLst>
+          <a:lin ang="16200000" scaled="0"/>
+        </a:gradFill>
+      </a:fillStyleLst>
+      <a:lnStyleLst>
+        <a:ln w="9525" cap="flat" cmpd="sng" algn="ctr">
+          <a:solidFill>
+            <a:schemeClr val="phClr">
+              <a:shade val="95000"/>
+              <a:satMod val="105000"/>
+            </a:schemeClr>
+          </a:solidFill>
+          <a:prstDash val="solid"/>
+        </a:ln>
+        <a:ln w="25400" cap="flat" cmpd="sng" algn="ctr">
+          <a:solidFill>
+            <a:schemeClr val="phClr"/>
+          </a:solidFill>
+          <a:prstDash val="solid"/>
+        </a:ln>
+        <a:ln w="38100" cap="flat" cmpd="sng" algn="ctr">
+          <a:solidFill>
+            <a:schemeClr val="phClr"/>
+          </a:solidFill>
+          <a:prstDash val="solid"/>
+        </a:ln>
+      </a:lnStyleLst>
+      <a:effectStyleLst>
+        <a:effectStyle>
+          <a:effectLst>
+            <a:outerShdw blurRad="40000" dist="20000" dir="5400000" rotWithShape="0">
+              <a:srgbClr val="000000">
+                <a:alpha val="38000"/>
+              </a:srgbClr>
+            </a:outerShdw>
+          </a:effectLst>
+        </a:effectStyle>
+        <a:effectStyle>
+          <a:effectLst>
+            <a:outerShdw blurRad="40000" dist="23000" dir="5400000" rotWithShape="0">
+              <a:srgbClr val="000000">
+                <a:alpha val="35000"/>
+              </a:srgbClr>
+            </a:outerShdw>
+          </a:effectLst>
+        </a:effectStyle>
+        <a:effectStyle>
+          <a:effectLst>
+            <a:outerShdw blurRad="40000" dist="23000" dir="5400000" rotWithShape="0">
+              <a:srgbClr val="000000">
+                <a:alpha val="35000"/>
+              </a:srgbClr>
+            </a:outerShdw>
+          </a:effectLst>
+          <a:scene3d>
+            <a:camera prst="orthographicFront">
+              <a:rot lat="0" lon="0" rev="0"/>
+            </a:camera>
+            <a:lightRig rig="threePt" dir="t">
+              <a:rot lat="0" lon="0" rev="1200000"/>
+            </a:lightRig>
+          </a:scene3d>
+          <a:sp3d>
+            <a:bevelT w="63500" h="25400"/>
+          </a:sp3d>
+        </a:effectStyle>
+      </a:effectStyleLst>
+      <a:bgFillStyleLst>
+        <a:solidFill>
+          <a:schemeClr val="phClr"/>
+        </a:solidFill>
+        <a:gradFill rotWithShape="1">
+          <a:gsLst>
+            <a:gs pos="0">
+              <a:schemeClr val="phClr">
+                <a:tint val="40000"/>
+                <a:satMod val="350000"/>
+              </a:schemeClr>
+            </a:gs>
+            <a:gs pos="40000">
+              <a:schemeClr val="phClr">
+                <a:tint val="45000"/>
+                <a:shade val="99000"/>
+                <a:satMod val="350000"/>
+              </a:schemeClr>
+            </a:gs>
+            <a:gs pos="100000">
+              <a:schemeClr val="phClr">
+                <a:shade val="20000"/>
+                <a:satMod val="255000"/>
+              </a:schemeClr>
+            </a:gs>
+          </a:gsLst>
+          <a:path path="circle">
+            <a:fillToRect l="50000" t="-80000" r="50000" b="180000"/>
+          </a:path>
+        </a:gradFill>
+        <a:gradFill rotWithShape="1">
+          <a:gsLst>
+            <a:gs pos="0">
+              <a:schemeClr val="phClr">
+                <a:tint val="80000"/>
+                <a:satMod val="300000"/>
+              </a:schemeClr>
+            </a:gs>
+            <a:gs pos="100000">
+              <a:schemeClr val="phClr">
+                <a:shade val="30000"/>
+                <a:satMod val="200000"/>
+              </a:schemeClr>
+            </a:gs>
+          </a:gsLst>
+          <a:path path="circle">
+            <a:fillToRect l="50000" t="50000" r="50000" b="50000"/>
+          </a:path>
+        </a:gradFill>
+      </a:bgFillStyleLst>
+    </a:fmtScheme>
+  </a:themeElements>
+  <a:objectDefaults/>
+  <a:extraClrSchemeLst/>
+</a:theme>
+</file>
+
+<file path=ppt/theme/theme2.xml><?xml version="1.0" encoding="utf-8"?>
+<a:theme xmlns:a="http://schemas.openxmlformats.org/drawingml/2006/main" name="Custom Theme">
   <a:themeElements>
     <a:clrScheme name="Default">
       <a:dk1>
@@ -10297,284 +10185,7 @@
       </a:bgFillStyleLst>
     </a:fmtScheme>
   </a:themeElements>
-</a:theme>
-</file>
-
-<file path=ppt/theme/theme2.xml><?xml version="1.0" encoding="utf-8"?>
-<a:theme xmlns:a="http://schemas.openxmlformats.org/drawingml/2006/main" xmlns:r="http://schemas.openxmlformats.org/officeDocument/2006/relationships" name="Pivotal Main">
-  <a:themeElements>
-    <a:clrScheme name="Pivotal R2">
-      <a:dk1>
-        <a:srgbClr val="000000"/>
-      </a:dk1>
-      <a:lt1>
-        <a:srgbClr val="FFFFFF"/>
-      </a:lt1>
-      <a:dk2>
-        <a:srgbClr val="4C4C4C"/>
-      </a:dk2>
-      <a:lt2>
-        <a:srgbClr val="B3B3B3"/>
-      </a:lt2>
-      <a:accent1>
-        <a:srgbClr val="008774"/>
-      </a:accent1>
-      <a:accent2>
-        <a:srgbClr val="00AE9E"/>
-      </a:accent2>
-      <a:accent3>
-        <a:srgbClr val="1F6FB8"/>
-      </a:accent3>
-      <a:accent4>
-        <a:srgbClr val="19B4C1"/>
-      </a:accent4>
-      <a:accent5>
-        <a:srgbClr val="6D4076"/>
-      </a:accent5>
-      <a:accent6>
-        <a:srgbClr val="FFC85F"/>
-      </a:accent6>
-      <a:hlink>
-        <a:srgbClr val="18B3C0"/>
-      </a:hlink>
-      <a:folHlink>
-        <a:srgbClr val="6C3F75"/>
-      </a:folHlink>
-    </a:clrScheme>
-    <a:fontScheme name="Office">
-      <a:majorFont>
-        <a:latin typeface="Arial"/>
-        <a:ea typeface=""/>
-        <a:cs typeface=""/>
-        <a:font script="Jpan" typeface="ＭＳ Ｐゴシック"/>
-        <a:font script="Hang" typeface="맑은 고딕"/>
-        <a:font script="Hans" typeface="宋体"/>
-        <a:font script="Hant" typeface="新細明體"/>
-        <a:font script="Arab" typeface="Times New Roman"/>
-        <a:font script="Hebr" typeface="Times New Roman"/>
-        <a:font script="Thai" typeface="Angsana New"/>
-        <a:font script="Ethi" typeface="Nyala"/>
-        <a:font script="Beng" typeface="Vrinda"/>
-        <a:font script="Gujr" typeface="Shruti"/>
-        <a:font script="Khmr" typeface="MoolBoran"/>
-        <a:font script="Knda" typeface="Tunga"/>
-        <a:font script="Guru" typeface="Raavi"/>
-        <a:font script="Cans" typeface="Euphemia"/>
-        <a:font script="Cher" typeface="Plantagenet Cherokee"/>
-        <a:font script="Yiii" typeface="Microsoft Yi Baiti"/>
-        <a:font script="Tibt" typeface="Microsoft Himalaya"/>
-        <a:font script="Thaa" typeface="MV Boli"/>
-        <a:font script="Deva" typeface="Mangal"/>
-        <a:font script="Telu" typeface="Gautami"/>
-        <a:font script="Taml" typeface="Latha"/>
-        <a:font script="Syrc" typeface="Estrangelo Edessa"/>
-        <a:font script="Orya" typeface="Kalinga"/>
-        <a:font script="Mlym" typeface="Kartika"/>
-        <a:font script="Laoo" typeface="DokChampa"/>
-        <a:font script="Sinh" typeface="Iskoola Pota"/>
-        <a:font script="Mong" typeface="Mongolian Baiti"/>
-        <a:font script="Viet" typeface="Times New Roman"/>
-        <a:font script="Uigh" typeface="Microsoft Uighur"/>
-        <a:font script="Geor" typeface="Sylfaen"/>
-      </a:majorFont>
-      <a:minorFont>
-        <a:latin typeface="Arial"/>
-        <a:ea typeface=""/>
-        <a:cs typeface=""/>
-        <a:font script="Jpan" typeface="ＭＳ Ｐゴシック"/>
-        <a:font script="Hang" typeface="맑은 고딕"/>
-        <a:font script="Hans" typeface="宋体"/>
-        <a:font script="Hant" typeface="新細明體"/>
-        <a:font script="Arab" typeface="Arial"/>
-        <a:font script="Hebr" typeface="Arial"/>
-        <a:font script="Thai" typeface="Cordia New"/>
-        <a:font script="Ethi" typeface="Nyala"/>
-        <a:font script="Beng" typeface="Vrinda"/>
-        <a:font script="Gujr" typeface="Shruti"/>
-        <a:font script="Khmr" typeface="DaunPenh"/>
-        <a:font script="Knda" typeface="Tunga"/>
-        <a:font script="Guru" typeface="Raavi"/>
-        <a:font script="Cans" typeface="Euphemia"/>
-        <a:font script="Cher" typeface="Plantagenet Cherokee"/>
-        <a:font script="Yiii" typeface="Microsoft Yi Baiti"/>
-        <a:font script="Tibt" typeface="Microsoft Himalaya"/>
-        <a:font script="Thaa" typeface="MV Boli"/>
-        <a:font script="Deva" typeface="Mangal"/>
-        <a:font script="Telu" typeface="Gautami"/>
-        <a:font script="Taml" typeface="Latha"/>
-        <a:font script="Syrc" typeface="Estrangelo Edessa"/>
-        <a:font script="Orya" typeface="Kalinga"/>
-        <a:font script="Mlym" typeface="Kartika"/>
-        <a:font script="Laoo" typeface="DokChampa"/>
-        <a:font script="Sinh" typeface="Iskoola Pota"/>
-        <a:font script="Mong" typeface="Mongolian Baiti"/>
-        <a:font script="Viet" typeface="Arial"/>
-        <a:font script="Uigh" typeface="Microsoft Uighur"/>
-        <a:font script="Geor" typeface="Sylfaen"/>
-      </a:minorFont>
-    </a:fontScheme>
-    <a:fmtScheme name="Office">
-      <a:fillStyleLst>
-        <a:solidFill>
-          <a:schemeClr val="phClr"/>
-        </a:solidFill>
-        <a:gradFill rotWithShape="1">
-          <a:gsLst>
-            <a:gs pos="0">
-              <a:schemeClr val="phClr">
-                <a:tint val="50000"/>
-                <a:satMod val="300000"/>
-              </a:schemeClr>
-            </a:gs>
-            <a:gs pos="35000">
-              <a:schemeClr val="phClr">
-                <a:tint val="37000"/>
-                <a:satMod val="300000"/>
-              </a:schemeClr>
-            </a:gs>
-            <a:gs pos="100000">
-              <a:schemeClr val="phClr">
-                <a:tint val="15000"/>
-                <a:satMod val="350000"/>
-              </a:schemeClr>
-            </a:gs>
-          </a:gsLst>
-          <a:lin ang="16200000" scaled="1"/>
-        </a:gradFill>
-        <a:gradFill rotWithShape="1">
-          <a:gsLst>
-            <a:gs pos="0">
-              <a:schemeClr val="phClr">
-                <a:tint val="100000"/>
-                <a:shade val="100000"/>
-                <a:satMod val="130000"/>
-              </a:schemeClr>
-            </a:gs>
-            <a:gs pos="100000">
-              <a:schemeClr val="phClr">
-                <a:tint val="50000"/>
-                <a:shade val="100000"/>
-                <a:satMod val="350000"/>
-              </a:schemeClr>
-            </a:gs>
-          </a:gsLst>
-          <a:lin ang="16200000" scaled="0"/>
-        </a:gradFill>
-      </a:fillStyleLst>
-      <a:lnStyleLst>
-        <a:ln w="9525" cap="flat" cmpd="sng" algn="ctr">
-          <a:solidFill>
-            <a:schemeClr val="phClr">
-              <a:shade val="95000"/>
-              <a:satMod val="105000"/>
-            </a:schemeClr>
-          </a:solidFill>
-          <a:prstDash val="solid"/>
-        </a:ln>
-        <a:ln w="25400" cap="flat" cmpd="sng" algn="ctr">
-          <a:solidFill>
-            <a:schemeClr val="phClr"/>
-          </a:solidFill>
-          <a:prstDash val="solid"/>
-        </a:ln>
-        <a:ln w="38100" cap="flat" cmpd="sng" algn="ctr">
-          <a:solidFill>
-            <a:schemeClr val="phClr"/>
-          </a:solidFill>
-          <a:prstDash val="solid"/>
-        </a:ln>
-      </a:lnStyleLst>
-      <a:effectStyleLst>
-        <a:effectStyle>
-          <a:effectLst>
-            <a:outerShdw blurRad="40000" dist="20000" dir="5400000" rotWithShape="0">
-              <a:srgbClr val="000000">
-                <a:alpha val="38000"/>
-              </a:srgbClr>
-            </a:outerShdw>
-          </a:effectLst>
-        </a:effectStyle>
-        <a:effectStyle>
-          <a:effectLst>
-            <a:outerShdw blurRad="40000" dist="23000" dir="5400000" rotWithShape="0">
-              <a:srgbClr val="000000">
-                <a:alpha val="35000"/>
-              </a:srgbClr>
-            </a:outerShdw>
-          </a:effectLst>
-        </a:effectStyle>
-        <a:effectStyle>
-          <a:effectLst>
-            <a:outerShdw blurRad="40000" dist="23000" dir="5400000" rotWithShape="0">
-              <a:srgbClr val="000000">
-                <a:alpha val="35000"/>
-              </a:srgbClr>
-            </a:outerShdw>
-          </a:effectLst>
-          <a:scene3d>
-            <a:camera prst="orthographicFront">
-              <a:rot lat="0" lon="0" rev="0"/>
-            </a:camera>
-            <a:lightRig rig="threePt" dir="t">
-              <a:rot lat="0" lon="0" rev="1200000"/>
-            </a:lightRig>
-          </a:scene3d>
-          <a:sp3d>
-            <a:bevelT w="63500" h="25400"/>
-          </a:sp3d>
-        </a:effectStyle>
-      </a:effectStyleLst>
-      <a:bgFillStyleLst>
-        <a:solidFill>
-          <a:schemeClr val="phClr"/>
-        </a:solidFill>
-        <a:gradFill rotWithShape="1">
-          <a:gsLst>
-            <a:gs pos="0">
-              <a:schemeClr val="phClr">
-                <a:tint val="40000"/>
-                <a:satMod val="350000"/>
-              </a:schemeClr>
-            </a:gs>
-            <a:gs pos="40000">
-              <a:schemeClr val="phClr">
-                <a:tint val="45000"/>
-                <a:shade val="99000"/>
-                <a:satMod val="350000"/>
-              </a:schemeClr>
-            </a:gs>
-            <a:gs pos="100000">
-              <a:schemeClr val="phClr">
-                <a:shade val="20000"/>
-                <a:satMod val="255000"/>
-              </a:schemeClr>
-            </a:gs>
-          </a:gsLst>
-          <a:path path="circle">
-            <a:fillToRect l="50000" t="-80000" r="50000" b="180000"/>
-          </a:path>
-        </a:gradFill>
-        <a:gradFill rotWithShape="1">
-          <a:gsLst>
-            <a:gs pos="0">
-              <a:schemeClr val="phClr">
-                <a:tint val="80000"/>
-                <a:satMod val="300000"/>
-              </a:schemeClr>
-            </a:gs>
-            <a:gs pos="100000">
-              <a:schemeClr val="phClr">
-                <a:shade val="30000"/>
-                <a:satMod val="200000"/>
-              </a:schemeClr>
-            </a:gs>
-          </a:gsLst>
-          <a:path path="circle">
-            <a:fillToRect l="50000" t="50000" r="50000" b="50000"/>
-          </a:path>
-        </a:gradFill>
-      </a:bgFillStyleLst>
-    </a:fmtScheme>
-  </a:themeElements>
+  <a:objectDefaults/>
+  <a:extraClrSchemeLst/>
 </a:theme>
 </file>